--- a/ppt.pptx
+++ b/ppt.pptx
@@ -5,10 +5,10 @@
     <p:sldMasterId id="2147483708" r:id="rId1"/>
   </p:sldMasterIdLst>
   <p:notesMasterIdLst>
-    <p:notesMasterId r:id="rId21"/>
+    <p:notesMasterId r:id="rId23"/>
   </p:notesMasterIdLst>
   <p:handoutMasterIdLst>
-    <p:handoutMasterId r:id="rId22"/>
+    <p:handoutMasterId r:id="rId24"/>
   </p:handoutMasterIdLst>
   <p:sldIdLst>
     <p:sldId id="256" r:id="rId2"/>
@@ -18,18 +18,20 @@
     <p:sldId id="389" r:id="rId6"/>
     <p:sldId id="390" r:id="rId7"/>
     <p:sldId id="391" r:id="rId8"/>
-    <p:sldId id="386" r:id="rId9"/>
-    <p:sldId id="392" r:id="rId10"/>
-    <p:sldId id="393" r:id="rId11"/>
-    <p:sldId id="394" r:id="rId12"/>
-    <p:sldId id="395" r:id="rId13"/>
-    <p:sldId id="396" r:id="rId14"/>
-    <p:sldId id="397" r:id="rId15"/>
-    <p:sldId id="398" r:id="rId16"/>
-    <p:sldId id="399" r:id="rId17"/>
-    <p:sldId id="400" r:id="rId18"/>
-    <p:sldId id="401" r:id="rId19"/>
-    <p:sldId id="382" r:id="rId20"/>
+    <p:sldId id="392" r:id="rId9"/>
+    <p:sldId id="393" r:id="rId10"/>
+    <p:sldId id="394" r:id="rId11"/>
+    <p:sldId id="395" r:id="rId12"/>
+    <p:sldId id="396" r:id="rId13"/>
+    <p:sldId id="397" r:id="rId14"/>
+    <p:sldId id="398" r:id="rId15"/>
+    <p:sldId id="399" r:id="rId16"/>
+    <p:sldId id="400" r:id="rId17"/>
+    <p:sldId id="401" r:id="rId18"/>
+    <p:sldId id="403" r:id="rId19"/>
+    <p:sldId id="404" r:id="rId20"/>
+    <p:sldId id="405" r:id="rId21"/>
+    <p:sldId id="382" r:id="rId22"/>
   </p:sldIdLst>
   <p:sldSz cx="9144000" cy="6858000" type="screen4x3"/>
   <p:notesSz cx="6858000" cy="9144000"/>
@@ -229,7 +231,7 @@
           <a:p>
             <a:fld id="{B98E0277-CFAE-450F-A419-C78A2873670C}" type="datetimeFigureOut">
               <a:rPr lang="zh-TW" altLang="en-US" smtClean="0"/>
-              <a:t>2022/3/28</a:t>
+              <a:t>2022/3/29</a:t>
             </a:fld>
             <a:endParaRPr lang="zh-TW" altLang="en-US"/>
           </a:p>
@@ -394,7 +396,7 @@
           <a:p>
             <a:fld id="{18E4A890-925D-4021-8D70-A739D7E4AB24}" type="datetimeFigureOut">
               <a:rPr lang="zh-TW" altLang="en-US" smtClean="0"/>
-              <a:t>2022/3/28</a:t>
+              <a:t>2022/3/29</a:t>
             </a:fld>
             <a:endParaRPr lang="zh-TW" altLang="en-US"/>
           </a:p>
@@ -819,7 +821,7 @@
     </p:spTree>
     <p:extLst>
       <p:ext uri="{BB962C8B-B14F-4D97-AF65-F5344CB8AC3E}">
-        <p14:creationId xmlns:p14="http://schemas.microsoft.com/office/powerpoint/2010/main" val="3482347683"/>
+        <p14:creationId xmlns:p14="http://schemas.microsoft.com/office/powerpoint/2010/main" val="694090280"/>
       </p:ext>
     </p:extLst>
   </p:cSld>
@@ -903,7 +905,7 @@
     </p:spTree>
     <p:extLst>
       <p:ext uri="{BB962C8B-B14F-4D97-AF65-F5344CB8AC3E}">
-        <p14:creationId xmlns:p14="http://schemas.microsoft.com/office/powerpoint/2010/main" val="694090280"/>
+        <p14:creationId xmlns:p14="http://schemas.microsoft.com/office/powerpoint/2010/main" val="2083856180"/>
       </p:ext>
     </p:extLst>
   </p:cSld>
@@ -987,7 +989,7 @@
     </p:spTree>
     <p:extLst>
       <p:ext uri="{BB962C8B-B14F-4D97-AF65-F5344CB8AC3E}">
-        <p14:creationId xmlns:p14="http://schemas.microsoft.com/office/powerpoint/2010/main" val="2083856180"/>
+        <p14:creationId xmlns:p14="http://schemas.microsoft.com/office/powerpoint/2010/main" val="2225393602"/>
       </p:ext>
     </p:extLst>
   </p:cSld>
@@ -1071,7 +1073,7 @@
     </p:spTree>
     <p:extLst>
       <p:ext uri="{BB962C8B-B14F-4D97-AF65-F5344CB8AC3E}">
-        <p14:creationId xmlns:p14="http://schemas.microsoft.com/office/powerpoint/2010/main" val="2225393602"/>
+        <p14:creationId xmlns:p14="http://schemas.microsoft.com/office/powerpoint/2010/main" val="4206008074"/>
       </p:ext>
     </p:extLst>
   </p:cSld>
@@ -1155,7 +1157,7 @@
     </p:spTree>
     <p:extLst>
       <p:ext uri="{BB962C8B-B14F-4D97-AF65-F5344CB8AC3E}">
-        <p14:creationId xmlns:p14="http://schemas.microsoft.com/office/powerpoint/2010/main" val="4206008074"/>
+        <p14:creationId xmlns:p14="http://schemas.microsoft.com/office/powerpoint/2010/main" val="2982153412"/>
       </p:ext>
     </p:extLst>
   </p:cSld>
@@ -1231,90 +1233,6 @@
             <a:fld id="{0C5477FD-F099-43FE-A222-9DDF98E8C298}" type="slidenum">
               <a:rPr lang="zh-TW" altLang="en-US" smtClean="0"/>
               <a:t>15</a:t>
-            </a:fld>
-            <a:endParaRPr lang="zh-TW" altLang="en-US"/>
-          </a:p>
-        </p:txBody>
-      </p:sp>
-    </p:spTree>
-    <p:extLst>
-      <p:ext uri="{BB962C8B-B14F-4D97-AF65-F5344CB8AC3E}">
-        <p14:creationId xmlns:p14="http://schemas.microsoft.com/office/powerpoint/2010/main" val="2982153412"/>
-      </p:ext>
-    </p:extLst>
-  </p:cSld>
-  <p:clrMapOvr>
-    <a:masterClrMapping/>
-  </p:clrMapOvr>
-</p:notes>
-</file>
-
-<file path=ppt/notesSlides/notesSlide16.xml><?xml version="1.0" encoding="utf-8"?>
-<p:notes xmlns:a="http://schemas.openxmlformats.org/drawingml/2006/main" xmlns:r="http://schemas.openxmlformats.org/officeDocument/2006/relationships" xmlns:p="http://schemas.openxmlformats.org/presentationml/2006/main">
-  <p:cSld>
-    <p:spTree>
-      <p:nvGrpSpPr>
-        <p:cNvPr id="1" name=""/>
-        <p:cNvGrpSpPr/>
-        <p:nvPr/>
-      </p:nvGrpSpPr>
-      <p:grpSpPr>
-        <a:xfrm>
-          <a:off x="0" y="0"/>
-          <a:ext cx="0" cy="0"/>
-          <a:chOff x="0" y="0"/>
-          <a:chExt cx="0" cy="0"/>
-        </a:xfrm>
-      </p:grpSpPr>
-      <p:sp>
-        <p:nvSpPr>
-          <p:cNvPr id="2" name="投影片影像版面配置區 1"/>
-          <p:cNvSpPr>
-            <a:spLocks noGrp="1" noRot="1" noChangeAspect="1"/>
-          </p:cNvSpPr>
-          <p:nvPr>
-            <p:ph type="sldImg"/>
-          </p:nvPr>
-        </p:nvSpPr>
-        <p:spPr/>
-      </p:sp>
-      <p:sp>
-        <p:nvSpPr>
-          <p:cNvPr id="3" name="備忘稿版面配置區 2"/>
-          <p:cNvSpPr>
-            <a:spLocks noGrp="1"/>
-          </p:cNvSpPr>
-          <p:nvPr>
-            <p:ph type="body" idx="1"/>
-          </p:nvPr>
-        </p:nvSpPr>
-        <p:spPr/>
-        <p:txBody>
-          <a:bodyPr/>
-          <a:lstStyle/>
-          <a:p>
-            <a:endParaRPr lang="zh-TW" altLang="en-US" dirty="0"/>
-          </a:p>
-        </p:txBody>
-      </p:sp>
-      <p:sp>
-        <p:nvSpPr>
-          <p:cNvPr id="4" name="投影片編號版面配置區 3"/>
-          <p:cNvSpPr>
-            <a:spLocks noGrp="1"/>
-          </p:cNvSpPr>
-          <p:nvPr>
-            <p:ph type="sldNum" sz="quarter" idx="5"/>
-          </p:nvPr>
-        </p:nvSpPr>
-        <p:spPr/>
-        <p:txBody>
-          <a:bodyPr/>
-          <a:lstStyle/>
-          <a:p>
-            <a:fld id="{0C5477FD-F099-43FE-A222-9DDF98E8C298}" type="slidenum">
-              <a:rPr lang="zh-TW" altLang="en-US" smtClean="0"/>
-              <a:t>16</a:t>
             </a:fld>
             <a:endParaRPr lang="zh-TW" altLang="en-US"/>
           </a:p>
@@ -1827,7 +1745,7 @@
     </p:spTree>
     <p:extLst>
       <p:ext uri="{BB962C8B-B14F-4D97-AF65-F5344CB8AC3E}">
-        <p14:creationId xmlns:p14="http://schemas.microsoft.com/office/powerpoint/2010/main" val="2450873175"/>
+        <p14:creationId xmlns:p14="http://schemas.microsoft.com/office/powerpoint/2010/main" val="3184740400"/>
       </p:ext>
     </p:extLst>
   </p:cSld>
@@ -1911,7 +1829,7 @@
     </p:spTree>
     <p:extLst>
       <p:ext uri="{BB962C8B-B14F-4D97-AF65-F5344CB8AC3E}">
-        <p14:creationId xmlns:p14="http://schemas.microsoft.com/office/powerpoint/2010/main" val="3184740400"/>
+        <p14:creationId xmlns:p14="http://schemas.microsoft.com/office/powerpoint/2010/main" val="2862980406"/>
       </p:ext>
     </p:extLst>
   </p:cSld>
@@ -1995,7 +1913,7 @@
     </p:spTree>
     <p:extLst>
       <p:ext uri="{BB962C8B-B14F-4D97-AF65-F5344CB8AC3E}">
-        <p14:creationId xmlns:p14="http://schemas.microsoft.com/office/powerpoint/2010/main" val="2862980406"/>
+        <p14:creationId xmlns:p14="http://schemas.microsoft.com/office/powerpoint/2010/main" val="3482347683"/>
       </p:ext>
     </p:extLst>
   </p:cSld>
@@ -2231,7 +2149,7 @@
           <a:p>
             <a:fld id="{79A6CB79-6E5C-48AD-A328-DB99C3DE644A}" type="datetime1">
               <a:rPr lang="zh-TW" altLang="en-US" smtClean="0"/>
-              <a:t>2022/3/28</a:t>
+              <a:t>2022/3/29</a:t>
             </a:fld>
             <a:endParaRPr lang="zh-TW" altLang="en-US"/>
           </a:p>
@@ -2439,7 +2357,7 @@
           <a:p>
             <a:fld id="{236ED79B-2322-4D0F-861E-5C07044AFB6A}" type="datetime1">
               <a:rPr lang="zh-TW" altLang="en-US" smtClean="0"/>
-              <a:t>2022/3/28</a:t>
+              <a:t>2022/3/29</a:t>
             </a:fld>
             <a:endParaRPr lang="zh-TW" altLang="en-US"/>
           </a:p>
@@ -2695,7 +2613,7 @@
           <a:p>
             <a:fld id="{F143A62A-D1C9-4323-BD74-977A4CC60B9A}" type="datetime1">
               <a:rPr lang="zh-TW" altLang="en-US" smtClean="0"/>
-              <a:t>2022/3/28</a:t>
+              <a:t>2022/3/29</a:t>
             </a:fld>
             <a:endParaRPr lang="zh-TW" altLang="en-US"/>
           </a:p>
@@ -2865,7 +2783,7 @@
           <a:p>
             <a:fld id="{9AF5D663-4F6E-4467-B2FE-4B888A3845B1}" type="datetime1">
               <a:rPr lang="zh-TW" altLang="en-US" smtClean="0"/>
-              <a:t>2022/3/28</a:t>
+              <a:t>2022/3/29</a:t>
             </a:fld>
             <a:endParaRPr lang="zh-TW" altLang="en-US"/>
           </a:p>
@@ -3210,7 +3128,7 @@
           <a:p>
             <a:fld id="{9AF5D663-4F6E-4467-B2FE-4B888A3845B1}" type="datetime1">
               <a:rPr lang="zh-TW" altLang="en-US" smtClean="0"/>
-              <a:t>2022/3/28</a:t>
+              <a:t>2022/3/29</a:t>
             </a:fld>
             <a:endParaRPr lang="zh-TW" altLang="en-US"/>
           </a:p>
@@ -3487,7 +3405,7 @@
           <a:p>
             <a:fld id="{9AF5D663-4F6E-4467-B2FE-4B888A3845B1}" type="datetime1">
               <a:rPr lang="zh-TW" altLang="en-US" smtClean="0"/>
-              <a:t>2022/3/28</a:t>
+              <a:t>2022/3/29</a:t>
             </a:fld>
             <a:endParaRPr lang="zh-TW" altLang="en-US"/>
           </a:p>
@@ -3868,7 +3786,7 @@
           <a:p>
             <a:fld id="{9AF5D663-4F6E-4467-B2FE-4B888A3845B1}" type="datetime1">
               <a:rPr lang="zh-TW" altLang="en-US" smtClean="0"/>
-              <a:t>2022/3/28</a:t>
+              <a:t>2022/3/29</a:t>
             </a:fld>
             <a:endParaRPr lang="zh-TW" altLang="en-US"/>
           </a:p>
@@ -3988,7 +3906,7 @@
           <a:p>
             <a:fld id="{CCFE9576-C458-411D-A894-B4B2163E9761}" type="datetime1">
               <a:rPr lang="zh-TW" altLang="en-US" smtClean="0"/>
-              <a:t>2022/3/28</a:t>
+              <a:t>2022/3/29</a:t>
             </a:fld>
             <a:endParaRPr lang="zh-TW" altLang="en-US"/>
           </a:p>
@@ -4159,7 +4077,7 @@
           <a:p>
             <a:fld id="{DB108837-B011-4C06-B9B2-E1BFE6F935A0}" type="datetime1">
               <a:rPr lang="zh-TW" altLang="en-US" smtClean="0"/>
-              <a:t>2022/3/28</a:t>
+              <a:t>2022/3/29</a:t>
             </a:fld>
             <a:endParaRPr lang="zh-TW" altLang="en-US"/>
           </a:p>
@@ -4513,7 +4431,7 @@
           <a:p>
             <a:fld id="{EE661B5D-F9D6-42ED-AF65-62C7E8B20C73}" type="datetime1">
               <a:rPr lang="zh-TW" altLang="en-US" smtClean="0"/>
-              <a:t>2022/3/28</a:t>
+              <a:t>2022/3/29</a:t>
             </a:fld>
             <a:endParaRPr lang="zh-TW" altLang="en-US"/>
           </a:p>
@@ -4890,7 +4808,7 @@
           <a:p>
             <a:fld id="{2244AD35-B16C-4116-B2D2-CB1B0DF40273}" type="datetime1">
               <a:rPr lang="zh-TW" altLang="en-US" smtClean="0"/>
-              <a:t>2022/3/28</a:t>
+              <a:t>2022/3/29</a:t>
             </a:fld>
             <a:endParaRPr lang="zh-TW" altLang="en-US"/>
           </a:p>
@@ -5177,7 +5095,7 @@
           <a:p>
             <a:fld id="{9AF5D663-4F6E-4467-B2FE-4B888A3845B1}" type="datetime1">
               <a:rPr lang="zh-TW" altLang="en-US" smtClean="0"/>
-              <a:t>2022/3/28</a:t>
+              <a:t>2022/3/29</a:t>
             </a:fld>
             <a:endParaRPr lang="zh-TW" altLang="en-US"/>
           </a:p>
@@ -6373,663 +6291,6 @@
               <a:buFont typeface="Wingdings" panose="05000000000000000000" pitchFamily="2" charset="2"/>
               <a:buChar char="l"/>
             </a:pPr>
-            <a:r>
-              <a:rPr lang="en-US" altLang="zh-TW" sz="2400" dirty="0" err="1">
-                <a:solidFill>
-                  <a:schemeClr val="tx1"/>
-                </a:solidFill>
-                <a:ea typeface="Tahoma" panose="020B0604030504040204" pitchFamily="34" charset="0"/>
-                <a:cs typeface="Tahoma" panose="020B0604030504040204" pitchFamily="34" charset="0"/>
-              </a:rPr>
-              <a:t>xrt.run_summary</a:t>
-            </a:r>
-            <a:endParaRPr lang="en-US" altLang="zh-TW" sz="2400" dirty="0">
-              <a:solidFill>
-                <a:schemeClr val="tx1"/>
-              </a:solidFill>
-              <a:ea typeface="Tahoma" panose="020B0604030504040204" pitchFamily="34" charset="0"/>
-              <a:cs typeface="Tahoma" panose="020B0604030504040204" pitchFamily="34" charset="0"/>
-            </a:endParaRPr>
-          </a:p>
-          <a:p>
-            <a:pPr marL="188640" indent="-457200">
-              <a:lnSpc>
-                <a:spcPct val="100000"/>
-              </a:lnSpc>
-              <a:buFont typeface="Wingdings" panose="05000000000000000000" pitchFamily="2" charset="2"/>
-              <a:buChar char="l"/>
-            </a:pPr>
-            <a:r>
-              <a:rPr lang="en-US" altLang="zh-TW" sz="2400" dirty="0">
-                <a:solidFill>
-                  <a:schemeClr val="tx1"/>
-                </a:solidFill>
-                <a:ea typeface="Tahoma" panose="020B0604030504040204" pitchFamily="34" charset="0"/>
-                <a:cs typeface="Tahoma" panose="020B0604030504040204" pitchFamily="34" charset="0"/>
-              </a:rPr>
-              <a:t>Created by XRT library</a:t>
-            </a:r>
-          </a:p>
-          <a:p>
-            <a:pPr marL="188640" indent="-457200">
-              <a:lnSpc>
-                <a:spcPct val="100000"/>
-              </a:lnSpc>
-              <a:buFont typeface="Wingdings" panose="05000000000000000000" pitchFamily="2" charset="2"/>
-              <a:buChar char="l"/>
-            </a:pPr>
-            <a:r>
-              <a:rPr lang="en-US" altLang="zh-TW" sz="2400" dirty="0">
-                <a:solidFill>
-                  <a:schemeClr val="tx1"/>
-                </a:solidFill>
-                <a:ea typeface="Tahoma" panose="020B0604030504040204" pitchFamily="34" charset="0"/>
-                <a:cs typeface="Tahoma" panose="020B0604030504040204" pitchFamily="34" charset="0"/>
-              </a:rPr>
-              <a:t>Guidance</a:t>
-            </a:r>
-          </a:p>
-          <a:p>
-            <a:pPr marL="188640" indent="-457200">
-              <a:lnSpc>
-                <a:spcPct val="100000"/>
-              </a:lnSpc>
-              <a:buFont typeface="Wingdings" panose="05000000000000000000" pitchFamily="2" charset="2"/>
-              <a:buChar char="l"/>
-            </a:pPr>
-            <a:r>
-              <a:rPr lang="en-US" altLang="zh-TW" sz="2400" b="1" dirty="0">
-                <a:solidFill>
-                  <a:schemeClr val="tx1"/>
-                </a:solidFill>
-                <a:ea typeface="Tahoma" panose="020B0604030504040204" pitchFamily="34" charset="0"/>
-                <a:cs typeface="Tahoma" panose="020B0604030504040204" pitchFamily="34" charset="0"/>
-              </a:rPr>
-              <a:t>Profile Summary</a:t>
-            </a:r>
-          </a:p>
-          <a:p>
-            <a:pPr marL="188640" indent="-457200">
-              <a:lnSpc>
-                <a:spcPct val="100000"/>
-              </a:lnSpc>
-              <a:buFont typeface="Wingdings" panose="05000000000000000000" pitchFamily="2" charset="2"/>
-              <a:buChar char="l"/>
-            </a:pPr>
-            <a:r>
-              <a:rPr lang="en-US" altLang="zh-TW" sz="2400" dirty="0">
-                <a:solidFill>
-                  <a:schemeClr val="tx1"/>
-                </a:solidFill>
-                <a:ea typeface="Tahoma" panose="020B0604030504040204" pitchFamily="34" charset="0"/>
-                <a:cs typeface="Tahoma" panose="020B0604030504040204" pitchFamily="34" charset="0"/>
-              </a:rPr>
-              <a:t>Timeline Trace</a:t>
-            </a:r>
-          </a:p>
-          <a:p>
-            <a:pPr marL="188640" indent="-457200">
-              <a:lnSpc>
-                <a:spcPct val="100000"/>
-              </a:lnSpc>
-              <a:buFont typeface="Wingdings" panose="05000000000000000000" pitchFamily="2" charset="2"/>
-              <a:buChar char="l"/>
-            </a:pPr>
-            <a:r>
-              <a:rPr lang="en-US" altLang="zh-TW" sz="2400" dirty="0">
-                <a:solidFill>
-                  <a:schemeClr val="tx1"/>
-                </a:solidFill>
-                <a:ea typeface="Tahoma" panose="020B0604030504040204" pitchFamily="34" charset="0"/>
-                <a:cs typeface="Tahoma" panose="020B0604030504040204" pitchFamily="34" charset="0"/>
-              </a:rPr>
-              <a:t>Platform and System Diagrams</a:t>
-            </a:r>
-          </a:p>
-          <a:p>
-            <a:pPr marL="188640" indent="-457200">
-              <a:lnSpc>
-                <a:spcPct val="100000"/>
-              </a:lnSpc>
-              <a:buFont typeface="Wingdings" panose="05000000000000000000" pitchFamily="2" charset="2"/>
-              <a:buChar char="l"/>
-            </a:pPr>
-            <a:r>
-              <a:rPr lang="en-US" altLang="zh-TW" sz="2400" dirty="0">
-                <a:solidFill>
-                  <a:schemeClr val="tx1"/>
-                </a:solidFill>
-                <a:ea typeface="Tahoma" panose="020B0604030504040204" pitchFamily="34" charset="0"/>
-                <a:cs typeface="Tahoma" panose="020B0604030504040204" pitchFamily="34" charset="0"/>
-              </a:rPr>
-              <a:t>Simulation Waveforms</a:t>
-            </a:r>
-          </a:p>
-        </p:txBody>
-      </p:sp>
-      <p:pic>
-        <p:nvPicPr>
-          <p:cNvPr id="7" name="圖片 6">
-            <a:extLst>
-              <a:ext uri="{FF2B5EF4-FFF2-40B4-BE49-F238E27FC236}">
-                <a16:creationId xmlns:a16="http://schemas.microsoft.com/office/drawing/2014/main" id="{DB9FAB63-2413-4A31-9B2E-DB3136B1C3C5}"/>
-              </a:ext>
-            </a:extLst>
-          </p:cNvPr>
-          <p:cNvPicPr>
-            <a:picLocks noChangeAspect="1"/>
-          </p:cNvPicPr>
-          <p:nvPr/>
-        </p:nvPicPr>
-        <p:blipFill>
-          <a:blip r:embed="rId3"/>
-          <a:stretch>
-            <a:fillRect/>
-          </a:stretch>
-        </p:blipFill>
-        <p:spPr>
-          <a:xfrm>
-            <a:off x="5889095" y="911886"/>
-            <a:ext cx="2161857" cy="3697218"/>
-          </a:xfrm>
-          <a:prstGeom prst="rect">
-            <a:avLst/>
-          </a:prstGeom>
-        </p:spPr>
-      </p:pic>
-      <p:pic>
-        <p:nvPicPr>
-          <p:cNvPr id="8" name="圖片 7">
-            <a:extLst>
-              <a:ext uri="{FF2B5EF4-FFF2-40B4-BE49-F238E27FC236}">
-                <a16:creationId xmlns:a16="http://schemas.microsoft.com/office/drawing/2014/main" id="{8C42B231-5240-4252-8E4B-EB5C15C151D4}"/>
-              </a:ext>
-            </a:extLst>
-          </p:cNvPr>
-          <p:cNvPicPr>
-            <a:picLocks noChangeAspect="1"/>
-          </p:cNvPicPr>
-          <p:nvPr/>
-        </p:nvPicPr>
-        <p:blipFill>
-          <a:blip r:embed="rId4"/>
-          <a:stretch>
-            <a:fillRect/>
-          </a:stretch>
-        </p:blipFill>
-        <p:spPr>
-          <a:xfrm>
-            <a:off x="1187624" y="4687749"/>
-            <a:ext cx="6426714" cy="1662741"/>
-          </a:xfrm>
-          <a:prstGeom prst="rect">
-            <a:avLst/>
-          </a:prstGeom>
-        </p:spPr>
-      </p:pic>
-    </p:spTree>
-    <p:extLst>
-      <p:ext uri="{BB962C8B-B14F-4D97-AF65-F5344CB8AC3E}">
-        <p14:creationId xmlns:p14="http://schemas.microsoft.com/office/powerpoint/2010/main" val="4214256414"/>
-      </p:ext>
-    </p:extLst>
-  </p:cSld>
-  <p:clrMapOvr>
-    <a:masterClrMapping/>
-  </p:clrMapOvr>
-  <mc:AlternateContent xmlns:mc="http://schemas.openxmlformats.org/markup-compatibility/2006" xmlns:p14="http://schemas.microsoft.com/office/powerpoint/2010/main">
-    <mc:Choice Requires="p14">
-      <p:transition spd="slow" p14:dur="2000">
-        <p:cut/>
-      </p:transition>
-    </mc:Choice>
-    <mc:Fallback xmlns="">
-      <p:transition spd="slow">
-        <p:cut/>
-      </p:transition>
-    </mc:Fallback>
-  </mc:AlternateContent>
-</p:sld>
-</file>
-
-<file path=ppt/slides/slide11.xml><?xml version="1.0" encoding="utf-8"?>
-<p:sld xmlns:a="http://schemas.openxmlformats.org/drawingml/2006/main" xmlns:r="http://schemas.openxmlformats.org/officeDocument/2006/relationships" xmlns:p="http://schemas.openxmlformats.org/presentationml/2006/main">
-  <p:cSld>
-    <p:spTree>
-      <p:nvGrpSpPr>
-        <p:cNvPr id="1" name=""/>
-        <p:cNvGrpSpPr/>
-        <p:nvPr/>
-      </p:nvGrpSpPr>
-      <p:grpSpPr>
-        <a:xfrm>
-          <a:off x="0" y="0"/>
-          <a:ext cx="0" cy="0"/>
-          <a:chOff x="0" y="0"/>
-          <a:chExt cx="0" cy="0"/>
-        </a:xfrm>
-      </p:grpSpPr>
-      <p:sp>
-        <p:nvSpPr>
-          <p:cNvPr id="4" name="投影片編號版面配置區 3">
-            <a:extLst>
-              <a:ext uri="{FF2B5EF4-FFF2-40B4-BE49-F238E27FC236}">
-                <a16:creationId xmlns:a16="http://schemas.microsoft.com/office/drawing/2014/main" id="{445CC383-97AD-40AF-8D90-BF5659592C6E}"/>
-              </a:ext>
-            </a:extLst>
-          </p:cNvPr>
-          <p:cNvSpPr>
-            <a:spLocks noGrp="1"/>
-          </p:cNvSpPr>
-          <p:nvPr>
-            <p:ph type="sldNum" sz="quarter" idx="12"/>
-          </p:nvPr>
-        </p:nvSpPr>
-        <p:spPr>
-          <a:xfrm>
-            <a:off x="7425344" y="6459786"/>
-            <a:ext cx="1718656" cy="398207"/>
-          </a:xfrm>
-        </p:spPr>
-        <p:txBody>
-          <a:bodyPr/>
-          <a:lstStyle/>
-          <a:p>
-            <a:fld id="{73DA0BB7-265A-403C-9275-D587AB510EDC}" type="slidenum">
-              <a:rPr lang="zh-TW" altLang="en-US" sz="2000" smtClean="0"/>
-              <a:pPr/>
-              <a:t>10</a:t>
-            </a:fld>
-            <a:endParaRPr lang="zh-TW" altLang="en-US" sz="2000" dirty="0"/>
-          </a:p>
-        </p:txBody>
-      </p:sp>
-      <p:sp>
-        <p:nvSpPr>
-          <p:cNvPr id="5" name="標題 1">
-            <a:extLst>
-              <a:ext uri="{FF2B5EF4-FFF2-40B4-BE49-F238E27FC236}">
-                <a16:creationId xmlns:a16="http://schemas.microsoft.com/office/drawing/2014/main" id="{4578D9B9-8E18-4EDE-9CE7-D54DEDAFDB5C}"/>
-              </a:ext>
-            </a:extLst>
-          </p:cNvPr>
-          <p:cNvSpPr txBox="1">
-            <a:spLocks/>
-          </p:cNvSpPr>
-          <p:nvPr/>
-        </p:nvSpPr>
-        <p:spPr>
-          <a:xfrm>
-            <a:off x="467544" y="287616"/>
-            <a:ext cx="8208912" cy="477374"/>
-          </a:xfrm>
-          <a:prstGeom prst="rect">
-            <a:avLst/>
-          </a:prstGeom>
-        </p:spPr>
-        <p:txBody>
-          <a:bodyPr>
-            <a:normAutofit lnSpcReduction="10000"/>
-          </a:bodyPr>
-          <a:lstStyle>
-            <a:lvl1pPr algn="l" defTabSz="914400" rtl="0" eaLnBrk="1" latinLnBrk="0" hangingPunct="1">
-              <a:lnSpc>
-                <a:spcPct val="85000"/>
-              </a:lnSpc>
-              <a:spcBef>
-                <a:spcPct val="0"/>
-              </a:spcBef>
-              <a:buNone/>
-              <a:defRPr sz="4800" kern="1200" spc="-50" baseline="0">
-                <a:solidFill>
-                  <a:schemeClr val="tx1">
-                    <a:lumMod val="75000"/>
-                    <a:lumOff val="25000"/>
-                  </a:schemeClr>
-                </a:solidFill>
-                <a:latin typeface="+mj-lt"/>
-                <a:ea typeface="+mj-ea"/>
-                <a:cs typeface="+mj-cs"/>
-              </a:defRPr>
-            </a:lvl1pPr>
-          </a:lstStyle>
-          <a:p>
-            <a:r>
-              <a:rPr lang="en-US" altLang="zh-TW" sz="3000" b="1" dirty="0">
-                <a:solidFill>
-                  <a:srgbClr val="0070C0"/>
-                </a:solidFill>
-                <a:latin typeface="Verdana" panose="020B0604030504040204" pitchFamily="34" charset="0"/>
-                <a:ea typeface="Verdana" panose="020B0604030504040204" pitchFamily="34" charset="0"/>
-              </a:rPr>
-              <a:t>Open summary – Run summary</a:t>
-            </a:r>
-            <a:endParaRPr lang="zh-TW" altLang="en-US" sz="3000" b="1" dirty="0">
-              <a:solidFill>
-                <a:srgbClr val="0070C0"/>
-              </a:solidFill>
-              <a:latin typeface="Verdana" panose="020B0604030504040204" pitchFamily="34" charset="0"/>
-            </a:endParaRPr>
-          </a:p>
-        </p:txBody>
-      </p:sp>
-      <p:cxnSp>
-        <p:nvCxnSpPr>
-          <p:cNvPr id="6" name="直線接點 5">
-            <a:extLst>
-              <a:ext uri="{FF2B5EF4-FFF2-40B4-BE49-F238E27FC236}">
-                <a16:creationId xmlns:a16="http://schemas.microsoft.com/office/drawing/2014/main" id="{98BA7524-F829-4D5A-9E6B-F1A62E470C45}"/>
-              </a:ext>
-            </a:extLst>
-          </p:cNvPr>
-          <p:cNvCxnSpPr/>
-          <p:nvPr/>
-        </p:nvCxnSpPr>
-        <p:spPr>
-          <a:xfrm>
-            <a:off x="467544" y="830074"/>
-            <a:ext cx="8208912" cy="0"/>
-          </a:xfrm>
-          <a:prstGeom prst="line">
-            <a:avLst/>
-          </a:prstGeom>
-        </p:spPr>
-        <p:style>
-          <a:lnRef idx="2">
-            <a:schemeClr val="accent1"/>
-          </a:lnRef>
-          <a:fillRef idx="0">
-            <a:schemeClr val="accent1"/>
-          </a:fillRef>
-          <a:effectRef idx="1">
-            <a:schemeClr val="accent1"/>
-          </a:effectRef>
-          <a:fontRef idx="minor">
-            <a:schemeClr val="tx1"/>
-          </a:fontRef>
-        </p:style>
-      </p:cxnSp>
-      <p:sp>
-        <p:nvSpPr>
-          <p:cNvPr id="20" name="內容版面配置區 2">
-            <a:extLst>
-              <a:ext uri="{FF2B5EF4-FFF2-40B4-BE49-F238E27FC236}">
-                <a16:creationId xmlns:a16="http://schemas.microsoft.com/office/drawing/2014/main" id="{545F541D-67E9-4DD0-B043-60EE90D360FC}"/>
-              </a:ext>
-            </a:extLst>
-          </p:cNvPr>
-          <p:cNvSpPr txBox="1">
-            <a:spLocks/>
-          </p:cNvSpPr>
-          <p:nvPr/>
-        </p:nvSpPr>
-        <p:spPr>
-          <a:xfrm>
-            <a:off x="467544" y="908721"/>
-            <a:ext cx="8208912" cy="5328591"/>
-          </a:xfrm>
-          <a:prstGeom prst="rect">
-            <a:avLst/>
-          </a:prstGeom>
-        </p:spPr>
-        <p:txBody>
-          <a:bodyPr>
-            <a:normAutofit/>
-          </a:bodyPr>
-          <a:lstStyle>
-            <a:lvl1pPr marL="91440" indent="-91440" algn="l" defTabSz="914400" rtl="0" eaLnBrk="1" latinLnBrk="0" hangingPunct="1">
-              <a:lnSpc>
-                <a:spcPct val="90000"/>
-              </a:lnSpc>
-              <a:spcBef>
-                <a:spcPts val="1200"/>
-              </a:spcBef>
-              <a:spcAft>
-                <a:spcPts val="200"/>
-              </a:spcAft>
-              <a:buClr>
-                <a:schemeClr val="accent1"/>
-              </a:buClr>
-              <a:buSzPct val="100000"/>
-              <a:buFont typeface="Calibri" panose="020F0502020204030204" pitchFamily="34" charset="0"/>
-              <a:buChar char=" "/>
-              <a:defRPr sz="2000" kern="1200">
-                <a:solidFill>
-                  <a:schemeClr val="tx1">
-                    <a:lumMod val="75000"/>
-                    <a:lumOff val="25000"/>
-                  </a:schemeClr>
-                </a:solidFill>
-                <a:latin typeface="+mn-lt"/>
-                <a:ea typeface="+mn-ea"/>
-                <a:cs typeface="+mn-cs"/>
-              </a:defRPr>
-            </a:lvl1pPr>
-            <a:lvl2pPr marL="384048" indent="-182880" algn="l" defTabSz="914400" rtl="0" eaLnBrk="1" latinLnBrk="0" hangingPunct="1">
-              <a:lnSpc>
-                <a:spcPct val="90000"/>
-              </a:lnSpc>
-              <a:spcBef>
-                <a:spcPts val="200"/>
-              </a:spcBef>
-              <a:spcAft>
-                <a:spcPts val="400"/>
-              </a:spcAft>
-              <a:buClr>
-                <a:schemeClr val="accent1"/>
-              </a:buClr>
-              <a:buFont typeface="Calibri" pitchFamily="34" charset="0"/>
-              <a:buChar char="◦"/>
-              <a:defRPr sz="1800" kern="1200">
-                <a:solidFill>
-                  <a:schemeClr val="tx1">
-                    <a:lumMod val="75000"/>
-                    <a:lumOff val="25000"/>
-                  </a:schemeClr>
-                </a:solidFill>
-                <a:latin typeface="+mn-lt"/>
-                <a:ea typeface="+mn-ea"/>
-                <a:cs typeface="+mn-cs"/>
-              </a:defRPr>
-            </a:lvl2pPr>
-            <a:lvl3pPr marL="566928" indent="-182880" algn="l" defTabSz="914400" rtl="0" eaLnBrk="1" latinLnBrk="0" hangingPunct="1">
-              <a:lnSpc>
-                <a:spcPct val="90000"/>
-              </a:lnSpc>
-              <a:spcBef>
-                <a:spcPts val="200"/>
-              </a:spcBef>
-              <a:spcAft>
-                <a:spcPts val="400"/>
-              </a:spcAft>
-              <a:buClr>
-                <a:schemeClr val="accent1"/>
-              </a:buClr>
-              <a:buFont typeface="Calibri" pitchFamily="34" charset="0"/>
-              <a:buChar char="◦"/>
-              <a:defRPr sz="1400" kern="1200">
-                <a:solidFill>
-                  <a:schemeClr val="tx1">
-                    <a:lumMod val="75000"/>
-                    <a:lumOff val="25000"/>
-                  </a:schemeClr>
-                </a:solidFill>
-                <a:latin typeface="+mn-lt"/>
-                <a:ea typeface="+mn-ea"/>
-                <a:cs typeface="+mn-cs"/>
-              </a:defRPr>
-            </a:lvl3pPr>
-            <a:lvl4pPr marL="749808" indent="-182880" algn="l" defTabSz="914400" rtl="0" eaLnBrk="1" latinLnBrk="0" hangingPunct="1">
-              <a:lnSpc>
-                <a:spcPct val="90000"/>
-              </a:lnSpc>
-              <a:spcBef>
-                <a:spcPts val="200"/>
-              </a:spcBef>
-              <a:spcAft>
-                <a:spcPts val="400"/>
-              </a:spcAft>
-              <a:buClr>
-                <a:schemeClr val="accent1"/>
-              </a:buClr>
-              <a:buFont typeface="Calibri" pitchFamily="34" charset="0"/>
-              <a:buChar char="◦"/>
-              <a:defRPr sz="1400" kern="1200">
-                <a:solidFill>
-                  <a:schemeClr val="tx1">
-                    <a:lumMod val="75000"/>
-                    <a:lumOff val="25000"/>
-                  </a:schemeClr>
-                </a:solidFill>
-                <a:latin typeface="+mn-lt"/>
-                <a:ea typeface="+mn-ea"/>
-                <a:cs typeface="+mn-cs"/>
-              </a:defRPr>
-            </a:lvl4pPr>
-            <a:lvl5pPr marL="932688" indent="-182880" algn="l" defTabSz="914400" rtl="0" eaLnBrk="1" latinLnBrk="0" hangingPunct="1">
-              <a:lnSpc>
-                <a:spcPct val="90000"/>
-              </a:lnSpc>
-              <a:spcBef>
-                <a:spcPts val="200"/>
-              </a:spcBef>
-              <a:spcAft>
-                <a:spcPts val="400"/>
-              </a:spcAft>
-              <a:buClr>
-                <a:schemeClr val="accent1"/>
-              </a:buClr>
-              <a:buFont typeface="Calibri" pitchFamily="34" charset="0"/>
-              <a:buChar char="◦"/>
-              <a:defRPr sz="1400" kern="1200">
-                <a:solidFill>
-                  <a:schemeClr val="tx1">
-                    <a:lumMod val="75000"/>
-                    <a:lumOff val="25000"/>
-                  </a:schemeClr>
-                </a:solidFill>
-                <a:latin typeface="+mn-lt"/>
-                <a:ea typeface="+mn-ea"/>
-                <a:cs typeface="+mn-cs"/>
-              </a:defRPr>
-            </a:lvl5pPr>
-            <a:lvl6pPr marL="1100000" indent="-228600" algn="l" defTabSz="914400" rtl="0" eaLnBrk="1" latinLnBrk="0" hangingPunct="1">
-              <a:lnSpc>
-                <a:spcPct val="90000"/>
-              </a:lnSpc>
-              <a:spcBef>
-                <a:spcPts val="200"/>
-              </a:spcBef>
-              <a:spcAft>
-                <a:spcPts val="400"/>
-              </a:spcAft>
-              <a:buClr>
-                <a:schemeClr val="accent1"/>
-              </a:buClr>
-              <a:buFont typeface="Calibri" pitchFamily="34" charset="0"/>
-              <a:buChar char="◦"/>
-              <a:defRPr sz="1400" kern="1200">
-                <a:solidFill>
-                  <a:schemeClr val="tx1">
-                    <a:lumMod val="75000"/>
-                    <a:lumOff val="25000"/>
-                  </a:schemeClr>
-                </a:solidFill>
-                <a:latin typeface="+mn-lt"/>
-                <a:ea typeface="+mn-ea"/>
-                <a:cs typeface="+mn-cs"/>
-              </a:defRPr>
-            </a:lvl6pPr>
-            <a:lvl7pPr marL="1300000" indent="-228600" algn="l" defTabSz="914400" rtl="0" eaLnBrk="1" latinLnBrk="0" hangingPunct="1">
-              <a:lnSpc>
-                <a:spcPct val="90000"/>
-              </a:lnSpc>
-              <a:spcBef>
-                <a:spcPts val="200"/>
-              </a:spcBef>
-              <a:spcAft>
-                <a:spcPts val="400"/>
-              </a:spcAft>
-              <a:buClr>
-                <a:schemeClr val="accent1"/>
-              </a:buClr>
-              <a:buFont typeface="Calibri" pitchFamily="34" charset="0"/>
-              <a:buChar char="◦"/>
-              <a:defRPr sz="1400" kern="1200">
-                <a:solidFill>
-                  <a:schemeClr val="tx1">
-                    <a:lumMod val="75000"/>
-                    <a:lumOff val="25000"/>
-                  </a:schemeClr>
-                </a:solidFill>
-                <a:latin typeface="+mn-lt"/>
-                <a:ea typeface="+mn-ea"/>
-                <a:cs typeface="+mn-cs"/>
-              </a:defRPr>
-            </a:lvl7pPr>
-            <a:lvl8pPr marL="1500000" indent="-228600" algn="l" defTabSz="914400" rtl="0" eaLnBrk="1" latinLnBrk="0" hangingPunct="1">
-              <a:lnSpc>
-                <a:spcPct val="90000"/>
-              </a:lnSpc>
-              <a:spcBef>
-                <a:spcPts val="200"/>
-              </a:spcBef>
-              <a:spcAft>
-                <a:spcPts val="400"/>
-              </a:spcAft>
-              <a:buClr>
-                <a:schemeClr val="accent1"/>
-              </a:buClr>
-              <a:buFont typeface="Calibri" pitchFamily="34" charset="0"/>
-              <a:buChar char="◦"/>
-              <a:defRPr sz="1400" kern="1200">
-                <a:solidFill>
-                  <a:schemeClr val="tx1">
-                    <a:lumMod val="75000"/>
-                    <a:lumOff val="25000"/>
-                  </a:schemeClr>
-                </a:solidFill>
-                <a:latin typeface="+mn-lt"/>
-                <a:ea typeface="+mn-ea"/>
-                <a:cs typeface="+mn-cs"/>
-              </a:defRPr>
-            </a:lvl8pPr>
-            <a:lvl9pPr marL="1700000" indent="-228600" algn="l" defTabSz="914400" rtl="0" eaLnBrk="1" latinLnBrk="0" hangingPunct="1">
-              <a:lnSpc>
-                <a:spcPct val="90000"/>
-              </a:lnSpc>
-              <a:spcBef>
-                <a:spcPts val="200"/>
-              </a:spcBef>
-              <a:spcAft>
-                <a:spcPts val="400"/>
-              </a:spcAft>
-              <a:buClr>
-                <a:schemeClr val="accent1"/>
-              </a:buClr>
-              <a:buFont typeface="Calibri" pitchFamily="34" charset="0"/>
-              <a:buChar char="◦"/>
-              <a:defRPr sz="1400" kern="1200">
-                <a:solidFill>
-                  <a:schemeClr val="tx1">
-                    <a:lumMod val="75000"/>
-                    <a:lumOff val="25000"/>
-                  </a:schemeClr>
-                </a:solidFill>
-                <a:latin typeface="+mn-lt"/>
-                <a:ea typeface="+mn-ea"/>
-                <a:cs typeface="+mn-cs"/>
-              </a:defRPr>
-            </a:lvl9pPr>
-          </a:lstStyle>
-          <a:p>
-            <a:pPr marL="188640" indent="-457200">
-              <a:lnSpc>
-                <a:spcPct val="100000"/>
-              </a:lnSpc>
-              <a:buFont typeface="Wingdings" panose="05000000000000000000" pitchFamily="2" charset="2"/>
-              <a:buChar char="l"/>
-            </a:pPr>
             <a:endParaRPr lang="en-US" altLang="zh-TW" sz="2400" dirty="0">
               <a:solidFill>
                 <a:schemeClr val="tx1"/>
@@ -7095,7 +6356,7 @@
 </p:sld>
 </file>
 
-<file path=ppt/slides/slide12.xml><?xml version="1.0" encoding="utf-8"?>
+<file path=ppt/slides/slide11.xml><?xml version="1.0" encoding="utf-8"?>
 <p:sld xmlns:a="http://schemas.openxmlformats.org/drawingml/2006/main" xmlns:r="http://schemas.openxmlformats.org/officeDocument/2006/relationships" xmlns:p="http://schemas.openxmlformats.org/presentationml/2006/main">
   <p:cSld>
     <p:spTree>
@@ -7141,7 +6402,7 @@
             <a:fld id="{73DA0BB7-265A-403C-9275-D587AB510EDC}" type="slidenum">
               <a:rPr lang="zh-TW" altLang="en-US" sz="2000" smtClean="0"/>
               <a:pPr/>
-              <a:t>11</a:t>
+              <a:t>10</a:t>
             </a:fld>
             <a:endParaRPr lang="zh-TW" altLang="en-US" sz="2000" dirty="0"/>
           </a:p>
@@ -7598,7 +6859,7 @@
 </p:sld>
 </file>
 
-<file path=ppt/slides/slide13.xml><?xml version="1.0" encoding="utf-8"?>
+<file path=ppt/slides/slide12.xml><?xml version="1.0" encoding="utf-8"?>
 <p:sld xmlns:a="http://schemas.openxmlformats.org/drawingml/2006/main" xmlns:r="http://schemas.openxmlformats.org/officeDocument/2006/relationships" xmlns:p="http://schemas.openxmlformats.org/presentationml/2006/main">
   <p:cSld>
     <p:spTree>
@@ -7644,7 +6905,7 @@
             <a:fld id="{73DA0BB7-265A-403C-9275-D587AB510EDC}" type="slidenum">
               <a:rPr lang="zh-TW" altLang="en-US" sz="2000" smtClean="0"/>
               <a:pPr/>
-              <a:t>12</a:t>
+              <a:t>11</a:t>
             </a:fld>
             <a:endParaRPr lang="zh-TW" altLang="en-US" sz="2000" dirty="0"/>
           </a:p>
@@ -8101,7 +7362,7 @@
 </p:sld>
 </file>
 
-<file path=ppt/slides/slide14.xml><?xml version="1.0" encoding="utf-8"?>
+<file path=ppt/slides/slide13.xml><?xml version="1.0" encoding="utf-8"?>
 <p:sld xmlns:a="http://schemas.openxmlformats.org/drawingml/2006/main" xmlns:r="http://schemas.openxmlformats.org/officeDocument/2006/relationships" xmlns:p="http://schemas.openxmlformats.org/presentationml/2006/main">
   <p:cSld>
     <p:spTree>
@@ -8147,7 +7408,7 @@
             <a:fld id="{73DA0BB7-265A-403C-9275-D587AB510EDC}" type="slidenum">
               <a:rPr lang="zh-TW" altLang="en-US" sz="2000" smtClean="0"/>
               <a:pPr/>
-              <a:t>13</a:t>
+              <a:t>12</a:t>
             </a:fld>
             <a:endParaRPr lang="zh-TW" altLang="en-US" sz="2000" dirty="0"/>
           </a:p>
@@ -8604,7 +7865,7 @@
 </p:sld>
 </file>
 
-<file path=ppt/slides/slide15.xml><?xml version="1.0" encoding="utf-8"?>
+<file path=ppt/slides/slide14.xml><?xml version="1.0" encoding="utf-8"?>
 <p:sld xmlns:a="http://schemas.openxmlformats.org/drawingml/2006/main" xmlns:r="http://schemas.openxmlformats.org/officeDocument/2006/relationships" xmlns:p="http://schemas.openxmlformats.org/presentationml/2006/main">
   <p:cSld>
     <p:spTree>
@@ -8650,7 +7911,7 @@
             <a:fld id="{73DA0BB7-265A-403C-9275-D587AB510EDC}" type="slidenum">
               <a:rPr lang="zh-TW" altLang="en-US" sz="2000" smtClean="0"/>
               <a:pPr/>
-              <a:t>14</a:t>
+              <a:t>13</a:t>
             </a:fld>
             <a:endParaRPr lang="zh-TW" altLang="en-US" sz="2000" dirty="0"/>
           </a:p>
@@ -9230,7 +8491,7 @@
 </p:sld>
 </file>
 
-<file path=ppt/slides/slide16.xml><?xml version="1.0" encoding="utf-8"?>
+<file path=ppt/slides/slide15.xml><?xml version="1.0" encoding="utf-8"?>
 <p:sld xmlns:a="http://schemas.openxmlformats.org/drawingml/2006/main" xmlns:r="http://schemas.openxmlformats.org/officeDocument/2006/relationships" xmlns:p="http://schemas.openxmlformats.org/presentationml/2006/main">
   <p:cSld>
     <p:spTree>
@@ -9276,7 +8537,7 @@
             <a:fld id="{73DA0BB7-265A-403C-9275-D587AB510EDC}" type="slidenum">
               <a:rPr lang="zh-TW" altLang="en-US" sz="2000" smtClean="0"/>
               <a:pPr/>
-              <a:t>15</a:t>
+              <a:t>14</a:t>
             </a:fld>
             <a:endParaRPr lang="zh-TW" altLang="en-US" sz="2000" dirty="0"/>
           </a:p>
@@ -9733,7 +8994,7 @@
 </p:sld>
 </file>
 
-<file path=ppt/slides/slide17.xml><?xml version="1.0" encoding="utf-8"?>
+<file path=ppt/slides/slide16.xml><?xml version="1.0" encoding="utf-8"?>
 <p:sld xmlns:a="http://schemas.openxmlformats.org/drawingml/2006/main" xmlns:r="http://schemas.openxmlformats.org/officeDocument/2006/relationships" xmlns:p="http://schemas.openxmlformats.org/presentationml/2006/main">
   <p:cSld>
     <p:spTree>
@@ -9779,7 +9040,7 @@
             <a:fld id="{73DA0BB7-265A-403C-9275-D587AB510EDC}" type="slidenum">
               <a:rPr lang="zh-TW" altLang="en-US" sz="2000" smtClean="0"/>
               <a:pPr/>
-              <a:t>16</a:t>
+              <a:t>15</a:t>
             </a:fld>
             <a:endParaRPr lang="zh-TW" altLang="en-US" sz="2000" dirty="0"/>
           </a:p>
@@ -10236,7 +9497,7 @@
 </p:sld>
 </file>
 
-<file path=ppt/slides/slide18.xml><?xml version="1.0" encoding="utf-8"?>
+<file path=ppt/slides/slide17.xml><?xml version="1.0" encoding="utf-8"?>
 <p:sld xmlns:a="http://schemas.openxmlformats.org/drawingml/2006/main" xmlns:r="http://schemas.openxmlformats.org/officeDocument/2006/relationships" xmlns:p="http://schemas.openxmlformats.org/presentationml/2006/main">
   <p:cSld>
     <p:spTree>
@@ -10282,7 +9543,7 @@
             <a:fld id="{73DA0BB7-265A-403C-9275-D587AB510EDC}" type="slidenum">
               <a:rPr lang="zh-TW" altLang="en-US" sz="2000" smtClean="0"/>
               <a:pPr/>
-              <a:t>17</a:t>
+              <a:t>16</a:t>
             </a:fld>
             <a:endParaRPr lang="zh-TW" altLang="en-US" sz="2000" dirty="0"/>
           </a:p>
@@ -10681,10 +9942,1210 @@
           </a:p>
         </p:txBody>
       </p:sp>
+      <p:sp>
+        <p:nvSpPr>
+          <p:cNvPr id="8" name="內容版面配置區 2">
+            <a:extLst>
+              <a:ext uri="{FF2B5EF4-FFF2-40B4-BE49-F238E27FC236}">
+                <a16:creationId xmlns:a16="http://schemas.microsoft.com/office/drawing/2014/main" id="{C33345E7-348B-4581-8866-42E8AA7EB6B5}"/>
+              </a:ext>
+            </a:extLst>
+          </p:cNvPr>
+          <p:cNvSpPr txBox="1">
+            <a:spLocks/>
+          </p:cNvSpPr>
+          <p:nvPr/>
+        </p:nvSpPr>
+        <p:spPr>
+          <a:xfrm>
+            <a:off x="619944" y="1061121"/>
+            <a:ext cx="8208912" cy="5328591"/>
+          </a:xfrm>
+          <a:prstGeom prst="rect">
+            <a:avLst/>
+          </a:prstGeom>
+        </p:spPr>
+        <p:txBody>
+          <a:bodyPr>
+            <a:normAutofit/>
+          </a:bodyPr>
+          <a:lstStyle>
+            <a:lvl1pPr marL="91440" indent="-91440" algn="l" defTabSz="914400" rtl="0" eaLnBrk="1" latinLnBrk="0" hangingPunct="1">
+              <a:lnSpc>
+                <a:spcPct val="90000"/>
+              </a:lnSpc>
+              <a:spcBef>
+                <a:spcPts val="1200"/>
+              </a:spcBef>
+              <a:spcAft>
+                <a:spcPts val="200"/>
+              </a:spcAft>
+              <a:buClr>
+                <a:schemeClr val="accent1"/>
+              </a:buClr>
+              <a:buSzPct val="100000"/>
+              <a:buFont typeface="Calibri" panose="020F0502020204030204" pitchFamily="34" charset="0"/>
+              <a:buChar char=" "/>
+              <a:defRPr sz="2000" kern="1200">
+                <a:solidFill>
+                  <a:schemeClr val="tx1">
+                    <a:lumMod val="75000"/>
+                    <a:lumOff val="25000"/>
+                  </a:schemeClr>
+                </a:solidFill>
+                <a:latin typeface="+mn-lt"/>
+                <a:ea typeface="+mn-ea"/>
+                <a:cs typeface="+mn-cs"/>
+              </a:defRPr>
+            </a:lvl1pPr>
+            <a:lvl2pPr marL="384048" indent="-182880" algn="l" defTabSz="914400" rtl="0" eaLnBrk="1" latinLnBrk="0" hangingPunct="1">
+              <a:lnSpc>
+                <a:spcPct val="90000"/>
+              </a:lnSpc>
+              <a:spcBef>
+                <a:spcPts val="200"/>
+              </a:spcBef>
+              <a:spcAft>
+                <a:spcPts val="400"/>
+              </a:spcAft>
+              <a:buClr>
+                <a:schemeClr val="accent1"/>
+              </a:buClr>
+              <a:buFont typeface="Calibri" pitchFamily="34" charset="0"/>
+              <a:buChar char="◦"/>
+              <a:defRPr sz="1800" kern="1200">
+                <a:solidFill>
+                  <a:schemeClr val="tx1">
+                    <a:lumMod val="75000"/>
+                    <a:lumOff val="25000"/>
+                  </a:schemeClr>
+                </a:solidFill>
+                <a:latin typeface="+mn-lt"/>
+                <a:ea typeface="+mn-ea"/>
+                <a:cs typeface="+mn-cs"/>
+              </a:defRPr>
+            </a:lvl2pPr>
+            <a:lvl3pPr marL="566928" indent="-182880" algn="l" defTabSz="914400" rtl="0" eaLnBrk="1" latinLnBrk="0" hangingPunct="1">
+              <a:lnSpc>
+                <a:spcPct val="90000"/>
+              </a:lnSpc>
+              <a:spcBef>
+                <a:spcPts val="200"/>
+              </a:spcBef>
+              <a:spcAft>
+                <a:spcPts val="400"/>
+              </a:spcAft>
+              <a:buClr>
+                <a:schemeClr val="accent1"/>
+              </a:buClr>
+              <a:buFont typeface="Calibri" pitchFamily="34" charset="0"/>
+              <a:buChar char="◦"/>
+              <a:defRPr sz="1400" kern="1200">
+                <a:solidFill>
+                  <a:schemeClr val="tx1">
+                    <a:lumMod val="75000"/>
+                    <a:lumOff val="25000"/>
+                  </a:schemeClr>
+                </a:solidFill>
+                <a:latin typeface="+mn-lt"/>
+                <a:ea typeface="+mn-ea"/>
+                <a:cs typeface="+mn-cs"/>
+              </a:defRPr>
+            </a:lvl3pPr>
+            <a:lvl4pPr marL="749808" indent="-182880" algn="l" defTabSz="914400" rtl="0" eaLnBrk="1" latinLnBrk="0" hangingPunct="1">
+              <a:lnSpc>
+                <a:spcPct val="90000"/>
+              </a:lnSpc>
+              <a:spcBef>
+                <a:spcPts val="200"/>
+              </a:spcBef>
+              <a:spcAft>
+                <a:spcPts val="400"/>
+              </a:spcAft>
+              <a:buClr>
+                <a:schemeClr val="accent1"/>
+              </a:buClr>
+              <a:buFont typeface="Calibri" pitchFamily="34" charset="0"/>
+              <a:buChar char="◦"/>
+              <a:defRPr sz="1400" kern="1200">
+                <a:solidFill>
+                  <a:schemeClr val="tx1">
+                    <a:lumMod val="75000"/>
+                    <a:lumOff val="25000"/>
+                  </a:schemeClr>
+                </a:solidFill>
+                <a:latin typeface="+mn-lt"/>
+                <a:ea typeface="+mn-ea"/>
+                <a:cs typeface="+mn-cs"/>
+              </a:defRPr>
+            </a:lvl4pPr>
+            <a:lvl5pPr marL="932688" indent="-182880" algn="l" defTabSz="914400" rtl="0" eaLnBrk="1" latinLnBrk="0" hangingPunct="1">
+              <a:lnSpc>
+                <a:spcPct val="90000"/>
+              </a:lnSpc>
+              <a:spcBef>
+                <a:spcPts val="200"/>
+              </a:spcBef>
+              <a:spcAft>
+                <a:spcPts val="400"/>
+              </a:spcAft>
+              <a:buClr>
+                <a:schemeClr val="accent1"/>
+              </a:buClr>
+              <a:buFont typeface="Calibri" pitchFamily="34" charset="0"/>
+              <a:buChar char="◦"/>
+              <a:defRPr sz="1400" kern="1200">
+                <a:solidFill>
+                  <a:schemeClr val="tx1">
+                    <a:lumMod val="75000"/>
+                    <a:lumOff val="25000"/>
+                  </a:schemeClr>
+                </a:solidFill>
+                <a:latin typeface="+mn-lt"/>
+                <a:ea typeface="+mn-ea"/>
+                <a:cs typeface="+mn-cs"/>
+              </a:defRPr>
+            </a:lvl5pPr>
+            <a:lvl6pPr marL="1100000" indent="-228600" algn="l" defTabSz="914400" rtl="0" eaLnBrk="1" latinLnBrk="0" hangingPunct="1">
+              <a:lnSpc>
+                <a:spcPct val="90000"/>
+              </a:lnSpc>
+              <a:spcBef>
+                <a:spcPts val="200"/>
+              </a:spcBef>
+              <a:spcAft>
+                <a:spcPts val="400"/>
+              </a:spcAft>
+              <a:buClr>
+                <a:schemeClr val="accent1"/>
+              </a:buClr>
+              <a:buFont typeface="Calibri" pitchFamily="34" charset="0"/>
+              <a:buChar char="◦"/>
+              <a:defRPr sz="1400" kern="1200">
+                <a:solidFill>
+                  <a:schemeClr val="tx1">
+                    <a:lumMod val="75000"/>
+                    <a:lumOff val="25000"/>
+                  </a:schemeClr>
+                </a:solidFill>
+                <a:latin typeface="+mn-lt"/>
+                <a:ea typeface="+mn-ea"/>
+                <a:cs typeface="+mn-cs"/>
+              </a:defRPr>
+            </a:lvl6pPr>
+            <a:lvl7pPr marL="1300000" indent="-228600" algn="l" defTabSz="914400" rtl="0" eaLnBrk="1" latinLnBrk="0" hangingPunct="1">
+              <a:lnSpc>
+                <a:spcPct val="90000"/>
+              </a:lnSpc>
+              <a:spcBef>
+                <a:spcPts val="200"/>
+              </a:spcBef>
+              <a:spcAft>
+                <a:spcPts val="400"/>
+              </a:spcAft>
+              <a:buClr>
+                <a:schemeClr val="accent1"/>
+              </a:buClr>
+              <a:buFont typeface="Calibri" pitchFamily="34" charset="0"/>
+              <a:buChar char="◦"/>
+              <a:defRPr sz="1400" kern="1200">
+                <a:solidFill>
+                  <a:schemeClr val="tx1">
+                    <a:lumMod val="75000"/>
+                    <a:lumOff val="25000"/>
+                  </a:schemeClr>
+                </a:solidFill>
+                <a:latin typeface="+mn-lt"/>
+                <a:ea typeface="+mn-ea"/>
+                <a:cs typeface="+mn-cs"/>
+              </a:defRPr>
+            </a:lvl7pPr>
+            <a:lvl8pPr marL="1500000" indent="-228600" algn="l" defTabSz="914400" rtl="0" eaLnBrk="1" latinLnBrk="0" hangingPunct="1">
+              <a:lnSpc>
+                <a:spcPct val="90000"/>
+              </a:lnSpc>
+              <a:spcBef>
+                <a:spcPts val="200"/>
+              </a:spcBef>
+              <a:spcAft>
+                <a:spcPts val="400"/>
+              </a:spcAft>
+              <a:buClr>
+                <a:schemeClr val="accent1"/>
+              </a:buClr>
+              <a:buFont typeface="Calibri" pitchFamily="34" charset="0"/>
+              <a:buChar char="◦"/>
+              <a:defRPr sz="1400" kern="1200">
+                <a:solidFill>
+                  <a:schemeClr val="tx1">
+                    <a:lumMod val="75000"/>
+                    <a:lumOff val="25000"/>
+                  </a:schemeClr>
+                </a:solidFill>
+                <a:latin typeface="+mn-lt"/>
+                <a:ea typeface="+mn-ea"/>
+                <a:cs typeface="+mn-cs"/>
+              </a:defRPr>
+            </a:lvl8pPr>
+            <a:lvl9pPr marL="1700000" indent="-228600" algn="l" defTabSz="914400" rtl="0" eaLnBrk="1" latinLnBrk="0" hangingPunct="1">
+              <a:lnSpc>
+                <a:spcPct val="90000"/>
+              </a:lnSpc>
+              <a:spcBef>
+                <a:spcPts val="200"/>
+              </a:spcBef>
+              <a:spcAft>
+                <a:spcPts val="400"/>
+              </a:spcAft>
+              <a:buClr>
+                <a:schemeClr val="accent1"/>
+              </a:buClr>
+              <a:buFont typeface="Calibri" pitchFamily="34" charset="0"/>
+              <a:buChar char="◦"/>
+              <a:defRPr sz="1400" kern="1200">
+                <a:solidFill>
+                  <a:schemeClr val="tx1">
+                    <a:lumMod val="75000"/>
+                    <a:lumOff val="25000"/>
+                  </a:schemeClr>
+                </a:solidFill>
+                <a:latin typeface="+mn-lt"/>
+                <a:ea typeface="+mn-ea"/>
+                <a:cs typeface="+mn-cs"/>
+              </a:defRPr>
+            </a:lvl9pPr>
+          </a:lstStyle>
+          <a:p>
+            <a:pPr marL="0" indent="0">
+              <a:lnSpc>
+                <a:spcPct val="100000"/>
+              </a:lnSpc>
+              <a:buNone/>
+            </a:pPr>
+            <a:r>
+              <a:rPr lang="en-US" altLang="zh-TW" sz="3200" dirty="0">
+                <a:solidFill>
+                  <a:schemeClr val="tx1"/>
+                </a:solidFill>
+                <a:ea typeface="Tahoma" panose="020B0604030504040204" pitchFamily="34" charset="0"/>
+                <a:cs typeface="Tahoma" panose="020B0604030504040204" pitchFamily="34" charset="0"/>
+              </a:rPr>
+              <a:t>Which of the following can help check kernel resource usage?</a:t>
+            </a:r>
+          </a:p>
+          <a:p>
+            <a:pPr marL="457200" indent="-457200">
+              <a:lnSpc>
+                <a:spcPct val="100000"/>
+              </a:lnSpc>
+              <a:buAutoNum type="alphaLcParenBoth"/>
+            </a:pPr>
+            <a:r>
+              <a:rPr lang="en-US" altLang="zh-TW" sz="2800" dirty="0">
+                <a:solidFill>
+                  <a:schemeClr val="tx1"/>
+                </a:solidFill>
+                <a:ea typeface="Tahoma" panose="020B0604030504040204" pitchFamily="34" charset="0"/>
+                <a:cs typeface="Tahoma" panose="020B0604030504040204" pitchFamily="34" charset="0"/>
+              </a:rPr>
+              <a:t>Compile Summary</a:t>
+            </a:r>
+          </a:p>
+          <a:p>
+            <a:pPr marL="457200" indent="-457200">
+              <a:lnSpc>
+                <a:spcPct val="100000"/>
+              </a:lnSpc>
+              <a:buAutoNum type="alphaLcParenBoth"/>
+            </a:pPr>
+            <a:r>
+              <a:rPr lang="en-US" altLang="zh-TW" sz="2800" dirty="0">
+                <a:solidFill>
+                  <a:schemeClr val="tx1"/>
+                </a:solidFill>
+                <a:ea typeface="Tahoma" panose="020B0604030504040204" pitchFamily="34" charset="0"/>
+                <a:cs typeface="Tahoma" panose="020B0604030504040204" pitchFamily="34" charset="0"/>
+              </a:rPr>
+              <a:t>Link Summary</a:t>
+            </a:r>
+          </a:p>
+          <a:p>
+            <a:pPr marL="457200" indent="-457200">
+              <a:lnSpc>
+                <a:spcPct val="100000"/>
+              </a:lnSpc>
+              <a:buAutoNum type="alphaLcParenBoth"/>
+            </a:pPr>
+            <a:r>
+              <a:rPr lang="en-US" altLang="zh-TW" sz="2800" dirty="0">
+                <a:solidFill>
+                  <a:schemeClr val="tx1"/>
+                </a:solidFill>
+                <a:ea typeface="Tahoma" panose="020B0604030504040204" pitchFamily="34" charset="0"/>
+                <a:cs typeface="Tahoma" panose="020B0604030504040204" pitchFamily="34" charset="0"/>
+              </a:rPr>
+              <a:t>Package Summary</a:t>
+            </a:r>
+          </a:p>
+          <a:p>
+            <a:pPr marL="457200" indent="-457200">
+              <a:lnSpc>
+                <a:spcPct val="100000"/>
+              </a:lnSpc>
+              <a:buAutoNum type="alphaLcParenBoth"/>
+            </a:pPr>
+            <a:r>
+              <a:rPr lang="en-US" altLang="zh-TW" sz="2800" dirty="0">
+                <a:solidFill>
+                  <a:schemeClr val="tx1"/>
+                </a:solidFill>
+                <a:ea typeface="Tahoma" panose="020B0604030504040204" pitchFamily="34" charset="0"/>
+                <a:cs typeface="Tahoma" panose="020B0604030504040204" pitchFamily="34" charset="0"/>
+              </a:rPr>
+              <a:t>Run Summary</a:t>
+            </a:r>
+          </a:p>
+        </p:txBody>
+      </p:sp>
     </p:spTree>
     <p:extLst>
       <p:ext uri="{BB962C8B-B14F-4D97-AF65-F5344CB8AC3E}">
         <p14:creationId xmlns:p14="http://schemas.microsoft.com/office/powerpoint/2010/main" val="1871548610"/>
+      </p:ext>
+    </p:extLst>
+  </p:cSld>
+  <p:clrMapOvr>
+    <a:masterClrMapping/>
+  </p:clrMapOvr>
+  <mc:AlternateContent xmlns:mc="http://schemas.openxmlformats.org/markup-compatibility/2006" xmlns:p14="http://schemas.microsoft.com/office/powerpoint/2010/main">
+    <mc:Choice Requires="p14">
+      <p:transition spd="slow" p14:dur="2000">
+        <p:cut/>
+      </p:transition>
+    </mc:Choice>
+    <mc:Fallback xmlns="">
+      <p:transition spd="slow">
+        <p:cut/>
+      </p:transition>
+    </mc:Fallback>
+  </mc:AlternateContent>
+</p:sld>
+</file>
+
+<file path=ppt/slides/slide18.xml><?xml version="1.0" encoding="utf-8"?>
+<p:sld xmlns:a="http://schemas.openxmlformats.org/drawingml/2006/main" xmlns:r="http://schemas.openxmlformats.org/officeDocument/2006/relationships" xmlns:p="http://schemas.openxmlformats.org/presentationml/2006/main">
+  <p:cSld>
+    <p:spTree>
+      <p:nvGrpSpPr>
+        <p:cNvPr id="1" name=""/>
+        <p:cNvGrpSpPr/>
+        <p:nvPr/>
+      </p:nvGrpSpPr>
+      <p:grpSpPr>
+        <a:xfrm>
+          <a:off x="0" y="0"/>
+          <a:ext cx="0" cy="0"/>
+          <a:chOff x="0" y="0"/>
+          <a:chExt cx="0" cy="0"/>
+        </a:xfrm>
+      </p:grpSpPr>
+      <p:sp>
+        <p:nvSpPr>
+          <p:cNvPr id="4" name="投影片編號版面配置區 3">
+            <a:extLst>
+              <a:ext uri="{FF2B5EF4-FFF2-40B4-BE49-F238E27FC236}">
+                <a16:creationId xmlns:a16="http://schemas.microsoft.com/office/drawing/2014/main" id="{445CC383-97AD-40AF-8D90-BF5659592C6E}"/>
+              </a:ext>
+            </a:extLst>
+          </p:cNvPr>
+          <p:cNvSpPr>
+            <a:spLocks noGrp="1"/>
+          </p:cNvSpPr>
+          <p:nvPr>
+            <p:ph type="sldNum" sz="quarter" idx="12"/>
+          </p:nvPr>
+        </p:nvSpPr>
+        <p:spPr>
+          <a:xfrm>
+            <a:off x="7425344" y="6459786"/>
+            <a:ext cx="1718656" cy="398207"/>
+          </a:xfrm>
+        </p:spPr>
+        <p:txBody>
+          <a:bodyPr/>
+          <a:lstStyle/>
+          <a:p>
+            <a:fld id="{73DA0BB7-265A-403C-9275-D587AB510EDC}" type="slidenum">
+              <a:rPr lang="zh-TW" altLang="en-US" sz="2000" smtClean="0"/>
+              <a:pPr/>
+              <a:t>17</a:t>
+            </a:fld>
+            <a:endParaRPr lang="zh-TW" altLang="en-US" sz="2000" dirty="0"/>
+          </a:p>
+        </p:txBody>
+      </p:sp>
+      <p:sp>
+        <p:nvSpPr>
+          <p:cNvPr id="5" name="標題 1">
+            <a:extLst>
+              <a:ext uri="{FF2B5EF4-FFF2-40B4-BE49-F238E27FC236}">
+                <a16:creationId xmlns:a16="http://schemas.microsoft.com/office/drawing/2014/main" id="{4578D9B9-8E18-4EDE-9CE7-D54DEDAFDB5C}"/>
+              </a:ext>
+            </a:extLst>
+          </p:cNvPr>
+          <p:cNvSpPr txBox="1">
+            <a:spLocks/>
+          </p:cNvSpPr>
+          <p:nvPr/>
+        </p:nvSpPr>
+        <p:spPr>
+          <a:xfrm>
+            <a:off x="467544" y="287616"/>
+            <a:ext cx="7543800" cy="477374"/>
+          </a:xfrm>
+          <a:prstGeom prst="rect">
+            <a:avLst/>
+          </a:prstGeom>
+        </p:spPr>
+        <p:txBody>
+          <a:bodyPr>
+            <a:normAutofit lnSpcReduction="10000"/>
+          </a:bodyPr>
+          <a:lstStyle>
+            <a:lvl1pPr algn="l" defTabSz="914400" rtl="0" eaLnBrk="1" latinLnBrk="0" hangingPunct="1">
+              <a:lnSpc>
+                <a:spcPct val="85000"/>
+              </a:lnSpc>
+              <a:spcBef>
+                <a:spcPct val="0"/>
+              </a:spcBef>
+              <a:buNone/>
+              <a:defRPr sz="4800" kern="1200" spc="-50" baseline="0">
+                <a:solidFill>
+                  <a:schemeClr val="tx1">
+                    <a:lumMod val="75000"/>
+                    <a:lumOff val="25000"/>
+                  </a:schemeClr>
+                </a:solidFill>
+                <a:latin typeface="+mj-lt"/>
+                <a:ea typeface="+mj-ea"/>
+                <a:cs typeface="+mj-cs"/>
+              </a:defRPr>
+            </a:lvl1pPr>
+          </a:lstStyle>
+          <a:p>
+            <a:r>
+              <a:rPr lang="en-US" altLang="zh-TW" sz="3000" b="1" dirty="0">
+                <a:solidFill>
+                  <a:srgbClr val="0070C0"/>
+                </a:solidFill>
+                <a:latin typeface="Verdana" panose="020B0604030504040204" pitchFamily="34" charset="0"/>
+              </a:rPr>
+              <a:t>Quiz</a:t>
+            </a:r>
+            <a:endParaRPr lang="zh-TW" altLang="en-US" sz="3000" b="1" dirty="0">
+              <a:solidFill>
+                <a:srgbClr val="0070C0"/>
+              </a:solidFill>
+              <a:latin typeface="Verdana" panose="020B0604030504040204" pitchFamily="34" charset="0"/>
+            </a:endParaRPr>
+          </a:p>
+        </p:txBody>
+      </p:sp>
+      <p:cxnSp>
+        <p:nvCxnSpPr>
+          <p:cNvPr id="6" name="直線接點 5">
+            <a:extLst>
+              <a:ext uri="{FF2B5EF4-FFF2-40B4-BE49-F238E27FC236}">
+                <a16:creationId xmlns:a16="http://schemas.microsoft.com/office/drawing/2014/main" id="{98BA7524-F829-4D5A-9E6B-F1A62E470C45}"/>
+              </a:ext>
+            </a:extLst>
+          </p:cNvPr>
+          <p:cNvCxnSpPr/>
+          <p:nvPr/>
+        </p:nvCxnSpPr>
+        <p:spPr>
+          <a:xfrm>
+            <a:off x="467544" y="830074"/>
+            <a:ext cx="8208912" cy="0"/>
+          </a:xfrm>
+          <a:prstGeom prst="line">
+            <a:avLst/>
+          </a:prstGeom>
+        </p:spPr>
+        <p:style>
+          <a:lnRef idx="2">
+            <a:schemeClr val="accent1"/>
+          </a:lnRef>
+          <a:fillRef idx="0">
+            <a:schemeClr val="accent1"/>
+          </a:fillRef>
+          <a:effectRef idx="1">
+            <a:schemeClr val="accent1"/>
+          </a:effectRef>
+          <a:fontRef idx="minor">
+            <a:schemeClr val="tx1"/>
+          </a:fontRef>
+        </p:style>
+      </p:cxnSp>
+      <p:sp>
+        <p:nvSpPr>
+          <p:cNvPr id="7" name="內容版面配置區 2">
+            <a:extLst>
+              <a:ext uri="{FF2B5EF4-FFF2-40B4-BE49-F238E27FC236}">
+                <a16:creationId xmlns:a16="http://schemas.microsoft.com/office/drawing/2014/main" id="{76EAB151-3F9E-47E1-8D10-FAB89B3612A9}"/>
+              </a:ext>
+            </a:extLst>
+          </p:cNvPr>
+          <p:cNvSpPr txBox="1">
+            <a:spLocks/>
+          </p:cNvSpPr>
+          <p:nvPr/>
+        </p:nvSpPr>
+        <p:spPr>
+          <a:xfrm>
+            <a:off x="467544" y="908721"/>
+            <a:ext cx="8208912" cy="5328591"/>
+          </a:xfrm>
+          <a:prstGeom prst="rect">
+            <a:avLst/>
+          </a:prstGeom>
+        </p:spPr>
+        <p:txBody>
+          <a:bodyPr>
+            <a:normAutofit/>
+          </a:bodyPr>
+          <a:lstStyle>
+            <a:lvl1pPr marL="91440" indent="-91440" algn="l" defTabSz="914400" rtl="0" eaLnBrk="1" latinLnBrk="0" hangingPunct="1">
+              <a:lnSpc>
+                <a:spcPct val="90000"/>
+              </a:lnSpc>
+              <a:spcBef>
+                <a:spcPts val="1200"/>
+              </a:spcBef>
+              <a:spcAft>
+                <a:spcPts val="200"/>
+              </a:spcAft>
+              <a:buClr>
+                <a:schemeClr val="accent1"/>
+              </a:buClr>
+              <a:buSzPct val="100000"/>
+              <a:buFont typeface="Calibri" panose="020F0502020204030204" pitchFamily="34" charset="0"/>
+              <a:buChar char=" "/>
+              <a:defRPr sz="2000" kern="1200">
+                <a:solidFill>
+                  <a:schemeClr val="tx1">
+                    <a:lumMod val="75000"/>
+                    <a:lumOff val="25000"/>
+                  </a:schemeClr>
+                </a:solidFill>
+                <a:latin typeface="+mn-lt"/>
+                <a:ea typeface="+mn-ea"/>
+                <a:cs typeface="+mn-cs"/>
+              </a:defRPr>
+            </a:lvl1pPr>
+            <a:lvl2pPr marL="384048" indent="-182880" algn="l" defTabSz="914400" rtl="0" eaLnBrk="1" latinLnBrk="0" hangingPunct="1">
+              <a:lnSpc>
+                <a:spcPct val="90000"/>
+              </a:lnSpc>
+              <a:spcBef>
+                <a:spcPts val="200"/>
+              </a:spcBef>
+              <a:spcAft>
+                <a:spcPts val="400"/>
+              </a:spcAft>
+              <a:buClr>
+                <a:schemeClr val="accent1"/>
+              </a:buClr>
+              <a:buFont typeface="Calibri" pitchFamily="34" charset="0"/>
+              <a:buChar char="◦"/>
+              <a:defRPr sz="1800" kern="1200">
+                <a:solidFill>
+                  <a:schemeClr val="tx1">
+                    <a:lumMod val="75000"/>
+                    <a:lumOff val="25000"/>
+                  </a:schemeClr>
+                </a:solidFill>
+                <a:latin typeface="+mn-lt"/>
+                <a:ea typeface="+mn-ea"/>
+                <a:cs typeface="+mn-cs"/>
+              </a:defRPr>
+            </a:lvl2pPr>
+            <a:lvl3pPr marL="566928" indent="-182880" algn="l" defTabSz="914400" rtl="0" eaLnBrk="1" latinLnBrk="0" hangingPunct="1">
+              <a:lnSpc>
+                <a:spcPct val="90000"/>
+              </a:lnSpc>
+              <a:spcBef>
+                <a:spcPts val="200"/>
+              </a:spcBef>
+              <a:spcAft>
+                <a:spcPts val="400"/>
+              </a:spcAft>
+              <a:buClr>
+                <a:schemeClr val="accent1"/>
+              </a:buClr>
+              <a:buFont typeface="Calibri" pitchFamily="34" charset="0"/>
+              <a:buChar char="◦"/>
+              <a:defRPr sz="1400" kern="1200">
+                <a:solidFill>
+                  <a:schemeClr val="tx1">
+                    <a:lumMod val="75000"/>
+                    <a:lumOff val="25000"/>
+                  </a:schemeClr>
+                </a:solidFill>
+                <a:latin typeface="+mn-lt"/>
+                <a:ea typeface="+mn-ea"/>
+                <a:cs typeface="+mn-cs"/>
+              </a:defRPr>
+            </a:lvl3pPr>
+            <a:lvl4pPr marL="749808" indent="-182880" algn="l" defTabSz="914400" rtl="0" eaLnBrk="1" latinLnBrk="0" hangingPunct="1">
+              <a:lnSpc>
+                <a:spcPct val="90000"/>
+              </a:lnSpc>
+              <a:spcBef>
+                <a:spcPts val="200"/>
+              </a:spcBef>
+              <a:spcAft>
+                <a:spcPts val="400"/>
+              </a:spcAft>
+              <a:buClr>
+                <a:schemeClr val="accent1"/>
+              </a:buClr>
+              <a:buFont typeface="Calibri" pitchFamily="34" charset="0"/>
+              <a:buChar char="◦"/>
+              <a:defRPr sz="1400" kern="1200">
+                <a:solidFill>
+                  <a:schemeClr val="tx1">
+                    <a:lumMod val="75000"/>
+                    <a:lumOff val="25000"/>
+                  </a:schemeClr>
+                </a:solidFill>
+                <a:latin typeface="+mn-lt"/>
+                <a:ea typeface="+mn-ea"/>
+                <a:cs typeface="+mn-cs"/>
+              </a:defRPr>
+            </a:lvl4pPr>
+            <a:lvl5pPr marL="932688" indent="-182880" algn="l" defTabSz="914400" rtl="0" eaLnBrk="1" latinLnBrk="0" hangingPunct="1">
+              <a:lnSpc>
+                <a:spcPct val="90000"/>
+              </a:lnSpc>
+              <a:spcBef>
+                <a:spcPts val="200"/>
+              </a:spcBef>
+              <a:spcAft>
+                <a:spcPts val="400"/>
+              </a:spcAft>
+              <a:buClr>
+                <a:schemeClr val="accent1"/>
+              </a:buClr>
+              <a:buFont typeface="Calibri" pitchFamily="34" charset="0"/>
+              <a:buChar char="◦"/>
+              <a:defRPr sz="1400" kern="1200">
+                <a:solidFill>
+                  <a:schemeClr val="tx1">
+                    <a:lumMod val="75000"/>
+                    <a:lumOff val="25000"/>
+                  </a:schemeClr>
+                </a:solidFill>
+                <a:latin typeface="+mn-lt"/>
+                <a:ea typeface="+mn-ea"/>
+                <a:cs typeface="+mn-cs"/>
+              </a:defRPr>
+            </a:lvl5pPr>
+            <a:lvl6pPr marL="1100000" indent="-228600" algn="l" defTabSz="914400" rtl="0" eaLnBrk="1" latinLnBrk="0" hangingPunct="1">
+              <a:lnSpc>
+                <a:spcPct val="90000"/>
+              </a:lnSpc>
+              <a:spcBef>
+                <a:spcPts val="200"/>
+              </a:spcBef>
+              <a:spcAft>
+                <a:spcPts val="400"/>
+              </a:spcAft>
+              <a:buClr>
+                <a:schemeClr val="accent1"/>
+              </a:buClr>
+              <a:buFont typeface="Calibri" pitchFamily="34" charset="0"/>
+              <a:buChar char="◦"/>
+              <a:defRPr sz="1400" kern="1200">
+                <a:solidFill>
+                  <a:schemeClr val="tx1">
+                    <a:lumMod val="75000"/>
+                    <a:lumOff val="25000"/>
+                  </a:schemeClr>
+                </a:solidFill>
+                <a:latin typeface="+mn-lt"/>
+                <a:ea typeface="+mn-ea"/>
+                <a:cs typeface="+mn-cs"/>
+              </a:defRPr>
+            </a:lvl6pPr>
+            <a:lvl7pPr marL="1300000" indent="-228600" algn="l" defTabSz="914400" rtl="0" eaLnBrk="1" latinLnBrk="0" hangingPunct="1">
+              <a:lnSpc>
+                <a:spcPct val="90000"/>
+              </a:lnSpc>
+              <a:spcBef>
+                <a:spcPts val="200"/>
+              </a:spcBef>
+              <a:spcAft>
+                <a:spcPts val="400"/>
+              </a:spcAft>
+              <a:buClr>
+                <a:schemeClr val="accent1"/>
+              </a:buClr>
+              <a:buFont typeface="Calibri" pitchFamily="34" charset="0"/>
+              <a:buChar char="◦"/>
+              <a:defRPr sz="1400" kern="1200">
+                <a:solidFill>
+                  <a:schemeClr val="tx1">
+                    <a:lumMod val="75000"/>
+                    <a:lumOff val="25000"/>
+                  </a:schemeClr>
+                </a:solidFill>
+                <a:latin typeface="+mn-lt"/>
+                <a:ea typeface="+mn-ea"/>
+                <a:cs typeface="+mn-cs"/>
+              </a:defRPr>
+            </a:lvl7pPr>
+            <a:lvl8pPr marL="1500000" indent="-228600" algn="l" defTabSz="914400" rtl="0" eaLnBrk="1" latinLnBrk="0" hangingPunct="1">
+              <a:lnSpc>
+                <a:spcPct val="90000"/>
+              </a:lnSpc>
+              <a:spcBef>
+                <a:spcPts val="200"/>
+              </a:spcBef>
+              <a:spcAft>
+                <a:spcPts val="400"/>
+              </a:spcAft>
+              <a:buClr>
+                <a:schemeClr val="accent1"/>
+              </a:buClr>
+              <a:buFont typeface="Calibri" pitchFamily="34" charset="0"/>
+              <a:buChar char="◦"/>
+              <a:defRPr sz="1400" kern="1200">
+                <a:solidFill>
+                  <a:schemeClr val="tx1">
+                    <a:lumMod val="75000"/>
+                    <a:lumOff val="25000"/>
+                  </a:schemeClr>
+                </a:solidFill>
+                <a:latin typeface="+mn-lt"/>
+                <a:ea typeface="+mn-ea"/>
+                <a:cs typeface="+mn-cs"/>
+              </a:defRPr>
+            </a:lvl8pPr>
+            <a:lvl9pPr marL="1700000" indent="-228600" algn="l" defTabSz="914400" rtl="0" eaLnBrk="1" latinLnBrk="0" hangingPunct="1">
+              <a:lnSpc>
+                <a:spcPct val="90000"/>
+              </a:lnSpc>
+              <a:spcBef>
+                <a:spcPts val="200"/>
+              </a:spcBef>
+              <a:spcAft>
+                <a:spcPts val="400"/>
+              </a:spcAft>
+              <a:buClr>
+                <a:schemeClr val="accent1"/>
+              </a:buClr>
+              <a:buFont typeface="Calibri" pitchFamily="34" charset="0"/>
+              <a:buChar char="◦"/>
+              <a:defRPr sz="1400" kern="1200">
+                <a:solidFill>
+                  <a:schemeClr val="tx1">
+                    <a:lumMod val="75000"/>
+                    <a:lumOff val="25000"/>
+                  </a:schemeClr>
+                </a:solidFill>
+                <a:latin typeface="+mn-lt"/>
+                <a:ea typeface="+mn-ea"/>
+                <a:cs typeface="+mn-cs"/>
+              </a:defRPr>
+            </a:lvl9pPr>
+          </a:lstStyle>
+          <a:p>
+            <a:pPr indent="-360000">
+              <a:buSzPct val="60000"/>
+              <a:buFont typeface="Wingdings" panose="05000000000000000000" pitchFamily="2" charset="2"/>
+              <a:buChar char="l"/>
+            </a:pPr>
+            <a:endParaRPr lang="en-US" altLang="zh-TW" sz="2800" dirty="0">
+              <a:solidFill>
+                <a:schemeClr val="tx1"/>
+              </a:solidFill>
+              <a:ea typeface="Tahoma" panose="020B0604030504040204" pitchFamily="34" charset="0"/>
+              <a:cs typeface="Tahoma" panose="020B0604030504040204" pitchFamily="34" charset="0"/>
+            </a:endParaRPr>
+          </a:p>
+        </p:txBody>
+      </p:sp>
+      <p:sp>
+        <p:nvSpPr>
+          <p:cNvPr id="8" name="內容版面配置區 2">
+            <a:extLst>
+              <a:ext uri="{FF2B5EF4-FFF2-40B4-BE49-F238E27FC236}">
+                <a16:creationId xmlns:a16="http://schemas.microsoft.com/office/drawing/2014/main" id="{C33345E7-348B-4581-8866-42E8AA7EB6B5}"/>
+              </a:ext>
+            </a:extLst>
+          </p:cNvPr>
+          <p:cNvSpPr txBox="1">
+            <a:spLocks/>
+          </p:cNvSpPr>
+          <p:nvPr/>
+        </p:nvSpPr>
+        <p:spPr>
+          <a:xfrm>
+            <a:off x="619944" y="1061121"/>
+            <a:ext cx="8208912" cy="5328591"/>
+          </a:xfrm>
+          <a:prstGeom prst="rect">
+            <a:avLst/>
+          </a:prstGeom>
+        </p:spPr>
+        <p:txBody>
+          <a:bodyPr>
+            <a:normAutofit/>
+          </a:bodyPr>
+          <a:lstStyle>
+            <a:lvl1pPr marL="91440" indent="-91440" algn="l" defTabSz="914400" rtl="0" eaLnBrk="1" latinLnBrk="0" hangingPunct="1">
+              <a:lnSpc>
+                <a:spcPct val="90000"/>
+              </a:lnSpc>
+              <a:spcBef>
+                <a:spcPts val="1200"/>
+              </a:spcBef>
+              <a:spcAft>
+                <a:spcPts val="200"/>
+              </a:spcAft>
+              <a:buClr>
+                <a:schemeClr val="accent1"/>
+              </a:buClr>
+              <a:buSzPct val="100000"/>
+              <a:buFont typeface="Calibri" panose="020F0502020204030204" pitchFamily="34" charset="0"/>
+              <a:buChar char=" "/>
+              <a:defRPr sz="2000" kern="1200">
+                <a:solidFill>
+                  <a:schemeClr val="tx1">
+                    <a:lumMod val="75000"/>
+                    <a:lumOff val="25000"/>
+                  </a:schemeClr>
+                </a:solidFill>
+                <a:latin typeface="+mn-lt"/>
+                <a:ea typeface="+mn-ea"/>
+                <a:cs typeface="+mn-cs"/>
+              </a:defRPr>
+            </a:lvl1pPr>
+            <a:lvl2pPr marL="384048" indent="-182880" algn="l" defTabSz="914400" rtl="0" eaLnBrk="1" latinLnBrk="0" hangingPunct="1">
+              <a:lnSpc>
+                <a:spcPct val="90000"/>
+              </a:lnSpc>
+              <a:spcBef>
+                <a:spcPts val="200"/>
+              </a:spcBef>
+              <a:spcAft>
+                <a:spcPts val="400"/>
+              </a:spcAft>
+              <a:buClr>
+                <a:schemeClr val="accent1"/>
+              </a:buClr>
+              <a:buFont typeface="Calibri" pitchFamily="34" charset="0"/>
+              <a:buChar char="◦"/>
+              <a:defRPr sz="1800" kern="1200">
+                <a:solidFill>
+                  <a:schemeClr val="tx1">
+                    <a:lumMod val="75000"/>
+                    <a:lumOff val="25000"/>
+                  </a:schemeClr>
+                </a:solidFill>
+                <a:latin typeface="+mn-lt"/>
+                <a:ea typeface="+mn-ea"/>
+                <a:cs typeface="+mn-cs"/>
+              </a:defRPr>
+            </a:lvl2pPr>
+            <a:lvl3pPr marL="566928" indent="-182880" algn="l" defTabSz="914400" rtl="0" eaLnBrk="1" latinLnBrk="0" hangingPunct="1">
+              <a:lnSpc>
+                <a:spcPct val="90000"/>
+              </a:lnSpc>
+              <a:spcBef>
+                <a:spcPts val="200"/>
+              </a:spcBef>
+              <a:spcAft>
+                <a:spcPts val="400"/>
+              </a:spcAft>
+              <a:buClr>
+                <a:schemeClr val="accent1"/>
+              </a:buClr>
+              <a:buFont typeface="Calibri" pitchFamily="34" charset="0"/>
+              <a:buChar char="◦"/>
+              <a:defRPr sz="1400" kern="1200">
+                <a:solidFill>
+                  <a:schemeClr val="tx1">
+                    <a:lumMod val="75000"/>
+                    <a:lumOff val="25000"/>
+                  </a:schemeClr>
+                </a:solidFill>
+                <a:latin typeface="+mn-lt"/>
+                <a:ea typeface="+mn-ea"/>
+                <a:cs typeface="+mn-cs"/>
+              </a:defRPr>
+            </a:lvl3pPr>
+            <a:lvl4pPr marL="749808" indent="-182880" algn="l" defTabSz="914400" rtl="0" eaLnBrk="1" latinLnBrk="0" hangingPunct="1">
+              <a:lnSpc>
+                <a:spcPct val="90000"/>
+              </a:lnSpc>
+              <a:spcBef>
+                <a:spcPts val="200"/>
+              </a:spcBef>
+              <a:spcAft>
+                <a:spcPts val="400"/>
+              </a:spcAft>
+              <a:buClr>
+                <a:schemeClr val="accent1"/>
+              </a:buClr>
+              <a:buFont typeface="Calibri" pitchFamily="34" charset="0"/>
+              <a:buChar char="◦"/>
+              <a:defRPr sz="1400" kern="1200">
+                <a:solidFill>
+                  <a:schemeClr val="tx1">
+                    <a:lumMod val="75000"/>
+                    <a:lumOff val="25000"/>
+                  </a:schemeClr>
+                </a:solidFill>
+                <a:latin typeface="+mn-lt"/>
+                <a:ea typeface="+mn-ea"/>
+                <a:cs typeface="+mn-cs"/>
+              </a:defRPr>
+            </a:lvl4pPr>
+            <a:lvl5pPr marL="932688" indent="-182880" algn="l" defTabSz="914400" rtl="0" eaLnBrk="1" latinLnBrk="0" hangingPunct="1">
+              <a:lnSpc>
+                <a:spcPct val="90000"/>
+              </a:lnSpc>
+              <a:spcBef>
+                <a:spcPts val="200"/>
+              </a:spcBef>
+              <a:spcAft>
+                <a:spcPts val="400"/>
+              </a:spcAft>
+              <a:buClr>
+                <a:schemeClr val="accent1"/>
+              </a:buClr>
+              <a:buFont typeface="Calibri" pitchFamily="34" charset="0"/>
+              <a:buChar char="◦"/>
+              <a:defRPr sz="1400" kern="1200">
+                <a:solidFill>
+                  <a:schemeClr val="tx1">
+                    <a:lumMod val="75000"/>
+                    <a:lumOff val="25000"/>
+                  </a:schemeClr>
+                </a:solidFill>
+                <a:latin typeface="+mn-lt"/>
+                <a:ea typeface="+mn-ea"/>
+                <a:cs typeface="+mn-cs"/>
+              </a:defRPr>
+            </a:lvl5pPr>
+            <a:lvl6pPr marL="1100000" indent="-228600" algn="l" defTabSz="914400" rtl="0" eaLnBrk="1" latinLnBrk="0" hangingPunct="1">
+              <a:lnSpc>
+                <a:spcPct val="90000"/>
+              </a:lnSpc>
+              <a:spcBef>
+                <a:spcPts val="200"/>
+              </a:spcBef>
+              <a:spcAft>
+                <a:spcPts val="400"/>
+              </a:spcAft>
+              <a:buClr>
+                <a:schemeClr val="accent1"/>
+              </a:buClr>
+              <a:buFont typeface="Calibri" pitchFamily="34" charset="0"/>
+              <a:buChar char="◦"/>
+              <a:defRPr sz="1400" kern="1200">
+                <a:solidFill>
+                  <a:schemeClr val="tx1">
+                    <a:lumMod val="75000"/>
+                    <a:lumOff val="25000"/>
+                  </a:schemeClr>
+                </a:solidFill>
+                <a:latin typeface="+mn-lt"/>
+                <a:ea typeface="+mn-ea"/>
+                <a:cs typeface="+mn-cs"/>
+              </a:defRPr>
+            </a:lvl6pPr>
+            <a:lvl7pPr marL="1300000" indent="-228600" algn="l" defTabSz="914400" rtl="0" eaLnBrk="1" latinLnBrk="0" hangingPunct="1">
+              <a:lnSpc>
+                <a:spcPct val="90000"/>
+              </a:lnSpc>
+              <a:spcBef>
+                <a:spcPts val="200"/>
+              </a:spcBef>
+              <a:spcAft>
+                <a:spcPts val="400"/>
+              </a:spcAft>
+              <a:buClr>
+                <a:schemeClr val="accent1"/>
+              </a:buClr>
+              <a:buFont typeface="Calibri" pitchFamily="34" charset="0"/>
+              <a:buChar char="◦"/>
+              <a:defRPr sz="1400" kern="1200">
+                <a:solidFill>
+                  <a:schemeClr val="tx1">
+                    <a:lumMod val="75000"/>
+                    <a:lumOff val="25000"/>
+                  </a:schemeClr>
+                </a:solidFill>
+                <a:latin typeface="+mn-lt"/>
+                <a:ea typeface="+mn-ea"/>
+                <a:cs typeface="+mn-cs"/>
+              </a:defRPr>
+            </a:lvl7pPr>
+            <a:lvl8pPr marL="1500000" indent="-228600" algn="l" defTabSz="914400" rtl="0" eaLnBrk="1" latinLnBrk="0" hangingPunct="1">
+              <a:lnSpc>
+                <a:spcPct val="90000"/>
+              </a:lnSpc>
+              <a:spcBef>
+                <a:spcPts val="200"/>
+              </a:spcBef>
+              <a:spcAft>
+                <a:spcPts val="400"/>
+              </a:spcAft>
+              <a:buClr>
+                <a:schemeClr val="accent1"/>
+              </a:buClr>
+              <a:buFont typeface="Calibri" pitchFamily="34" charset="0"/>
+              <a:buChar char="◦"/>
+              <a:defRPr sz="1400" kern="1200">
+                <a:solidFill>
+                  <a:schemeClr val="tx1">
+                    <a:lumMod val="75000"/>
+                    <a:lumOff val="25000"/>
+                  </a:schemeClr>
+                </a:solidFill>
+                <a:latin typeface="+mn-lt"/>
+                <a:ea typeface="+mn-ea"/>
+                <a:cs typeface="+mn-cs"/>
+              </a:defRPr>
+            </a:lvl8pPr>
+            <a:lvl9pPr marL="1700000" indent="-228600" algn="l" defTabSz="914400" rtl="0" eaLnBrk="1" latinLnBrk="0" hangingPunct="1">
+              <a:lnSpc>
+                <a:spcPct val="90000"/>
+              </a:lnSpc>
+              <a:spcBef>
+                <a:spcPts val="200"/>
+              </a:spcBef>
+              <a:spcAft>
+                <a:spcPts val="400"/>
+              </a:spcAft>
+              <a:buClr>
+                <a:schemeClr val="accent1"/>
+              </a:buClr>
+              <a:buFont typeface="Calibri" pitchFamily="34" charset="0"/>
+              <a:buChar char="◦"/>
+              <a:defRPr sz="1400" kern="1200">
+                <a:solidFill>
+                  <a:schemeClr val="tx1">
+                    <a:lumMod val="75000"/>
+                    <a:lumOff val="25000"/>
+                  </a:schemeClr>
+                </a:solidFill>
+                <a:latin typeface="+mn-lt"/>
+                <a:ea typeface="+mn-ea"/>
+                <a:cs typeface="+mn-cs"/>
+              </a:defRPr>
+            </a:lvl9pPr>
+          </a:lstStyle>
+          <a:p>
+            <a:pPr marL="0" indent="0">
+              <a:lnSpc>
+                <a:spcPct val="100000"/>
+              </a:lnSpc>
+              <a:buNone/>
+            </a:pPr>
+            <a:r>
+              <a:rPr lang="en-US" altLang="zh-TW" sz="3200" dirty="0">
+                <a:solidFill>
+                  <a:schemeClr val="tx1"/>
+                </a:solidFill>
+                <a:ea typeface="Tahoma" panose="020B0604030504040204" pitchFamily="34" charset="0"/>
+                <a:cs typeface="Tahoma" panose="020B0604030504040204" pitchFamily="34" charset="0"/>
+              </a:rPr>
+              <a:t>Which of the following can help check kernel resource usage?</a:t>
+            </a:r>
+          </a:p>
+          <a:p>
+            <a:pPr marL="457200" indent="-457200">
+              <a:lnSpc>
+                <a:spcPct val="100000"/>
+              </a:lnSpc>
+              <a:buAutoNum type="alphaLcParenBoth"/>
+            </a:pPr>
+            <a:r>
+              <a:rPr lang="en-US" altLang="zh-TW" sz="2800" b="1" dirty="0">
+                <a:solidFill>
+                  <a:schemeClr val="tx1"/>
+                </a:solidFill>
+                <a:ea typeface="Tahoma" panose="020B0604030504040204" pitchFamily="34" charset="0"/>
+                <a:cs typeface="Tahoma" panose="020B0604030504040204" pitchFamily="34" charset="0"/>
+              </a:rPr>
+              <a:t>Compile Summary</a:t>
+            </a:r>
+          </a:p>
+          <a:p>
+            <a:pPr marL="457200" indent="-457200">
+              <a:lnSpc>
+                <a:spcPct val="100000"/>
+              </a:lnSpc>
+              <a:buAutoNum type="alphaLcParenBoth"/>
+            </a:pPr>
+            <a:r>
+              <a:rPr lang="en-US" altLang="zh-TW" sz="2800" b="1" dirty="0">
+                <a:solidFill>
+                  <a:schemeClr val="tx1"/>
+                </a:solidFill>
+                <a:ea typeface="Tahoma" panose="020B0604030504040204" pitchFamily="34" charset="0"/>
+                <a:cs typeface="Tahoma" panose="020B0604030504040204" pitchFamily="34" charset="0"/>
+              </a:rPr>
+              <a:t>Link Summary</a:t>
+            </a:r>
+          </a:p>
+          <a:p>
+            <a:pPr marL="457200" indent="-457200">
+              <a:lnSpc>
+                <a:spcPct val="100000"/>
+              </a:lnSpc>
+              <a:buAutoNum type="alphaLcParenBoth"/>
+            </a:pPr>
+            <a:r>
+              <a:rPr lang="en-US" altLang="zh-TW" sz="2800" dirty="0">
+                <a:solidFill>
+                  <a:schemeClr val="tx1"/>
+                </a:solidFill>
+                <a:ea typeface="Tahoma" panose="020B0604030504040204" pitchFamily="34" charset="0"/>
+                <a:cs typeface="Tahoma" panose="020B0604030504040204" pitchFamily="34" charset="0"/>
+              </a:rPr>
+              <a:t>Package Summary</a:t>
+            </a:r>
+          </a:p>
+          <a:p>
+            <a:pPr marL="457200" indent="-457200">
+              <a:lnSpc>
+                <a:spcPct val="100000"/>
+              </a:lnSpc>
+              <a:buAutoNum type="alphaLcParenBoth"/>
+            </a:pPr>
+            <a:r>
+              <a:rPr lang="en-US" altLang="zh-TW" sz="2800" dirty="0">
+                <a:solidFill>
+                  <a:schemeClr val="tx1"/>
+                </a:solidFill>
+                <a:ea typeface="Tahoma" panose="020B0604030504040204" pitchFamily="34" charset="0"/>
+                <a:cs typeface="Tahoma" panose="020B0604030504040204" pitchFamily="34" charset="0"/>
+              </a:rPr>
+              <a:t>Run Summary</a:t>
+            </a:r>
+          </a:p>
+        </p:txBody>
+      </p:sp>
+    </p:spTree>
+    <p:extLst>
+      <p:ext uri="{BB962C8B-B14F-4D97-AF65-F5344CB8AC3E}">
+        <p14:creationId xmlns:p14="http://schemas.microsoft.com/office/powerpoint/2010/main" val="1260628192"/>
       </p:ext>
     </p:extLst>
   </p:cSld>
@@ -10725,6 +11186,41 @@
       </p:grpSpPr>
       <p:sp>
         <p:nvSpPr>
+          <p:cNvPr id="4" name="投影片編號版面配置區 3">
+            <a:extLst>
+              <a:ext uri="{FF2B5EF4-FFF2-40B4-BE49-F238E27FC236}">
+                <a16:creationId xmlns:a16="http://schemas.microsoft.com/office/drawing/2014/main" id="{445CC383-97AD-40AF-8D90-BF5659592C6E}"/>
+              </a:ext>
+            </a:extLst>
+          </p:cNvPr>
+          <p:cNvSpPr>
+            <a:spLocks noGrp="1"/>
+          </p:cNvSpPr>
+          <p:nvPr>
+            <p:ph type="sldNum" sz="quarter" idx="12"/>
+          </p:nvPr>
+        </p:nvSpPr>
+        <p:spPr>
+          <a:xfrm>
+            <a:off x="7425344" y="6459786"/>
+            <a:ext cx="1718656" cy="398207"/>
+          </a:xfrm>
+        </p:spPr>
+        <p:txBody>
+          <a:bodyPr/>
+          <a:lstStyle/>
+          <a:p>
+            <a:fld id="{73DA0BB7-265A-403C-9275-D587AB510EDC}" type="slidenum">
+              <a:rPr lang="zh-TW" altLang="en-US" sz="2000" smtClean="0"/>
+              <a:pPr/>
+              <a:t>18</a:t>
+            </a:fld>
+            <a:endParaRPr lang="zh-TW" altLang="en-US" sz="2000" dirty="0"/>
+          </a:p>
+        </p:txBody>
+      </p:sp>
+      <p:sp>
+        <p:nvSpPr>
           <p:cNvPr id="5" name="標題 1">
             <a:extLst>
               <a:ext uri="{FF2B5EF4-FFF2-40B4-BE49-F238E27FC236}">
@@ -10773,6 +11269,15 @@
             </a:lvl1pPr>
           </a:lstStyle>
           <a:p>
+            <a:r>
+              <a:rPr lang="en-US" altLang="zh-TW" sz="3000" b="1" dirty="0">
+                <a:solidFill>
+                  <a:srgbClr val="0070C0"/>
+                </a:solidFill>
+                <a:latin typeface="Verdana" panose="020B0604030504040204" pitchFamily="34" charset="0"/>
+              </a:rPr>
+              <a:t>Quiz</a:t>
+            </a:r>
             <a:endParaRPr lang="zh-TW" altLang="en-US" sz="3000" b="1" dirty="0">
               <a:solidFill>
                 <a:srgbClr val="0070C0"/>
@@ -10782,47 +11287,48 @@
           </a:p>
         </p:txBody>
       </p:sp>
-      <p:sp>
-        <p:nvSpPr>
-          <p:cNvPr id="9" name="投影片編號版面配置區 3">
+      <p:cxnSp>
+        <p:nvCxnSpPr>
+          <p:cNvPr id="6" name="直線接點 5">
             <a:extLst>
               <a:ext uri="{FF2B5EF4-FFF2-40B4-BE49-F238E27FC236}">
-                <a16:creationId xmlns:a16="http://schemas.microsoft.com/office/drawing/2014/main" id="{CD062612-6FA2-4407-9691-02D867B12575}"/>
+                <a16:creationId xmlns:a16="http://schemas.microsoft.com/office/drawing/2014/main" id="{98BA7524-F829-4D5A-9E6B-F1A62E470C45}"/>
               </a:ext>
             </a:extLst>
           </p:cNvPr>
-          <p:cNvSpPr>
-            <a:spLocks noGrp="1"/>
-          </p:cNvSpPr>
-          <p:nvPr>
-            <p:ph type="sldNum" sz="quarter" idx="12"/>
-          </p:nvPr>
-        </p:nvSpPr>
+          <p:cNvCxnSpPr/>
+          <p:nvPr/>
+        </p:nvCxnSpPr>
         <p:spPr>
           <a:xfrm>
-            <a:off x="7425344" y="6459786"/>
-            <a:ext cx="1718656" cy="398207"/>
+            <a:off x="467544" y="830074"/>
+            <a:ext cx="8208912" cy="0"/>
           </a:xfrm>
+          <a:prstGeom prst="line">
+            <a:avLst/>
+          </a:prstGeom>
         </p:spPr>
-        <p:txBody>
-          <a:bodyPr/>
-          <a:lstStyle/>
-          <a:p>
-            <a:fld id="{73DA0BB7-265A-403C-9275-D587AB510EDC}" type="slidenum">
-              <a:rPr lang="zh-TW" altLang="en-US" sz="2000" smtClean="0"/>
-              <a:pPr/>
-              <a:t>18</a:t>
-            </a:fld>
-            <a:endParaRPr lang="zh-TW" altLang="en-US" sz="2000" dirty="0"/>
-          </a:p>
-        </p:txBody>
-      </p:sp>
-      <p:sp>
-        <p:nvSpPr>
-          <p:cNvPr id="8" name="標題 1">
+        <p:style>
+          <a:lnRef idx="2">
+            <a:schemeClr val="accent1"/>
+          </a:lnRef>
+          <a:fillRef idx="0">
+            <a:schemeClr val="accent1"/>
+          </a:fillRef>
+          <a:effectRef idx="1">
+            <a:schemeClr val="accent1"/>
+          </a:effectRef>
+          <a:fontRef idx="minor">
+            <a:schemeClr val="tx1"/>
+          </a:fontRef>
+        </p:style>
+      </p:cxnSp>
+      <p:sp>
+        <p:nvSpPr>
+          <p:cNvPr id="7" name="內容版面配置區 2">
             <a:extLst>
               <a:ext uri="{FF2B5EF4-FFF2-40B4-BE49-F238E27FC236}">
-                <a16:creationId xmlns:a16="http://schemas.microsoft.com/office/drawing/2014/main" id="{712D8B80-76AA-4C5E-A419-AAB35C1F6DFA}"/>
+                <a16:creationId xmlns:a16="http://schemas.microsoft.com/office/drawing/2014/main" id="{76EAB151-3F9E-47E1-8D10-FAB89B3612A9}"/>
               </a:ext>
             </a:extLst>
           </p:cNvPr>
@@ -10833,8 +11339,8 @@
         </p:nvSpPr>
         <p:spPr>
           <a:xfrm>
-            <a:off x="3203848" y="3006274"/>
-            <a:ext cx="2880320" cy="936104"/>
+            <a:off x="467544" y="908721"/>
+            <a:ext cx="8208912" cy="5328591"/>
           </a:xfrm>
           <a:prstGeom prst="rect">
             <a:avLst/>
@@ -10842,54 +11348,657 @@
         </p:spPr>
         <p:txBody>
           <a:bodyPr>
-            <a:normAutofit lnSpcReduction="10000"/>
+            <a:normAutofit/>
           </a:bodyPr>
           <a:lstStyle>
-            <a:lvl1pPr algn="l" defTabSz="914400" rtl="0" eaLnBrk="1" latinLnBrk="0" hangingPunct="1">
-              <a:lnSpc>
-                <a:spcPct val="85000"/>
-              </a:lnSpc>
-              <a:spcBef>
-                <a:spcPct val="0"/>
-              </a:spcBef>
+            <a:lvl1pPr marL="91440" indent="-91440" algn="l" defTabSz="914400" rtl="0" eaLnBrk="1" latinLnBrk="0" hangingPunct="1">
+              <a:lnSpc>
+                <a:spcPct val="90000"/>
+              </a:lnSpc>
+              <a:spcBef>
+                <a:spcPts val="1200"/>
+              </a:spcBef>
+              <a:spcAft>
+                <a:spcPts val="200"/>
+              </a:spcAft>
+              <a:buClr>
+                <a:schemeClr val="accent1"/>
+              </a:buClr>
+              <a:buSzPct val="100000"/>
+              <a:buFont typeface="Calibri" panose="020F0502020204030204" pitchFamily="34" charset="0"/>
+              <a:buChar char=" "/>
+              <a:defRPr sz="2000" kern="1200">
+                <a:solidFill>
+                  <a:schemeClr val="tx1">
+                    <a:lumMod val="75000"/>
+                    <a:lumOff val="25000"/>
+                  </a:schemeClr>
+                </a:solidFill>
+                <a:latin typeface="+mn-lt"/>
+                <a:ea typeface="+mn-ea"/>
+                <a:cs typeface="+mn-cs"/>
+              </a:defRPr>
+            </a:lvl1pPr>
+            <a:lvl2pPr marL="384048" indent="-182880" algn="l" defTabSz="914400" rtl="0" eaLnBrk="1" latinLnBrk="0" hangingPunct="1">
+              <a:lnSpc>
+                <a:spcPct val="90000"/>
+              </a:lnSpc>
+              <a:spcBef>
+                <a:spcPts val="200"/>
+              </a:spcBef>
+              <a:spcAft>
+                <a:spcPts val="400"/>
+              </a:spcAft>
+              <a:buClr>
+                <a:schemeClr val="accent1"/>
+              </a:buClr>
+              <a:buFont typeface="Calibri" pitchFamily="34" charset="0"/>
+              <a:buChar char="◦"/>
+              <a:defRPr sz="1800" kern="1200">
+                <a:solidFill>
+                  <a:schemeClr val="tx1">
+                    <a:lumMod val="75000"/>
+                    <a:lumOff val="25000"/>
+                  </a:schemeClr>
+                </a:solidFill>
+                <a:latin typeface="+mn-lt"/>
+                <a:ea typeface="+mn-ea"/>
+                <a:cs typeface="+mn-cs"/>
+              </a:defRPr>
+            </a:lvl2pPr>
+            <a:lvl3pPr marL="566928" indent="-182880" algn="l" defTabSz="914400" rtl="0" eaLnBrk="1" latinLnBrk="0" hangingPunct="1">
+              <a:lnSpc>
+                <a:spcPct val="90000"/>
+              </a:lnSpc>
+              <a:spcBef>
+                <a:spcPts val="200"/>
+              </a:spcBef>
+              <a:spcAft>
+                <a:spcPts val="400"/>
+              </a:spcAft>
+              <a:buClr>
+                <a:schemeClr val="accent1"/>
+              </a:buClr>
+              <a:buFont typeface="Calibri" pitchFamily="34" charset="0"/>
+              <a:buChar char="◦"/>
+              <a:defRPr sz="1400" kern="1200">
+                <a:solidFill>
+                  <a:schemeClr val="tx1">
+                    <a:lumMod val="75000"/>
+                    <a:lumOff val="25000"/>
+                  </a:schemeClr>
+                </a:solidFill>
+                <a:latin typeface="+mn-lt"/>
+                <a:ea typeface="+mn-ea"/>
+                <a:cs typeface="+mn-cs"/>
+              </a:defRPr>
+            </a:lvl3pPr>
+            <a:lvl4pPr marL="749808" indent="-182880" algn="l" defTabSz="914400" rtl="0" eaLnBrk="1" latinLnBrk="0" hangingPunct="1">
+              <a:lnSpc>
+                <a:spcPct val="90000"/>
+              </a:lnSpc>
+              <a:spcBef>
+                <a:spcPts val="200"/>
+              </a:spcBef>
+              <a:spcAft>
+                <a:spcPts val="400"/>
+              </a:spcAft>
+              <a:buClr>
+                <a:schemeClr val="accent1"/>
+              </a:buClr>
+              <a:buFont typeface="Calibri" pitchFamily="34" charset="0"/>
+              <a:buChar char="◦"/>
+              <a:defRPr sz="1400" kern="1200">
+                <a:solidFill>
+                  <a:schemeClr val="tx1">
+                    <a:lumMod val="75000"/>
+                    <a:lumOff val="25000"/>
+                  </a:schemeClr>
+                </a:solidFill>
+                <a:latin typeface="+mn-lt"/>
+                <a:ea typeface="+mn-ea"/>
+                <a:cs typeface="+mn-cs"/>
+              </a:defRPr>
+            </a:lvl4pPr>
+            <a:lvl5pPr marL="932688" indent="-182880" algn="l" defTabSz="914400" rtl="0" eaLnBrk="1" latinLnBrk="0" hangingPunct="1">
+              <a:lnSpc>
+                <a:spcPct val="90000"/>
+              </a:lnSpc>
+              <a:spcBef>
+                <a:spcPts val="200"/>
+              </a:spcBef>
+              <a:spcAft>
+                <a:spcPts val="400"/>
+              </a:spcAft>
+              <a:buClr>
+                <a:schemeClr val="accent1"/>
+              </a:buClr>
+              <a:buFont typeface="Calibri" pitchFamily="34" charset="0"/>
+              <a:buChar char="◦"/>
+              <a:defRPr sz="1400" kern="1200">
+                <a:solidFill>
+                  <a:schemeClr val="tx1">
+                    <a:lumMod val="75000"/>
+                    <a:lumOff val="25000"/>
+                  </a:schemeClr>
+                </a:solidFill>
+                <a:latin typeface="+mn-lt"/>
+                <a:ea typeface="+mn-ea"/>
+                <a:cs typeface="+mn-cs"/>
+              </a:defRPr>
+            </a:lvl5pPr>
+            <a:lvl6pPr marL="1100000" indent="-228600" algn="l" defTabSz="914400" rtl="0" eaLnBrk="1" latinLnBrk="0" hangingPunct="1">
+              <a:lnSpc>
+                <a:spcPct val="90000"/>
+              </a:lnSpc>
+              <a:spcBef>
+                <a:spcPts val="200"/>
+              </a:spcBef>
+              <a:spcAft>
+                <a:spcPts val="400"/>
+              </a:spcAft>
+              <a:buClr>
+                <a:schemeClr val="accent1"/>
+              </a:buClr>
+              <a:buFont typeface="Calibri" pitchFamily="34" charset="0"/>
+              <a:buChar char="◦"/>
+              <a:defRPr sz="1400" kern="1200">
+                <a:solidFill>
+                  <a:schemeClr val="tx1">
+                    <a:lumMod val="75000"/>
+                    <a:lumOff val="25000"/>
+                  </a:schemeClr>
+                </a:solidFill>
+                <a:latin typeface="+mn-lt"/>
+                <a:ea typeface="+mn-ea"/>
+                <a:cs typeface="+mn-cs"/>
+              </a:defRPr>
+            </a:lvl6pPr>
+            <a:lvl7pPr marL="1300000" indent="-228600" algn="l" defTabSz="914400" rtl="0" eaLnBrk="1" latinLnBrk="0" hangingPunct="1">
+              <a:lnSpc>
+                <a:spcPct val="90000"/>
+              </a:lnSpc>
+              <a:spcBef>
+                <a:spcPts val="200"/>
+              </a:spcBef>
+              <a:spcAft>
+                <a:spcPts val="400"/>
+              </a:spcAft>
+              <a:buClr>
+                <a:schemeClr val="accent1"/>
+              </a:buClr>
+              <a:buFont typeface="Calibri" pitchFamily="34" charset="0"/>
+              <a:buChar char="◦"/>
+              <a:defRPr sz="1400" kern="1200">
+                <a:solidFill>
+                  <a:schemeClr val="tx1">
+                    <a:lumMod val="75000"/>
+                    <a:lumOff val="25000"/>
+                  </a:schemeClr>
+                </a:solidFill>
+                <a:latin typeface="+mn-lt"/>
+                <a:ea typeface="+mn-ea"/>
+                <a:cs typeface="+mn-cs"/>
+              </a:defRPr>
+            </a:lvl7pPr>
+            <a:lvl8pPr marL="1500000" indent="-228600" algn="l" defTabSz="914400" rtl="0" eaLnBrk="1" latinLnBrk="0" hangingPunct="1">
+              <a:lnSpc>
+                <a:spcPct val="90000"/>
+              </a:lnSpc>
+              <a:spcBef>
+                <a:spcPts val="200"/>
+              </a:spcBef>
+              <a:spcAft>
+                <a:spcPts val="400"/>
+              </a:spcAft>
+              <a:buClr>
+                <a:schemeClr val="accent1"/>
+              </a:buClr>
+              <a:buFont typeface="Calibri" pitchFamily="34" charset="0"/>
+              <a:buChar char="◦"/>
+              <a:defRPr sz="1400" kern="1200">
+                <a:solidFill>
+                  <a:schemeClr val="tx1">
+                    <a:lumMod val="75000"/>
+                    <a:lumOff val="25000"/>
+                  </a:schemeClr>
+                </a:solidFill>
+                <a:latin typeface="+mn-lt"/>
+                <a:ea typeface="+mn-ea"/>
+                <a:cs typeface="+mn-cs"/>
+              </a:defRPr>
+            </a:lvl8pPr>
+            <a:lvl9pPr marL="1700000" indent="-228600" algn="l" defTabSz="914400" rtl="0" eaLnBrk="1" latinLnBrk="0" hangingPunct="1">
+              <a:lnSpc>
+                <a:spcPct val="90000"/>
+              </a:lnSpc>
+              <a:spcBef>
+                <a:spcPts val="200"/>
+              </a:spcBef>
+              <a:spcAft>
+                <a:spcPts val="400"/>
+              </a:spcAft>
+              <a:buClr>
+                <a:schemeClr val="accent1"/>
+              </a:buClr>
+              <a:buFont typeface="Calibri" pitchFamily="34" charset="0"/>
+              <a:buChar char="◦"/>
+              <a:defRPr sz="1400" kern="1200">
+                <a:solidFill>
+                  <a:schemeClr val="tx1">
+                    <a:lumMod val="75000"/>
+                    <a:lumOff val="25000"/>
+                  </a:schemeClr>
+                </a:solidFill>
+                <a:latin typeface="+mn-lt"/>
+                <a:ea typeface="+mn-ea"/>
+                <a:cs typeface="+mn-cs"/>
+              </a:defRPr>
+            </a:lvl9pPr>
+          </a:lstStyle>
+          <a:p>
+            <a:pPr indent="-360000">
+              <a:buSzPct val="60000"/>
+              <a:buFont typeface="Wingdings" panose="05000000000000000000" pitchFamily="2" charset="2"/>
+              <a:buChar char="l"/>
+            </a:pPr>
+            <a:endParaRPr lang="en-US" altLang="zh-TW" sz="2800" dirty="0">
+              <a:solidFill>
+                <a:schemeClr val="tx1"/>
+              </a:solidFill>
+              <a:ea typeface="Tahoma" panose="020B0604030504040204" pitchFamily="34" charset="0"/>
+              <a:cs typeface="Tahoma" panose="020B0604030504040204" pitchFamily="34" charset="0"/>
+            </a:endParaRPr>
+          </a:p>
+        </p:txBody>
+      </p:sp>
+      <p:sp>
+        <p:nvSpPr>
+          <p:cNvPr id="8" name="內容版面配置區 2">
+            <a:extLst>
+              <a:ext uri="{FF2B5EF4-FFF2-40B4-BE49-F238E27FC236}">
+                <a16:creationId xmlns:a16="http://schemas.microsoft.com/office/drawing/2014/main" id="{C33345E7-348B-4581-8866-42E8AA7EB6B5}"/>
+              </a:ext>
+            </a:extLst>
+          </p:cNvPr>
+          <p:cNvSpPr txBox="1">
+            <a:spLocks/>
+          </p:cNvSpPr>
+          <p:nvPr/>
+        </p:nvSpPr>
+        <p:spPr>
+          <a:xfrm>
+            <a:off x="619944" y="1061121"/>
+            <a:ext cx="8208912" cy="5328591"/>
+          </a:xfrm>
+          <a:prstGeom prst="rect">
+            <a:avLst/>
+          </a:prstGeom>
+        </p:spPr>
+        <p:txBody>
+          <a:bodyPr>
+            <a:normAutofit/>
+          </a:bodyPr>
+          <a:lstStyle>
+            <a:lvl1pPr marL="91440" indent="-91440" algn="l" defTabSz="914400" rtl="0" eaLnBrk="1" latinLnBrk="0" hangingPunct="1">
+              <a:lnSpc>
+                <a:spcPct val="90000"/>
+              </a:lnSpc>
+              <a:spcBef>
+                <a:spcPts val="1200"/>
+              </a:spcBef>
+              <a:spcAft>
+                <a:spcPts val="200"/>
+              </a:spcAft>
+              <a:buClr>
+                <a:schemeClr val="accent1"/>
+              </a:buClr>
+              <a:buSzPct val="100000"/>
+              <a:buFont typeface="Calibri" panose="020F0502020204030204" pitchFamily="34" charset="0"/>
+              <a:buChar char=" "/>
+              <a:defRPr sz="2000" kern="1200">
+                <a:solidFill>
+                  <a:schemeClr val="tx1">
+                    <a:lumMod val="75000"/>
+                    <a:lumOff val="25000"/>
+                  </a:schemeClr>
+                </a:solidFill>
+                <a:latin typeface="+mn-lt"/>
+                <a:ea typeface="+mn-ea"/>
+                <a:cs typeface="+mn-cs"/>
+              </a:defRPr>
+            </a:lvl1pPr>
+            <a:lvl2pPr marL="384048" indent="-182880" algn="l" defTabSz="914400" rtl="0" eaLnBrk="1" latinLnBrk="0" hangingPunct="1">
+              <a:lnSpc>
+                <a:spcPct val="90000"/>
+              </a:lnSpc>
+              <a:spcBef>
+                <a:spcPts val="200"/>
+              </a:spcBef>
+              <a:spcAft>
+                <a:spcPts val="400"/>
+              </a:spcAft>
+              <a:buClr>
+                <a:schemeClr val="accent1"/>
+              </a:buClr>
+              <a:buFont typeface="Calibri" pitchFamily="34" charset="0"/>
+              <a:buChar char="◦"/>
+              <a:defRPr sz="1800" kern="1200">
+                <a:solidFill>
+                  <a:schemeClr val="tx1">
+                    <a:lumMod val="75000"/>
+                    <a:lumOff val="25000"/>
+                  </a:schemeClr>
+                </a:solidFill>
+                <a:latin typeface="+mn-lt"/>
+                <a:ea typeface="+mn-ea"/>
+                <a:cs typeface="+mn-cs"/>
+              </a:defRPr>
+            </a:lvl2pPr>
+            <a:lvl3pPr marL="566928" indent="-182880" algn="l" defTabSz="914400" rtl="0" eaLnBrk="1" latinLnBrk="0" hangingPunct="1">
+              <a:lnSpc>
+                <a:spcPct val="90000"/>
+              </a:lnSpc>
+              <a:spcBef>
+                <a:spcPts val="200"/>
+              </a:spcBef>
+              <a:spcAft>
+                <a:spcPts val="400"/>
+              </a:spcAft>
+              <a:buClr>
+                <a:schemeClr val="accent1"/>
+              </a:buClr>
+              <a:buFont typeface="Calibri" pitchFamily="34" charset="0"/>
+              <a:buChar char="◦"/>
+              <a:defRPr sz="1400" kern="1200">
+                <a:solidFill>
+                  <a:schemeClr val="tx1">
+                    <a:lumMod val="75000"/>
+                    <a:lumOff val="25000"/>
+                  </a:schemeClr>
+                </a:solidFill>
+                <a:latin typeface="+mn-lt"/>
+                <a:ea typeface="+mn-ea"/>
+                <a:cs typeface="+mn-cs"/>
+              </a:defRPr>
+            </a:lvl3pPr>
+            <a:lvl4pPr marL="749808" indent="-182880" algn="l" defTabSz="914400" rtl="0" eaLnBrk="1" latinLnBrk="0" hangingPunct="1">
+              <a:lnSpc>
+                <a:spcPct val="90000"/>
+              </a:lnSpc>
+              <a:spcBef>
+                <a:spcPts val="200"/>
+              </a:spcBef>
+              <a:spcAft>
+                <a:spcPts val="400"/>
+              </a:spcAft>
+              <a:buClr>
+                <a:schemeClr val="accent1"/>
+              </a:buClr>
+              <a:buFont typeface="Calibri" pitchFamily="34" charset="0"/>
+              <a:buChar char="◦"/>
+              <a:defRPr sz="1400" kern="1200">
+                <a:solidFill>
+                  <a:schemeClr val="tx1">
+                    <a:lumMod val="75000"/>
+                    <a:lumOff val="25000"/>
+                  </a:schemeClr>
+                </a:solidFill>
+                <a:latin typeface="+mn-lt"/>
+                <a:ea typeface="+mn-ea"/>
+                <a:cs typeface="+mn-cs"/>
+              </a:defRPr>
+            </a:lvl4pPr>
+            <a:lvl5pPr marL="932688" indent="-182880" algn="l" defTabSz="914400" rtl="0" eaLnBrk="1" latinLnBrk="0" hangingPunct="1">
+              <a:lnSpc>
+                <a:spcPct val="90000"/>
+              </a:lnSpc>
+              <a:spcBef>
+                <a:spcPts val="200"/>
+              </a:spcBef>
+              <a:spcAft>
+                <a:spcPts val="400"/>
+              </a:spcAft>
+              <a:buClr>
+                <a:schemeClr val="accent1"/>
+              </a:buClr>
+              <a:buFont typeface="Calibri" pitchFamily="34" charset="0"/>
+              <a:buChar char="◦"/>
+              <a:defRPr sz="1400" kern="1200">
+                <a:solidFill>
+                  <a:schemeClr val="tx1">
+                    <a:lumMod val="75000"/>
+                    <a:lumOff val="25000"/>
+                  </a:schemeClr>
+                </a:solidFill>
+                <a:latin typeface="+mn-lt"/>
+                <a:ea typeface="+mn-ea"/>
+                <a:cs typeface="+mn-cs"/>
+              </a:defRPr>
+            </a:lvl5pPr>
+            <a:lvl6pPr marL="1100000" indent="-228600" algn="l" defTabSz="914400" rtl="0" eaLnBrk="1" latinLnBrk="0" hangingPunct="1">
+              <a:lnSpc>
+                <a:spcPct val="90000"/>
+              </a:lnSpc>
+              <a:spcBef>
+                <a:spcPts val="200"/>
+              </a:spcBef>
+              <a:spcAft>
+                <a:spcPts val="400"/>
+              </a:spcAft>
+              <a:buClr>
+                <a:schemeClr val="accent1"/>
+              </a:buClr>
+              <a:buFont typeface="Calibri" pitchFamily="34" charset="0"/>
+              <a:buChar char="◦"/>
+              <a:defRPr sz="1400" kern="1200">
+                <a:solidFill>
+                  <a:schemeClr val="tx1">
+                    <a:lumMod val="75000"/>
+                    <a:lumOff val="25000"/>
+                  </a:schemeClr>
+                </a:solidFill>
+                <a:latin typeface="+mn-lt"/>
+                <a:ea typeface="+mn-ea"/>
+                <a:cs typeface="+mn-cs"/>
+              </a:defRPr>
+            </a:lvl6pPr>
+            <a:lvl7pPr marL="1300000" indent="-228600" algn="l" defTabSz="914400" rtl="0" eaLnBrk="1" latinLnBrk="0" hangingPunct="1">
+              <a:lnSpc>
+                <a:spcPct val="90000"/>
+              </a:lnSpc>
+              <a:spcBef>
+                <a:spcPts val="200"/>
+              </a:spcBef>
+              <a:spcAft>
+                <a:spcPts val="400"/>
+              </a:spcAft>
+              <a:buClr>
+                <a:schemeClr val="accent1"/>
+              </a:buClr>
+              <a:buFont typeface="Calibri" pitchFamily="34" charset="0"/>
+              <a:buChar char="◦"/>
+              <a:defRPr sz="1400" kern="1200">
+                <a:solidFill>
+                  <a:schemeClr val="tx1">
+                    <a:lumMod val="75000"/>
+                    <a:lumOff val="25000"/>
+                  </a:schemeClr>
+                </a:solidFill>
+                <a:latin typeface="+mn-lt"/>
+                <a:ea typeface="+mn-ea"/>
+                <a:cs typeface="+mn-cs"/>
+              </a:defRPr>
+            </a:lvl7pPr>
+            <a:lvl8pPr marL="1500000" indent="-228600" algn="l" defTabSz="914400" rtl="0" eaLnBrk="1" latinLnBrk="0" hangingPunct="1">
+              <a:lnSpc>
+                <a:spcPct val="90000"/>
+              </a:lnSpc>
+              <a:spcBef>
+                <a:spcPts val="200"/>
+              </a:spcBef>
+              <a:spcAft>
+                <a:spcPts val="400"/>
+              </a:spcAft>
+              <a:buClr>
+                <a:schemeClr val="accent1"/>
+              </a:buClr>
+              <a:buFont typeface="Calibri" pitchFamily="34" charset="0"/>
+              <a:buChar char="◦"/>
+              <a:defRPr sz="1400" kern="1200">
+                <a:solidFill>
+                  <a:schemeClr val="tx1">
+                    <a:lumMod val="75000"/>
+                    <a:lumOff val="25000"/>
+                  </a:schemeClr>
+                </a:solidFill>
+                <a:latin typeface="+mn-lt"/>
+                <a:ea typeface="+mn-ea"/>
+                <a:cs typeface="+mn-cs"/>
+              </a:defRPr>
+            </a:lvl8pPr>
+            <a:lvl9pPr marL="1700000" indent="-228600" algn="l" defTabSz="914400" rtl="0" eaLnBrk="1" latinLnBrk="0" hangingPunct="1">
+              <a:lnSpc>
+                <a:spcPct val="90000"/>
+              </a:lnSpc>
+              <a:spcBef>
+                <a:spcPts val="200"/>
+              </a:spcBef>
+              <a:spcAft>
+                <a:spcPts val="400"/>
+              </a:spcAft>
+              <a:buClr>
+                <a:schemeClr val="accent1"/>
+              </a:buClr>
+              <a:buFont typeface="Calibri" pitchFamily="34" charset="0"/>
+              <a:buChar char="◦"/>
+              <a:defRPr sz="1400" kern="1200">
+                <a:solidFill>
+                  <a:schemeClr val="tx1">
+                    <a:lumMod val="75000"/>
+                    <a:lumOff val="25000"/>
+                  </a:schemeClr>
+                </a:solidFill>
+                <a:latin typeface="+mn-lt"/>
+                <a:ea typeface="+mn-ea"/>
+                <a:cs typeface="+mn-cs"/>
+              </a:defRPr>
+            </a:lvl9pPr>
+          </a:lstStyle>
+          <a:p>
+            <a:pPr marL="0" indent="0">
+              <a:lnSpc>
+                <a:spcPct val="100000"/>
+              </a:lnSpc>
               <a:buNone/>
-              <a:defRPr sz="4800" kern="1200" spc="-50" baseline="0">
-                <a:solidFill>
-                  <a:schemeClr val="tx1">
-                    <a:lumMod val="75000"/>
-                    <a:lumOff val="25000"/>
-                  </a:schemeClr>
-                </a:solidFill>
-                <a:latin typeface="+mj-lt"/>
-                <a:ea typeface="+mj-ea"/>
-                <a:cs typeface="+mj-cs"/>
-              </a:defRPr>
-            </a:lvl1pPr>
-          </a:lstStyle>
-          <a:p>
+            </a:pPr>
             <a:r>
-              <a:rPr lang="en-US" altLang="zh-TW" sz="6600" b="1" dirty="0">
-                <a:solidFill>
-                  <a:srgbClr val="0070C0"/>
-                </a:solidFill>
-                <a:latin typeface="Verdana" panose="020B0604030504040204" pitchFamily="34" charset="0"/>
-                <a:ea typeface="Verdana" panose="020B0604030504040204" pitchFamily="34" charset="0"/>
+              <a:rPr lang="en-US" altLang="zh-TW" sz="2400" dirty="0">
+                <a:solidFill>
+                  <a:schemeClr val="tx1"/>
+                </a:solidFill>
+                <a:ea typeface="Tahoma" panose="020B0604030504040204" pitchFamily="34" charset="0"/>
+                <a:cs typeface="Tahoma" panose="020B0604030504040204" pitchFamily="34" charset="0"/>
               </a:rPr>
-              <a:t>Q &amp; A</a:t>
+              <a:t>After optimizing kernel data movement and computation codes, which of the following report should be analyzed?</a:t>
             </a:r>
-            <a:endParaRPr lang="zh-TW" altLang="en-US" sz="6600" b="1" dirty="0">
-              <a:solidFill>
-                <a:srgbClr val="0070C0"/>
-              </a:solidFill>
-              <a:latin typeface="Verdana" panose="020B0604030504040204" pitchFamily="34" charset="0"/>
-            </a:endParaRPr>
+          </a:p>
+          <a:p>
+            <a:pPr marL="457200" indent="-457200">
+              <a:lnSpc>
+                <a:spcPct val="100000"/>
+              </a:lnSpc>
+              <a:buAutoNum type="alphaLcParenBoth"/>
+            </a:pPr>
+            <a:r>
+              <a:rPr lang="en-US" altLang="zh-TW" sz="2400" dirty="0">
+                <a:solidFill>
+                  <a:schemeClr val="tx1"/>
+                </a:solidFill>
+                <a:ea typeface="Tahoma" panose="020B0604030504040204" pitchFamily="34" charset="0"/>
+                <a:cs typeface="Tahoma" panose="020B0604030504040204" pitchFamily="34" charset="0"/>
+              </a:rPr>
+              <a:t>Kernel Compilation Reports</a:t>
+            </a:r>
+          </a:p>
+          <a:p>
+            <a:pPr marL="457200" indent="-457200">
+              <a:lnSpc>
+                <a:spcPct val="100000"/>
+              </a:lnSpc>
+              <a:buAutoNum type="alphaLcParenBoth"/>
+            </a:pPr>
+            <a:r>
+              <a:rPr lang="en-US" altLang="zh-TW" sz="2400" dirty="0">
+                <a:solidFill>
+                  <a:schemeClr val="tx1"/>
+                </a:solidFill>
+                <a:ea typeface="Tahoma" panose="020B0604030504040204" pitchFamily="34" charset="0"/>
+                <a:cs typeface="Tahoma" panose="020B0604030504040204" pitchFamily="34" charset="0"/>
+              </a:rPr>
+              <a:t>Profile Summary</a:t>
+            </a:r>
+          </a:p>
+          <a:p>
+            <a:pPr marL="457200" indent="-457200">
+              <a:lnSpc>
+                <a:spcPct val="100000"/>
+              </a:lnSpc>
+              <a:buAutoNum type="alphaLcParenBoth"/>
+            </a:pPr>
+            <a:r>
+              <a:rPr lang="en-US" altLang="zh-TW" sz="2400" dirty="0">
+                <a:solidFill>
+                  <a:schemeClr val="tx1"/>
+                </a:solidFill>
+                <a:ea typeface="Tahoma" panose="020B0604030504040204" pitchFamily="34" charset="0"/>
+                <a:cs typeface="Tahoma" panose="020B0604030504040204" pitchFamily="34" charset="0"/>
+              </a:rPr>
+              <a:t>Timeline Trace</a:t>
+            </a:r>
+          </a:p>
+          <a:p>
+            <a:pPr marL="457200" indent="-457200">
+              <a:lnSpc>
+                <a:spcPct val="100000"/>
+              </a:lnSpc>
+              <a:buAutoNum type="alphaLcParenBoth"/>
+            </a:pPr>
+            <a:r>
+              <a:rPr lang="en-US" altLang="zh-TW" sz="2400" dirty="0">
+                <a:solidFill>
+                  <a:schemeClr val="tx1"/>
+                </a:solidFill>
+                <a:ea typeface="Tahoma" panose="020B0604030504040204" pitchFamily="34" charset="0"/>
+                <a:cs typeface="Tahoma" panose="020B0604030504040204" pitchFamily="34" charset="0"/>
+              </a:rPr>
+              <a:t>Package Summary</a:t>
+            </a:r>
+          </a:p>
+          <a:p>
+            <a:pPr marL="457200" indent="-457200">
+              <a:lnSpc>
+                <a:spcPct val="100000"/>
+              </a:lnSpc>
+              <a:buAutoNum type="alphaLcParenBoth"/>
+            </a:pPr>
+            <a:r>
+              <a:rPr lang="en-US" altLang="zh-TW" sz="2400" dirty="0">
+                <a:solidFill>
+                  <a:schemeClr val="tx1"/>
+                </a:solidFill>
+                <a:ea typeface="Tahoma" panose="020B0604030504040204" pitchFamily="34" charset="0"/>
+                <a:cs typeface="Tahoma" panose="020B0604030504040204" pitchFamily="34" charset="0"/>
+              </a:rPr>
+              <a:t>Device Hardware Transactions</a:t>
+            </a:r>
           </a:p>
         </p:txBody>
       </p:sp>
     </p:spTree>
     <p:extLst>
       <p:ext uri="{BB962C8B-B14F-4D97-AF65-F5344CB8AC3E}">
-        <p14:creationId xmlns:p14="http://schemas.microsoft.com/office/powerpoint/2010/main" val="84474609"/>
+        <p14:creationId xmlns:p14="http://schemas.microsoft.com/office/powerpoint/2010/main" val="1818044904"/>
       </p:ext>
     </p:extLst>
   </p:cSld>
@@ -11427,6 +12536,1064 @@
     <p:extLst>
       <p:ext uri="{BB962C8B-B14F-4D97-AF65-F5344CB8AC3E}">
         <p14:creationId xmlns:p14="http://schemas.microsoft.com/office/powerpoint/2010/main" val="3054784646"/>
+      </p:ext>
+    </p:extLst>
+  </p:cSld>
+  <p:clrMapOvr>
+    <a:masterClrMapping/>
+  </p:clrMapOvr>
+  <mc:AlternateContent xmlns:mc="http://schemas.openxmlformats.org/markup-compatibility/2006" xmlns:p14="http://schemas.microsoft.com/office/powerpoint/2010/main">
+    <mc:Choice Requires="p14">
+      <p:transition spd="slow" p14:dur="2000">
+        <p:cut/>
+      </p:transition>
+    </mc:Choice>
+    <mc:Fallback xmlns="">
+      <p:transition spd="slow">
+        <p:cut/>
+      </p:transition>
+    </mc:Fallback>
+  </mc:AlternateContent>
+</p:sld>
+</file>
+
+<file path=ppt/slides/slide20.xml><?xml version="1.0" encoding="utf-8"?>
+<p:sld xmlns:a="http://schemas.openxmlformats.org/drawingml/2006/main" xmlns:r="http://schemas.openxmlformats.org/officeDocument/2006/relationships" xmlns:p="http://schemas.openxmlformats.org/presentationml/2006/main">
+  <p:cSld>
+    <p:spTree>
+      <p:nvGrpSpPr>
+        <p:cNvPr id="1" name=""/>
+        <p:cNvGrpSpPr/>
+        <p:nvPr/>
+      </p:nvGrpSpPr>
+      <p:grpSpPr>
+        <a:xfrm>
+          <a:off x="0" y="0"/>
+          <a:ext cx="0" cy="0"/>
+          <a:chOff x="0" y="0"/>
+          <a:chExt cx="0" cy="0"/>
+        </a:xfrm>
+      </p:grpSpPr>
+      <p:sp>
+        <p:nvSpPr>
+          <p:cNvPr id="4" name="投影片編號版面配置區 3">
+            <a:extLst>
+              <a:ext uri="{FF2B5EF4-FFF2-40B4-BE49-F238E27FC236}">
+                <a16:creationId xmlns:a16="http://schemas.microsoft.com/office/drawing/2014/main" id="{445CC383-97AD-40AF-8D90-BF5659592C6E}"/>
+              </a:ext>
+            </a:extLst>
+          </p:cNvPr>
+          <p:cNvSpPr>
+            <a:spLocks noGrp="1"/>
+          </p:cNvSpPr>
+          <p:nvPr>
+            <p:ph type="sldNum" sz="quarter" idx="12"/>
+          </p:nvPr>
+        </p:nvSpPr>
+        <p:spPr>
+          <a:xfrm>
+            <a:off x="7425344" y="6459786"/>
+            <a:ext cx="1718656" cy="398207"/>
+          </a:xfrm>
+        </p:spPr>
+        <p:txBody>
+          <a:bodyPr/>
+          <a:lstStyle/>
+          <a:p>
+            <a:fld id="{73DA0BB7-265A-403C-9275-D587AB510EDC}" type="slidenum">
+              <a:rPr lang="zh-TW" altLang="en-US" sz="2000" smtClean="0"/>
+              <a:pPr/>
+              <a:t>19</a:t>
+            </a:fld>
+            <a:endParaRPr lang="zh-TW" altLang="en-US" sz="2000" dirty="0"/>
+          </a:p>
+        </p:txBody>
+      </p:sp>
+      <p:sp>
+        <p:nvSpPr>
+          <p:cNvPr id="5" name="標題 1">
+            <a:extLst>
+              <a:ext uri="{FF2B5EF4-FFF2-40B4-BE49-F238E27FC236}">
+                <a16:creationId xmlns:a16="http://schemas.microsoft.com/office/drawing/2014/main" id="{4578D9B9-8E18-4EDE-9CE7-D54DEDAFDB5C}"/>
+              </a:ext>
+            </a:extLst>
+          </p:cNvPr>
+          <p:cNvSpPr txBox="1">
+            <a:spLocks/>
+          </p:cNvSpPr>
+          <p:nvPr/>
+        </p:nvSpPr>
+        <p:spPr>
+          <a:xfrm>
+            <a:off x="467544" y="287616"/>
+            <a:ext cx="7543800" cy="477374"/>
+          </a:xfrm>
+          <a:prstGeom prst="rect">
+            <a:avLst/>
+          </a:prstGeom>
+        </p:spPr>
+        <p:txBody>
+          <a:bodyPr>
+            <a:normAutofit lnSpcReduction="10000"/>
+          </a:bodyPr>
+          <a:lstStyle>
+            <a:lvl1pPr algn="l" defTabSz="914400" rtl="0" eaLnBrk="1" latinLnBrk="0" hangingPunct="1">
+              <a:lnSpc>
+                <a:spcPct val="85000"/>
+              </a:lnSpc>
+              <a:spcBef>
+                <a:spcPct val="0"/>
+              </a:spcBef>
+              <a:buNone/>
+              <a:defRPr sz="4800" kern="1200" spc="-50" baseline="0">
+                <a:solidFill>
+                  <a:schemeClr val="tx1">
+                    <a:lumMod val="75000"/>
+                    <a:lumOff val="25000"/>
+                  </a:schemeClr>
+                </a:solidFill>
+                <a:latin typeface="+mj-lt"/>
+                <a:ea typeface="+mj-ea"/>
+                <a:cs typeface="+mj-cs"/>
+              </a:defRPr>
+            </a:lvl1pPr>
+          </a:lstStyle>
+          <a:p>
+            <a:r>
+              <a:rPr lang="en-US" altLang="zh-TW" sz="3000" b="1" dirty="0">
+                <a:solidFill>
+                  <a:srgbClr val="0070C0"/>
+                </a:solidFill>
+                <a:latin typeface="Verdana" panose="020B0604030504040204" pitchFamily="34" charset="0"/>
+              </a:rPr>
+              <a:t>Quiz</a:t>
+            </a:r>
+            <a:endParaRPr lang="zh-TW" altLang="en-US" sz="3000" b="1" dirty="0">
+              <a:solidFill>
+                <a:srgbClr val="0070C0"/>
+              </a:solidFill>
+              <a:latin typeface="Verdana" panose="020B0604030504040204" pitchFamily="34" charset="0"/>
+            </a:endParaRPr>
+          </a:p>
+        </p:txBody>
+      </p:sp>
+      <p:cxnSp>
+        <p:nvCxnSpPr>
+          <p:cNvPr id="6" name="直線接點 5">
+            <a:extLst>
+              <a:ext uri="{FF2B5EF4-FFF2-40B4-BE49-F238E27FC236}">
+                <a16:creationId xmlns:a16="http://schemas.microsoft.com/office/drawing/2014/main" id="{98BA7524-F829-4D5A-9E6B-F1A62E470C45}"/>
+              </a:ext>
+            </a:extLst>
+          </p:cNvPr>
+          <p:cNvCxnSpPr/>
+          <p:nvPr/>
+        </p:nvCxnSpPr>
+        <p:spPr>
+          <a:xfrm>
+            <a:off x="467544" y="830074"/>
+            <a:ext cx="8208912" cy="0"/>
+          </a:xfrm>
+          <a:prstGeom prst="line">
+            <a:avLst/>
+          </a:prstGeom>
+        </p:spPr>
+        <p:style>
+          <a:lnRef idx="2">
+            <a:schemeClr val="accent1"/>
+          </a:lnRef>
+          <a:fillRef idx="0">
+            <a:schemeClr val="accent1"/>
+          </a:fillRef>
+          <a:effectRef idx="1">
+            <a:schemeClr val="accent1"/>
+          </a:effectRef>
+          <a:fontRef idx="minor">
+            <a:schemeClr val="tx1"/>
+          </a:fontRef>
+        </p:style>
+      </p:cxnSp>
+      <p:sp>
+        <p:nvSpPr>
+          <p:cNvPr id="7" name="內容版面配置區 2">
+            <a:extLst>
+              <a:ext uri="{FF2B5EF4-FFF2-40B4-BE49-F238E27FC236}">
+                <a16:creationId xmlns:a16="http://schemas.microsoft.com/office/drawing/2014/main" id="{76EAB151-3F9E-47E1-8D10-FAB89B3612A9}"/>
+              </a:ext>
+            </a:extLst>
+          </p:cNvPr>
+          <p:cNvSpPr txBox="1">
+            <a:spLocks/>
+          </p:cNvSpPr>
+          <p:nvPr/>
+        </p:nvSpPr>
+        <p:spPr>
+          <a:xfrm>
+            <a:off x="467544" y="908721"/>
+            <a:ext cx="8208912" cy="5328591"/>
+          </a:xfrm>
+          <a:prstGeom prst="rect">
+            <a:avLst/>
+          </a:prstGeom>
+        </p:spPr>
+        <p:txBody>
+          <a:bodyPr>
+            <a:normAutofit/>
+          </a:bodyPr>
+          <a:lstStyle>
+            <a:lvl1pPr marL="91440" indent="-91440" algn="l" defTabSz="914400" rtl="0" eaLnBrk="1" latinLnBrk="0" hangingPunct="1">
+              <a:lnSpc>
+                <a:spcPct val="90000"/>
+              </a:lnSpc>
+              <a:spcBef>
+                <a:spcPts val="1200"/>
+              </a:spcBef>
+              <a:spcAft>
+                <a:spcPts val="200"/>
+              </a:spcAft>
+              <a:buClr>
+                <a:schemeClr val="accent1"/>
+              </a:buClr>
+              <a:buSzPct val="100000"/>
+              <a:buFont typeface="Calibri" panose="020F0502020204030204" pitchFamily="34" charset="0"/>
+              <a:buChar char=" "/>
+              <a:defRPr sz="2000" kern="1200">
+                <a:solidFill>
+                  <a:schemeClr val="tx1">
+                    <a:lumMod val="75000"/>
+                    <a:lumOff val="25000"/>
+                  </a:schemeClr>
+                </a:solidFill>
+                <a:latin typeface="+mn-lt"/>
+                <a:ea typeface="+mn-ea"/>
+                <a:cs typeface="+mn-cs"/>
+              </a:defRPr>
+            </a:lvl1pPr>
+            <a:lvl2pPr marL="384048" indent="-182880" algn="l" defTabSz="914400" rtl="0" eaLnBrk="1" latinLnBrk="0" hangingPunct="1">
+              <a:lnSpc>
+                <a:spcPct val="90000"/>
+              </a:lnSpc>
+              <a:spcBef>
+                <a:spcPts val="200"/>
+              </a:spcBef>
+              <a:spcAft>
+                <a:spcPts val="400"/>
+              </a:spcAft>
+              <a:buClr>
+                <a:schemeClr val="accent1"/>
+              </a:buClr>
+              <a:buFont typeface="Calibri" pitchFamily="34" charset="0"/>
+              <a:buChar char="◦"/>
+              <a:defRPr sz="1800" kern="1200">
+                <a:solidFill>
+                  <a:schemeClr val="tx1">
+                    <a:lumMod val="75000"/>
+                    <a:lumOff val="25000"/>
+                  </a:schemeClr>
+                </a:solidFill>
+                <a:latin typeface="+mn-lt"/>
+                <a:ea typeface="+mn-ea"/>
+                <a:cs typeface="+mn-cs"/>
+              </a:defRPr>
+            </a:lvl2pPr>
+            <a:lvl3pPr marL="566928" indent="-182880" algn="l" defTabSz="914400" rtl="0" eaLnBrk="1" latinLnBrk="0" hangingPunct="1">
+              <a:lnSpc>
+                <a:spcPct val="90000"/>
+              </a:lnSpc>
+              <a:spcBef>
+                <a:spcPts val="200"/>
+              </a:spcBef>
+              <a:spcAft>
+                <a:spcPts val="400"/>
+              </a:spcAft>
+              <a:buClr>
+                <a:schemeClr val="accent1"/>
+              </a:buClr>
+              <a:buFont typeface="Calibri" pitchFamily="34" charset="0"/>
+              <a:buChar char="◦"/>
+              <a:defRPr sz="1400" kern="1200">
+                <a:solidFill>
+                  <a:schemeClr val="tx1">
+                    <a:lumMod val="75000"/>
+                    <a:lumOff val="25000"/>
+                  </a:schemeClr>
+                </a:solidFill>
+                <a:latin typeface="+mn-lt"/>
+                <a:ea typeface="+mn-ea"/>
+                <a:cs typeface="+mn-cs"/>
+              </a:defRPr>
+            </a:lvl3pPr>
+            <a:lvl4pPr marL="749808" indent="-182880" algn="l" defTabSz="914400" rtl="0" eaLnBrk="1" latinLnBrk="0" hangingPunct="1">
+              <a:lnSpc>
+                <a:spcPct val="90000"/>
+              </a:lnSpc>
+              <a:spcBef>
+                <a:spcPts val="200"/>
+              </a:spcBef>
+              <a:spcAft>
+                <a:spcPts val="400"/>
+              </a:spcAft>
+              <a:buClr>
+                <a:schemeClr val="accent1"/>
+              </a:buClr>
+              <a:buFont typeface="Calibri" pitchFamily="34" charset="0"/>
+              <a:buChar char="◦"/>
+              <a:defRPr sz="1400" kern="1200">
+                <a:solidFill>
+                  <a:schemeClr val="tx1">
+                    <a:lumMod val="75000"/>
+                    <a:lumOff val="25000"/>
+                  </a:schemeClr>
+                </a:solidFill>
+                <a:latin typeface="+mn-lt"/>
+                <a:ea typeface="+mn-ea"/>
+                <a:cs typeface="+mn-cs"/>
+              </a:defRPr>
+            </a:lvl4pPr>
+            <a:lvl5pPr marL="932688" indent="-182880" algn="l" defTabSz="914400" rtl="0" eaLnBrk="1" latinLnBrk="0" hangingPunct="1">
+              <a:lnSpc>
+                <a:spcPct val="90000"/>
+              </a:lnSpc>
+              <a:spcBef>
+                <a:spcPts val="200"/>
+              </a:spcBef>
+              <a:spcAft>
+                <a:spcPts val="400"/>
+              </a:spcAft>
+              <a:buClr>
+                <a:schemeClr val="accent1"/>
+              </a:buClr>
+              <a:buFont typeface="Calibri" pitchFamily="34" charset="0"/>
+              <a:buChar char="◦"/>
+              <a:defRPr sz="1400" kern="1200">
+                <a:solidFill>
+                  <a:schemeClr val="tx1">
+                    <a:lumMod val="75000"/>
+                    <a:lumOff val="25000"/>
+                  </a:schemeClr>
+                </a:solidFill>
+                <a:latin typeface="+mn-lt"/>
+                <a:ea typeface="+mn-ea"/>
+                <a:cs typeface="+mn-cs"/>
+              </a:defRPr>
+            </a:lvl5pPr>
+            <a:lvl6pPr marL="1100000" indent="-228600" algn="l" defTabSz="914400" rtl="0" eaLnBrk="1" latinLnBrk="0" hangingPunct="1">
+              <a:lnSpc>
+                <a:spcPct val="90000"/>
+              </a:lnSpc>
+              <a:spcBef>
+                <a:spcPts val="200"/>
+              </a:spcBef>
+              <a:spcAft>
+                <a:spcPts val="400"/>
+              </a:spcAft>
+              <a:buClr>
+                <a:schemeClr val="accent1"/>
+              </a:buClr>
+              <a:buFont typeface="Calibri" pitchFamily="34" charset="0"/>
+              <a:buChar char="◦"/>
+              <a:defRPr sz="1400" kern="1200">
+                <a:solidFill>
+                  <a:schemeClr val="tx1">
+                    <a:lumMod val="75000"/>
+                    <a:lumOff val="25000"/>
+                  </a:schemeClr>
+                </a:solidFill>
+                <a:latin typeface="+mn-lt"/>
+                <a:ea typeface="+mn-ea"/>
+                <a:cs typeface="+mn-cs"/>
+              </a:defRPr>
+            </a:lvl6pPr>
+            <a:lvl7pPr marL="1300000" indent="-228600" algn="l" defTabSz="914400" rtl="0" eaLnBrk="1" latinLnBrk="0" hangingPunct="1">
+              <a:lnSpc>
+                <a:spcPct val="90000"/>
+              </a:lnSpc>
+              <a:spcBef>
+                <a:spcPts val="200"/>
+              </a:spcBef>
+              <a:spcAft>
+                <a:spcPts val="400"/>
+              </a:spcAft>
+              <a:buClr>
+                <a:schemeClr val="accent1"/>
+              </a:buClr>
+              <a:buFont typeface="Calibri" pitchFamily="34" charset="0"/>
+              <a:buChar char="◦"/>
+              <a:defRPr sz="1400" kern="1200">
+                <a:solidFill>
+                  <a:schemeClr val="tx1">
+                    <a:lumMod val="75000"/>
+                    <a:lumOff val="25000"/>
+                  </a:schemeClr>
+                </a:solidFill>
+                <a:latin typeface="+mn-lt"/>
+                <a:ea typeface="+mn-ea"/>
+                <a:cs typeface="+mn-cs"/>
+              </a:defRPr>
+            </a:lvl7pPr>
+            <a:lvl8pPr marL="1500000" indent="-228600" algn="l" defTabSz="914400" rtl="0" eaLnBrk="1" latinLnBrk="0" hangingPunct="1">
+              <a:lnSpc>
+                <a:spcPct val="90000"/>
+              </a:lnSpc>
+              <a:spcBef>
+                <a:spcPts val="200"/>
+              </a:spcBef>
+              <a:spcAft>
+                <a:spcPts val="400"/>
+              </a:spcAft>
+              <a:buClr>
+                <a:schemeClr val="accent1"/>
+              </a:buClr>
+              <a:buFont typeface="Calibri" pitchFamily="34" charset="0"/>
+              <a:buChar char="◦"/>
+              <a:defRPr sz="1400" kern="1200">
+                <a:solidFill>
+                  <a:schemeClr val="tx1">
+                    <a:lumMod val="75000"/>
+                    <a:lumOff val="25000"/>
+                  </a:schemeClr>
+                </a:solidFill>
+                <a:latin typeface="+mn-lt"/>
+                <a:ea typeface="+mn-ea"/>
+                <a:cs typeface="+mn-cs"/>
+              </a:defRPr>
+            </a:lvl8pPr>
+            <a:lvl9pPr marL="1700000" indent="-228600" algn="l" defTabSz="914400" rtl="0" eaLnBrk="1" latinLnBrk="0" hangingPunct="1">
+              <a:lnSpc>
+                <a:spcPct val="90000"/>
+              </a:lnSpc>
+              <a:spcBef>
+                <a:spcPts val="200"/>
+              </a:spcBef>
+              <a:spcAft>
+                <a:spcPts val="400"/>
+              </a:spcAft>
+              <a:buClr>
+                <a:schemeClr val="accent1"/>
+              </a:buClr>
+              <a:buFont typeface="Calibri" pitchFamily="34" charset="0"/>
+              <a:buChar char="◦"/>
+              <a:defRPr sz="1400" kern="1200">
+                <a:solidFill>
+                  <a:schemeClr val="tx1">
+                    <a:lumMod val="75000"/>
+                    <a:lumOff val="25000"/>
+                  </a:schemeClr>
+                </a:solidFill>
+                <a:latin typeface="+mn-lt"/>
+                <a:ea typeface="+mn-ea"/>
+                <a:cs typeface="+mn-cs"/>
+              </a:defRPr>
+            </a:lvl9pPr>
+          </a:lstStyle>
+          <a:p>
+            <a:pPr indent="-360000">
+              <a:buSzPct val="60000"/>
+              <a:buFont typeface="Wingdings" panose="05000000000000000000" pitchFamily="2" charset="2"/>
+              <a:buChar char="l"/>
+            </a:pPr>
+            <a:endParaRPr lang="en-US" altLang="zh-TW" sz="2800" dirty="0">
+              <a:solidFill>
+                <a:schemeClr val="tx1"/>
+              </a:solidFill>
+              <a:ea typeface="Tahoma" panose="020B0604030504040204" pitchFamily="34" charset="0"/>
+              <a:cs typeface="Tahoma" panose="020B0604030504040204" pitchFamily="34" charset="0"/>
+            </a:endParaRPr>
+          </a:p>
+        </p:txBody>
+      </p:sp>
+      <p:sp>
+        <p:nvSpPr>
+          <p:cNvPr id="8" name="內容版面配置區 2">
+            <a:extLst>
+              <a:ext uri="{FF2B5EF4-FFF2-40B4-BE49-F238E27FC236}">
+                <a16:creationId xmlns:a16="http://schemas.microsoft.com/office/drawing/2014/main" id="{C33345E7-348B-4581-8866-42E8AA7EB6B5}"/>
+              </a:ext>
+            </a:extLst>
+          </p:cNvPr>
+          <p:cNvSpPr txBox="1">
+            <a:spLocks/>
+          </p:cNvSpPr>
+          <p:nvPr/>
+        </p:nvSpPr>
+        <p:spPr>
+          <a:xfrm>
+            <a:off x="619944" y="1061121"/>
+            <a:ext cx="8208912" cy="5328591"/>
+          </a:xfrm>
+          <a:prstGeom prst="rect">
+            <a:avLst/>
+          </a:prstGeom>
+        </p:spPr>
+        <p:txBody>
+          <a:bodyPr>
+            <a:normAutofit/>
+          </a:bodyPr>
+          <a:lstStyle>
+            <a:lvl1pPr marL="91440" indent="-91440" algn="l" defTabSz="914400" rtl="0" eaLnBrk="1" latinLnBrk="0" hangingPunct="1">
+              <a:lnSpc>
+                <a:spcPct val="90000"/>
+              </a:lnSpc>
+              <a:spcBef>
+                <a:spcPts val="1200"/>
+              </a:spcBef>
+              <a:spcAft>
+                <a:spcPts val="200"/>
+              </a:spcAft>
+              <a:buClr>
+                <a:schemeClr val="accent1"/>
+              </a:buClr>
+              <a:buSzPct val="100000"/>
+              <a:buFont typeface="Calibri" panose="020F0502020204030204" pitchFamily="34" charset="0"/>
+              <a:buChar char=" "/>
+              <a:defRPr sz="2000" kern="1200">
+                <a:solidFill>
+                  <a:schemeClr val="tx1">
+                    <a:lumMod val="75000"/>
+                    <a:lumOff val="25000"/>
+                  </a:schemeClr>
+                </a:solidFill>
+                <a:latin typeface="+mn-lt"/>
+                <a:ea typeface="+mn-ea"/>
+                <a:cs typeface="+mn-cs"/>
+              </a:defRPr>
+            </a:lvl1pPr>
+            <a:lvl2pPr marL="384048" indent="-182880" algn="l" defTabSz="914400" rtl="0" eaLnBrk="1" latinLnBrk="0" hangingPunct="1">
+              <a:lnSpc>
+                <a:spcPct val="90000"/>
+              </a:lnSpc>
+              <a:spcBef>
+                <a:spcPts val="200"/>
+              </a:spcBef>
+              <a:spcAft>
+                <a:spcPts val="400"/>
+              </a:spcAft>
+              <a:buClr>
+                <a:schemeClr val="accent1"/>
+              </a:buClr>
+              <a:buFont typeface="Calibri" pitchFamily="34" charset="0"/>
+              <a:buChar char="◦"/>
+              <a:defRPr sz="1800" kern="1200">
+                <a:solidFill>
+                  <a:schemeClr val="tx1">
+                    <a:lumMod val="75000"/>
+                    <a:lumOff val="25000"/>
+                  </a:schemeClr>
+                </a:solidFill>
+                <a:latin typeface="+mn-lt"/>
+                <a:ea typeface="+mn-ea"/>
+                <a:cs typeface="+mn-cs"/>
+              </a:defRPr>
+            </a:lvl2pPr>
+            <a:lvl3pPr marL="566928" indent="-182880" algn="l" defTabSz="914400" rtl="0" eaLnBrk="1" latinLnBrk="0" hangingPunct="1">
+              <a:lnSpc>
+                <a:spcPct val="90000"/>
+              </a:lnSpc>
+              <a:spcBef>
+                <a:spcPts val="200"/>
+              </a:spcBef>
+              <a:spcAft>
+                <a:spcPts val="400"/>
+              </a:spcAft>
+              <a:buClr>
+                <a:schemeClr val="accent1"/>
+              </a:buClr>
+              <a:buFont typeface="Calibri" pitchFamily="34" charset="0"/>
+              <a:buChar char="◦"/>
+              <a:defRPr sz="1400" kern="1200">
+                <a:solidFill>
+                  <a:schemeClr val="tx1">
+                    <a:lumMod val="75000"/>
+                    <a:lumOff val="25000"/>
+                  </a:schemeClr>
+                </a:solidFill>
+                <a:latin typeface="+mn-lt"/>
+                <a:ea typeface="+mn-ea"/>
+                <a:cs typeface="+mn-cs"/>
+              </a:defRPr>
+            </a:lvl3pPr>
+            <a:lvl4pPr marL="749808" indent="-182880" algn="l" defTabSz="914400" rtl="0" eaLnBrk="1" latinLnBrk="0" hangingPunct="1">
+              <a:lnSpc>
+                <a:spcPct val="90000"/>
+              </a:lnSpc>
+              <a:spcBef>
+                <a:spcPts val="200"/>
+              </a:spcBef>
+              <a:spcAft>
+                <a:spcPts val="400"/>
+              </a:spcAft>
+              <a:buClr>
+                <a:schemeClr val="accent1"/>
+              </a:buClr>
+              <a:buFont typeface="Calibri" pitchFamily="34" charset="0"/>
+              <a:buChar char="◦"/>
+              <a:defRPr sz="1400" kern="1200">
+                <a:solidFill>
+                  <a:schemeClr val="tx1">
+                    <a:lumMod val="75000"/>
+                    <a:lumOff val="25000"/>
+                  </a:schemeClr>
+                </a:solidFill>
+                <a:latin typeface="+mn-lt"/>
+                <a:ea typeface="+mn-ea"/>
+                <a:cs typeface="+mn-cs"/>
+              </a:defRPr>
+            </a:lvl4pPr>
+            <a:lvl5pPr marL="932688" indent="-182880" algn="l" defTabSz="914400" rtl="0" eaLnBrk="1" latinLnBrk="0" hangingPunct="1">
+              <a:lnSpc>
+                <a:spcPct val="90000"/>
+              </a:lnSpc>
+              <a:spcBef>
+                <a:spcPts val="200"/>
+              </a:spcBef>
+              <a:spcAft>
+                <a:spcPts val="400"/>
+              </a:spcAft>
+              <a:buClr>
+                <a:schemeClr val="accent1"/>
+              </a:buClr>
+              <a:buFont typeface="Calibri" pitchFamily="34" charset="0"/>
+              <a:buChar char="◦"/>
+              <a:defRPr sz="1400" kern="1200">
+                <a:solidFill>
+                  <a:schemeClr val="tx1">
+                    <a:lumMod val="75000"/>
+                    <a:lumOff val="25000"/>
+                  </a:schemeClr>
+                </a:solidFill>
+                <a:latin typeface="+mn-lt"/>
+                <a:ea typeface="+mn-ea"/>
+                <a:cs typeface="+mn-cs"/>
+              </a:defRPr>
+            </a:lvl5pPr>
+            <a:lvl6pPr marL="1100000" indent="-228600" algn="l" defTabSz="914400" rtl="0" eaLnBrk="1" latinLnBrk="0" hangingPunct="1">
+              <a:lnSpc>
+                <a:spcPct val="90000"/>
+              </a:lnSpc>
+              <a:spcBef>
+                <a:spcPts val="200"/>
+              </a:spcBef>
+              <a:spcAft>
+                <a:spcPts val="400"/>
+              </a:spcAft>
+              <a:buClr>
+                <a:schemeClr val="accent1"/>
+              </a:buClr>
+              <a:buFont typeface="Calibri" pitchFamily="34" charset="0"/>
+              <a:buChar char="◦"/>
+              <a:defRPr sz="1400" kern="1200">
+                <a:solidFill>
+                  <a:schemeClr val="tx1">
+                    <a:lumMod val="75000"/>
+                    <a:lumOff val="25000"/>
+                  </a:schemeClr>
+                </a:solidFill>
+                <a:latin typeface="+mn-lt"/>
+                <a:ea typeface="+mn-ea"/>
+                <a:cs typeface="+mn-cs"/>
+              </a:defRPr>
+            </a:lvl6pPr>
+            <a:lvl7pPr marL="1300000" indent="-228600" algn="l" defTabSz="914400" rtl="0" eaLnBrk="1" latinLnBrk="0" hangingPunct="1">
+              <a:lnSpc>
+                <a:spcPct val="90000"/>
+              </a:lnSpc>
+              <a:spcBef>
+                <a:spcPts val="200"/>
+              </a:spcBef>
+              <a:spcAft>
+                <a:spcPts val="400"/>
+              </a:spcAft>
+              <a:buClr>
+                <a:schemeClr val="accent1"/>
+              </a:buClr>
+              <a:buFont typeface="Calibri" pitchFamily="34" charset="0"/>
+              <a:buChar char="◦"/>
+              <a:defRPr sz="1400" kern="1200">
+                <a:solidFill>
+                  <a:schemeClr val="tx1">
+                    <a:lumMod val="75000"/>
+                    <a:lumOff val="25000"/>
+                  </a:schemeClr>
+                </a:solidFill>
+                <a:latin typeface="+mn-lt"/>
+                <a:ea typeface="+mn-ea"/>
+                <a:cs typeface="+mn-cs"/>
+              </a:defRPr>
+            </a:lvl7pPr>
+            <a:lvl8pPr marL="1500000" indent="-228600" algn="l" defTabSz="914400" rtl="0" eaLnBrk="1" latinLnBrk="0" hangingPunct="1">
+              <a:lnSpc>
+                <a:spcPct val="90000"/>
+              </a:lnSpc>
+              <a:spcBef>
+                <a:spcPts val="200"/>
+              </a:spcBef>
+              <a:spcAft>
+                <a:spcPts val="400"/>
+              </a:spcAft>
+              <a:buClr>
+                <a:schemeClr val="accent1"/>
+              </a:buClr>
+              <a:buFont typeface="Calibri" pitchFamily="34" charset="0"/>
+              <a:buChar char="◦"/>
+              <a:defRPr sz="1400" kern="1200">
+                <a:solidFill>
+                  <a:schemeClr val="tx1">
+                    <a:lumMod val="75000"/>
+                    <a:lumOff val="25000"/>
+                  </a:schemeClr>
+                </a:solidFill>
+                <a:latin typeface="+mn-lt"/>
+                <a:ea typeface="+mn-ea"/>
+                <a:cs typeface="+mn-cs"/>
+              </a:defRPr>
+            </a:lvl8pPr>
+            <a:lvl9pPr marL="1700000" indent="-228600" algn="l" defTabSz="914400" rtl="0" eaLnBrk="1" latinLnBrk="0" hangingPunct="1">
+              <a:lnSpc>
+                <a:spcPct val="90000"/>
+              </a:lnSpc>
+              <a:spcBef>
+                <a:spcPts val="200"/>
+              </a:spcBef>
+              <a:spcAft>
+                <a:spcPts val="400"/>
+              </a:spcAft>
+              <a:buClr>
+                <a:schemeClr val="accent1"/>
+              </a:buClr>
+              <a:buFont typeface="Calibri" pitchFamily="34" charset="0"/>
+              <a:buChar char="◦"/>
+              <a:defRPr sz="1400" kern="1200">
+                <a:solidFill>
+                  <a:schemeClr val="tx1">
+                    <a:lumMod val="75000"/>
+                    <a:lumOff val="25000"/>
+                  </a:schemeClr>
+                </a:solidFill>
+                <a:latin typeface="+mn-lt"/>
+                <a:ea typeface="+mn-ea"/>
+                <a:cs typeface="+mn-cs"/>
+              </a:defRPr>
+            </a:lvl9pPr>
+          </a:lstStyle>
+          <a:p>
+            <a:pPr marL="0" indent="0">
+              <a:lnSpc>
+                <a:spcPct val="100000"/>
+              </a:lnSpc>
+              <a:buNone/>
+            </a:pPr>
+            <a:r>
+              <a:rPr lang="en-US" altLang="zh-TW" sz="2400" dirty="0">
+                <a:solidFill>
+                  <a:schemeClr val="tx1"/>
+                </a:solidFill>
+                <a:ea typeface="Tahoma" panose="020B0604030504040204" pitchFamily="34" charset="0"/>
+                <a:cs typeface="Tahoma" panose="020B0604030504040204" pitchFamily="34" charset="0"/>
+              </a:rPr>
+              <a:t>After optimizing kernel data movement and computation codes, which of the following report should be analyzed?</a:t>
+            </a:r>
+          </a:p>
+          <a:p>
+            <a:pPr marL="457200" indent="-457200">
+              <a:lnSpc>
+                <a:spcPct val="100000"/>
+              </a:lnSpc>
+              <a:buAutoNum type="alphaLcParenBoth"/>
+            </a:pPr>
+            <a:r>
+              <a:rPr lang="en-US" altLang="zh-TW" sz="2400" b="1" dirty="0">
+                <a:solidFill>
+                  <a:schemeClr val="tx1"/>
+                </a:solidFill>
+                <a:ea typeface="Tahoma" panose="020B0604030504040204" pitchFamily="34" charset="0"/>
+                <a:cs typeface="Tahoma" panose="020B0604030504040204" pitchFamily="34" charset="0"/>
+              </a:rPr>
+              <a:t>Kernel Compilation Reports</a:t>
+            </a:r>
+          </a:p>
+          <a:p>
+            <a:pPr marL="457200" indent="-457200">
+              <a:lnSpc>
+                <a:spcPct val="100000"/>
+              </a:lnSpc>
+              <a:buAutoNum type="alphaLcParenBoth"/>
+            </a:pPr>
+            <a:r>
+              <a:rPr lang="en-US" altLang="zh-TW" sz="2400" b="1" dirty="0">
+                <a:solidFill>
+                  <a:schemeClr val="tx1"/>
+                </a:solidFill>
+                <a:ea typeface="Tahoma" panose="020B0604030504040204" pitchFamily="34" charset="0"/>
+                <a:cs typeface="Tahoma" panose="020B0604030504040204" pitchFamily="34" charset="0"/>
+              </a:rPr>
+              <a:t>Profile Summary</a:t>
+            </a:r>
+          </a:p>
+          <a:p>
+            <a:pPr marL="457200" indent="-457200">
+              <a:lnSpc>
+                <a:spcPct val="100000"/>
+              </a:lnSpc>
+              <a:buAutoNum type="alphaLcParenBoth"/>
+            </a:pPr>
+            <a:r>
+              <a:rPr lang="en-US" altLang="zh-TW" sz="2400" b="1" dirty="0">
+                <a:solidFill>
+                  <a:schemeClr val="tx1"/>
+                </a:solidFill>
+                <a:ea typeface="Tahoma" panose="020B0604030504040204" pitchFamily="34" charset="0"/>
+                <a:cs typeface="Tahoma" panose="020B0604030504040204" pitchFamily="34" charset="0"/>
+              </a:rPr>
+              <a:t>Timeline Trace</a:t>
+            </a:r>
+          </a:p>
+          <a:p>
+            <a:pPr marL="457200" indent="-457200">
+              <a:lnSpc>
+                <a:spcPct val="100000"/>
+              </a:lnSpc>
+              <a:buAutoNum type="alphaLcParenBoth"/>
+            </a:pPr>
+            <a:r>
+              <a:rPr lang="en-US" altLang="zh-TW" sz="2400" dirty="0">
+                <a:solidFill>
+                  <a:schemeClr val="tx1"/>
+                </a:solidFill>
+                <a:ea typeface="Tahoma" panose="020B0604030504040204" pitchFamily="34" charset="0"/>
+                <a:cs typeface="Tahoma" panose="020B0604030504040204" pitchFamily="34" charset="0"/>
+              </a:rPr>
+              <a:t>Package Summary</a:t>
+            </a:r>
+          </a:p>
+          <a:p>
+            <a:pPr marL="457200" indent="-457200">
+              <a:lnSpc>
+                <a:spcPct val="100000"/>
+              </a:lnSpc>
+              <a:buAutoNum type="alphaLcParenBoth"/>
+            </a:pPr>
+            <a:r>
+              <a:rPr lang="en-US" altLang="zh-TW" sz="2400" b="1" dirty="0">
+                <a:solidFill>
+                  <a:schemeClr val="tx1"/>
+                </a:solidFill>
+                <a:ea typeface="Tahoma" panose="020B0604030504040204" pitchFamily="34" charset="0"/>
+                <a:cs typeface="Tahoma" panose="020B0604030504040204" pitchFamily="34" charset="0"/>
+              </a:rPr>
+              <a:t>Device Hardware Transactions</a:t>
+            </a:r>
+          </a:p>
+        </p:txBody>
+      </p:sp>
+    </p:spTree>
+    <p:extLst>
+      <p:ext uri="{BB962C8B-B14F-4D97-AF65-F5344CB8AC3E}">
+        <p14:creationId xmlns:p14="http://schemas.microsoft.com/office/powerpoint/2010/main" val="1330351066"/>
+      </p:ext>
+    </p:extLst>
+  </p:cSld>
+  <p:clrMapOvr>
+    <a:masterClrMapping/>
+  </p:clrMapOvr>
+  <mc:AlternateContent xmlns:mc="http://schemas.openxmlformats.org/markup-compatibility/2006" xmlns:p14="http://schemas.microsoft.com/office/powerpoint/2010/main">
+    <mc:Choice Requires="p14">
+      <p:transition spd="slow" p14:dur="2000">
+        <p:cut/>
+      </p:transition>
+    </mc:Choice>
+    <mc:Fallback xmlns="">
+      <p:transition spd="slow">
+        <p:cut/>
+      </p:transition>
+    </mc:Fallback>
+  </mc:AlternateContent>
+</p:sld>
+</file>
+
+<file path=ppt/slides/slide21.xml><?xml version="1.0" encoding="utf-8"?>
+<p:sld xmlns:a="http://schemas.openxmlformats.org/drawingml/2006/main" xmlns:r="http://schemas.openxmlformats.org/officeDocument/2006/relationships" xmlns:p="http://schemas.openxmlformats.org/presentationml/2006/main">
+  <p:cSld>
+    <p:spTree>
+      <p:nvGrpSpPr>
+        <p:cNvPr id="1" name=""/>
+        <p:cNvGrpSpPr/>
+        <p:nvPr/>
+      </p:nvGrpSpPr>
+      <p:grpSpPr>
+        <a:xfrm>
+          <a:off x="0" y="0"/>
+          <a:ext cx="0" cy="0"/>
+          <a:chOff x="0" y="0"/>
+          <a:chExt cx="0" cy="0"/>
+        </a:xfrm>
+      </p:grpSpPr>
+      <p:sp>
+        <p:nvSpPr>
+          <p:cNvPr id="5" name="標題 1">
+            <a:extLst>
+              <a:ext uri="{FF2B5EF4-FFF2-40B4-BE49-F238E27FC236}">
+                <a16:creationId xmlns:a16="http://schemas.microsoft.com/office/drawing/2014/main" id="{4578D9B9-8E18-4EDE-9CE7-D54DEDAFDB5C}"/>
+              </a:ext>
+            </a:extLst>
+          </p:cNvPr>
+          <p:cNvSpPr txBox="1">
+            <a:spLocks/>
+          </p:cNvSpPr>
+          <p:nvPr/>
+        </p:nvSpPr>
+        <p:spPr>
+          <a:xfrm>
+            <a:off x="467544" y="287616"/>
+            <a:ext cx="7543800" cy="477374"/>
+          </a:xfrm>
+          <a:prstGeom prst="rect">
+            <a:avLst/>
+          </a:prstGeom>
+        </p:spPr>
+        <p:txBody>
+          <a:bodyPr>
+            <a:normAutofit lnSpcReduction="10000"/>
+          </a:bodyPr>
+          <a:lstStyle>
+            <a:lvl1pPr algn="l" defTabSz="914400" rtl="0" eaLnBrk="1" latinLnBrk="0" hangingPunct="1">
+              <a:lnSpc>
+                <a:spcPct val="85000"/>
+              </a:lnSpc>
+              <a:spcBef>
+                <a:spcPct val="0"/>
+              </a:spcBef>
+              <a:buNone/>
+              <a:defRPr sz="4800" kern="1200" spc="-50" baseline="0">
+                <a:solidFill>
+                  <a:schemeClr val="tx1">
+                    <a:lumMod val="75000"/>
+                    <a:lumOff val="25000"/>
+                  </a:schemeClr>
+                </a:solidFill>
+                <a:latin typeface="+mj-lt"/>
+                <a:ea typeface="+mj-ea"/>
+                <a:cs typeface="+mj-cs"/>
+              </a:defRPr>
+            </a:lvl1pPr>
+          </a:lstStyle>
+          <a:p>
+            <a:endParaRPr lang="zh-TW" altLang="en-US" sz="3000" b="1" dirty="0">
+              <a:solidFill>
+                <a:srgbClr val="0070C0"/>
+              </a:solidFill>
+              <a:latin typeface="Verdana" panose="020B0604030504040204" pitchFamily="34" charset="0"/>
+            </a:endParaRPr>
+          </a:p>
+        </p:txBody>
+      </p:sp>
+      <p:sp>
+        <p:nvSpPr>
+          <p:cNvPr id="9" name="投影片編號版面配置區 3">
+            <a:extLst>
+              <a:ext uri="{FF2B5EF4-FFF2-40B4-BE49-F238E27FC236}">
+                <a16:creationId xmlns:a16="http://schemas.microsoft.com/office/drawing/2014/main" id="{CD062612-6FA2-4407-9691-02D867B12575}"/>
+              </a:ext>
+            </a:extLst>
+          </p:cNvPr>
+          <p:cNvSpPr>
+            <a:spLocks noGrp="1"/>
+          </p:cNvSpPr>
+          <p:nvPr>
+            <p:ph type="sldNum" sz="quarter" idx="12"/>
+          </p:nvPr>
+        </p:nvSpPr>
+        <p:spPr>
+          <a:xfrm>
+            <a:off x="7425344" y="6459786"/>
+            <a:ext cx="1718656" cy="398207"/>
+          </a:xfrm>
+        </p:spPr>
+        <p:txBody>
+          <a:bodyPr/>
+          <a:lstStyle/>
+          <a:p>
+            <a:fld id="{73DA0BB7-265A-403C-9275-D587AB510EDC}" type="slidenum">
+              <a:rPr lang="zh-TW" altLang="en-US" sz="2000" smtClean="0"/>
+              <a:pPr/>
+              <a:t>20</a:t>
+            </a:fld>
+            <a:endParaRPr lang="zh-TW" altLang="en-US" sz="2000" dirty="0"/>
+          </a:p>
+        </p:txBody>
+      </p:sp>
+      <p:sp>
+        <p:nvSpPr>
+          <p:cNvPr id="8" name="標題 1">
+            <a:extLst>
+              <a:ext uri="{FF2B5EF4-FFF2-40B4-BE49-F238E27FC236}">
+                <a16:creationId xmlns:a16="http://schemas.microsoft.com/office/drawing/2014/main" id="{712D8B80-76AA-4C5E-A419-AAB35C1F6DFA}"/>
+              </a:ext>
+            </a:extLst>
+          </p:cNvPr>
+          <p:cNvSpPr txBox="1">
+            <a:spLocks/>
+          </p:cNvSpPr>
+          <p:nvPr/>
+        </p:nvSpPr>
+        <p:spPr>
+          <a:xfrm>
+            <a:off x="3203848" y="3006274"/>
+            <a:ext cx="2880320" cy="936104"/>
+          </a:xfrm>
+          <a:prstGeom prst="rect">
+            <a:avLst/>
+          </a:prstGeom>
+        </p:spPr>
+        <p:txBody>
+          <a:bodyPr>
+            <a:normAutofit lnSpcReduction="10000"/>
+          </a:bodyPr>
+          <a:lstStyle>
+            <a:lvl1pPr algn="l" defTabSz="914400" rtl="0" eaLnBrk="1" latinLnBrk="0" hangingPunct="1">
+              <a:lnSpc>
+                <a:spcPct val="85000"/>
+              </a:lnSpc>
+              <a:spcBef>
+                <a:spcPct val="0"/>
+              </a:spcBef>
+              <a:buNone/>
+              <a:defRPr sz="4800" kern="1200" spc="-50" baseline="0">
+                <a:solidFill>
+                  <a:schemeClr val="tx1">
+                    <a:lumMod val="75000"/>
+                    <a:lumOff val="25000"/>
+                  </a:schemeClr>
+                </a:solidFill>
+                <a:latin typeface="+mj-lt"/>
+                <a:ea typeface="+mj-ea"/>
+                <a:cs typeface="+mj-cs"/>
+              </a:defRPr>
+            </a:lvl1pPr>
+          </a:lstStyle>
+          <a:p>
+            <a:r>
+              <a:rPr lang="en-US" altLang="zh-TW" sz="6600" b="1" dirty="0">
+                <a:solidFill>
+                  <a:srgbClr val="0070C0"/>
+                </a:solidFill>
+                <a:latin typeface="Verdana" panose="020B0604030504040204" pitchFamily="34" charset="0"/>
+                <a:ea typeface="Verdana" panose="020B0604030504040204" pitchFamily="34" charset="0"/>
+              </a:rPr>
+              <a:t>Q &amp; A</a:t>
+            </a:r>
+            <a:endParaRPr lang="zh-TW" altLang="en-US" sz="6600" b="1" dirty="0">
+              <a:solidFill>
+                <a:srgbClr val="0070C0"/>
+              </a:solidFill>
+              <a:latin typeface="Verdana" panose="020B0604030504040204" pitchFamily="34" charset="0"/>
+            </a:endParaRPr>
+          </a:p>
+        </p:txBody>
+      </p:sp>
+    </p:spTree>
+    <p:extLst>
+      <p:ext uri="{BB962C8B-B14F-4D97-AF65-F5344CB8AC3E}">
+        <p14:creationId xmlns:p14="http://schemas.microsoft.com/office/powerpoint/2010/main" val="84474609"/>
       </p:ext>
     </p:extLst>
   </p:cSld>
@@ -14979,582 +17146,6 @@
                 <a:latin typeface="Verdana" panose="020B0604030504040204" pitchFamily="34" charset="0"/>
                 <a:ea typeface="Verdana" panose="020B0604030504040204" pitchFamily="34" charset="0"/>
               </a:rPr>
-              <a:t>Open summary – Package summary</a:t>
-            </a:r>
-            <a:endParaRPr lang="zh-TW" altLang="en-US" sz="3000" b="1" dirty="0">
-              <a:solidFill>
-                <a:srgbClr val="0070C0"/>
-              </a:solidFill>
-              <a:latin typeface="Verdana" panose="020B0604030504040204" pitchFamily="34" charset="0"/>
-            </a:endParaRPr>
-          </a:p>
-        </p:txBody>
-      </p:sp>
-      <p:cxnSp>
-        <p:nvCxnSpPr>
-          <p:cNvPr id="6" name="直線接點 5">
-            <a:extLst>
-              <a:ext uri="{FF2B5EF4-FFF2-40B4-BE49-F238E27FC236}">
-                <a16:creationId xmlns:a16="http://schemas.microsoft.com/office/drawing/2014/main" id="{98BA7524-F829-4D5A-9E6B-F1A62E470C45}"/>
-              </a:ext>
-            </a:extLst>
-          </p:cNvPr>
-          <p:cNvCxnSpPr/>
-          <p:nvPr/>
-        </p:nvCxnSpPr>
-        <p:spPr>
-          <a:xfrm>
-            <a:off x="467544" y="830074"/>
-            <a:ext cx="8208912" cy="0"/>
-          </a:xfrm>
-          <a:prstGeom prst="line">
-            <a:avLst/>
-          </a:prstGeom>
-        </p:spPr>
-        <p:style>
-          <a:lnRef idx="2">
-            <a:schemeClr val="accent1"/>
-          </a:lnRef>
-          <a:fillRef idx="0">
-            <a:schemeClr val="accent1"/>
-          </a:fillRef>
-          <a:effectRef idx="1">
-            <a:schemeClr val="accent1"/>
-          </a:effectRef>
-          <a:fontRef idx="minor">
-            <a:schemeClr val="tx1"/>
-          </a:fontRef>
-        </p:style>
-      </p:cxnSp>
-      <p:pic>
-        <p:nvPicPr>
-          <p:cNvPr id="7" name="圖片 6">
-            <a:extLst>
-              <a:ext uri="{FF2B5EF4-FFF2-40B4-BE49-F238E27FC236}">
-                <a16:creationId xmlns:a16="http://schemas.microsoft.com/office/drawing/2014/main" id="{15975A19-70CA-4314-A9BE-3F26E3F7BDFC}"/>
-              </a:ext>
-            </a:extLst>
-          </p:cNvPr>
-          <p:cNvPicPr>
-            <a:picLocks noChangeAspect="1"/>
-          </p:cNvPicPr>
-          <p:nvPr/>
-        </p:nvPicPr>
-        <p:blipFill>
-          <a:blip r:embed="rId3"/>
-          <a:stretch>
-            <a:fillRect/>
-          </a:stretch>
-        </p:blipFill>
-        <p:spPr>
-          <a:xfrm>
-            <a:off x="245016" y="2181950"/>
-            <a:ext cx="8653968" cy="640411"/>
-          </a:xfrm>
-          <a:prstGeom prst="rect">
-            <a:avLst/>
-          </a:prstGeom>
-        </p:spPr>
-      </p:pic>
-      <p:pic>
-        <p:nvPicPr>
-          <p:cNvPr id="2" name="圖片 1">
-            <a:extLst>
-              <a:ext uri="{FF2B5EF4-FFF2-40B4-BE49-F238E27FC236}">
-                <a16:creationId xmlns:a16="http://schemas.microsoft.com/office/drawing/2014/main" id="{CCB53B50-1764-46F7-86DA-84A1714A0790}"/>
-              </a:ext>
-            </a:extLst>
-          </p:cNvPr>
-          <p:cNvPicPr>
-            <a:picLocks noChangeAspect="1"/>
-          </p:cNvPicPr>
-          <p:nvPr/>
-        </p:nvPicPr>
-        <p:blipFill rotWithShape="1">
-          <a:blip r:embed="rId4"/>
-          <a:srcRect t="29751"/>
-          <a:stretch/>
-        </p:blipFill>
-        <p:spPr>
-          <a:xfrm>
-            <a:off x="1547664" y="3239594"/>
-            <a:ext cx="5441231" cy="2997718"/>
-          </a:xfrm>
-          <a:prstGeom prst="rect">
-            <a:avLst/>
-          </a:prstGeom>
-        </p:spPr>
-      </p:pic>
-      <p:sp>
-        <p:nvSpPr>
-          <p:cNvPr id="9" name="內容版面配置區 2">
-            <a:extLst>
-              <a:ext uri="{FF2B5EF4-FFF2-40B4-BE49-F238E27FC236}">
-                <a16:creationId xmlns:a16="http://schemas.microsoft.com/office/drawing/2014/main" id="{4C8805C4-B10C-4CC5-8ADA-294401DD4325}"/>
-              </a:ext>
-            </a:extLst>
-          </p:cNvPr>
-          <p:cNvSpPr txBox="1">
-            <a:spLocks/>
-          </p:cNvSpPr>
-          <p:nvPr/>
-        </p:nvSpPr>
-        <p:spPr>
-          <a:xfrm>
-            <a:off x="467544" y="908721"/>
-            <a:ext cx="8208912" cy="5328591"/>
-          </a:xfrm>
-          <a:prstGeom prst="rect">
-            <a:avLst/>
-          </a:prstGeom>
-        </p:spPr>
-        <p:txBody>
-          <a:bodyPr>
-            <a:normAutofit/>
-          </a:bodyPr>
-          <a:lstStyle>
-            <a:lvl1pPr marL="91440" indent="-91440" algn="l" defTabSz="914400" rtl="0" eaLnBrk="1" latinLnBrk="0" hangingPunct="1">
-              <a:lnSpc>
-                <a:spcPct val="90000"/>
-              </a:lnSpc>
-              <a:spcBef>
-                <a:spcPts val="1200"/>
-              </a:spcBef>
-              <a:spcAft>
-                <a:spcPts val="200"/>
-              </a:spcAft>
-              <a:buClr>
-                <a:schemeClr val="accent1"/>
-              </a:buClr>
-              <a:buSzPct val="100000"/>
-              <a:buFont typeface="Calibri" panose="020F0502020204030204" pitchFamily="34" charset="0"/>
-              <a:buChar char=" "/>
-              <a:defRPr sz="2000" kern="1200">
-                <a:solidFill>
-                  <a:schemeClr val="tx1">
-                    <a:lumMod val="75000"/>
-                    <a:lumOff val="25000"/>
-                  </a:schemeClr>
-                </a:solidFill>
-                <a:latin typeface="+mn-lt"/>
-                <a:ea typeface="+mn-ea"/>
-                <a:cs typeface="+mn-cs"/>
-              </a:defRPr>
-            </a:lvl1pPr>
-            <a:lvl2pPr marL="384048" indent="-182880" algn="l" defTabSz="914400" rtl="0" eaLnBrk="1" latinLnBrk="0" hangingPunct="1">
-              <a:lnSpc>
-                <a:spcPct val="90000"/>
-              </a:lnSpc>
-              <a:spcBef>
-                <a:spcPts val="200"/>
-              </a:spcBef>
-              <a:spcAft>
-                <a:spcPts val="400"/>
-              </a:spcAft>
-              <a:buClr>
-                <a:schemeClr val="accent1"/>
-              </a:buClr>
-              <a:buFont typeface="Calibri" pitchFamily="34" charset="0"/>
-              <a:buChar char="◦"/>
-              <a:defRPr sz="1800" kern="1200">
-                <a:solidFill>
-                  <a:schemeClr val="tx1">
-                    <a:lumMod val="75000"/>
-                    <a:lumOff val="25000"/>
-                  </a:schemeClr>
-                </a:solidFill>
-                <a:latin typeface="+mn-lt"/>
-                <a:ea typeface="+mn-ea"/>
-                <a:cs typeface="+mn-cs"/>
-              </a:defRPr>
-            </a:lvl2pPr>
-            <a:lvl3pPr marL="566928" indent="-182880" algn="l" defTabSz="914400" rtl="0" eaLnBrk="1" latinLnBrk="0" hangingPunct="1">
-              <a:lnSpc>
-                <a:spcPct val="90000"/>
-              </a:lnSpc>
-              <a:spcBef>
-                <a:spcPts val="200"/>
-              </a:spcBef>
-              <a:spcAft>
-                <a:spcPts val="400"/>
-              </a:spcAft>
-              <a:buClr>
-                <a:schemeClr val="accent1"/>
-              </a:buClr>
-              <a:buFont typeface="Calibri" pitchFamily="34" charset="0"/>
-              <a:buChar char="◦"/>
-              <a:defRPr sz="1400" kern="1200">
-                <a:solidFill>
-                  <a:schemeClr val="tx1">
-                    <a:lumMod val="75000"/>
-                    <a:lumOff val="25000"/>
-                  </a:schemeClr>
-                </a:solidFill>
-                <a:latin typeface="+mn-lt"/>
-                <a:ea typeface="+mn-ea"/>
-                <a:cs typeface="+mn-cs"/>
-              </a:defRPr>
-            </a:lvl3pPr>
-            <a:lvl4pPr marL="749808" indent="-182880" algn="l" defTabSz="914400" rtl="0" eaLnBrk="1" latinLnBrk="0" hangingPunct="1">
-              <a:lnSpc>
-                <a:spcPct val="90000"/>
-              </a:lnSpc>
-              <a:spcBef>
-                <a:spcPts val="200"/>
-              </a:spcBef>
-              <a:spcAft>
-                <a:spcPts val="400"/>
-              </a:spcAft>
-              <a:buClr>
-                <a:schemeClr val="accent1"/>
-              </a:buClr>
-              <a:buFont typeface="Calibri" pitchFamily="34" charset="0"/>
-              <a:buChar char="◦"/>
-              <a:defRPr sz="1400" kern="1200">
-                <a:solidFill>
-                  <a:schemeClr val="tx1">
-                    <a:lumMod val="75000"/>
-                    <a:lumOff val="25000"/>
-                  </a:schemeClr>
-                </a:solidFill>
-                <a:latin typeface="+mn-lt"/>
-                <a:ea typeface="+mn-ea"/>
-                <a:cs typeface="+mn-cs"/>
-              </a:defRPr>
-            </a:lvl4pPr>
-            <a:lvl5pPr marL="932688" indent="-182880" algn="l" defTabSz="914400" rtl="0" eaLnBrk="1" latinLnBrk="0" hangingPunct="1">
-              <a:lnSpc>
-                <a:spcPct val="90000"/>
-              </a:lnSpc>
-              <a:spcBef>
-                <a:spcPts val="200"/>
-              </a:spcBef>
-              <a:spcAft>
-                <a:spcPts val="400"/>
-              </a:spcAft>
-              <a:buClr>
-                <a:schemeClr val="accent1"/>
-              </a:buClr>
-              <a:buFont typeface="Calibri" pitchFamily="34" charset="0"/>
-              <a:buChar char="◦"/>
-              <a:defRPr sz="1400" kern="1200">
-                <a:solidFill>
-                  <a:schemeClr val="tx1">
-                    <a:lumMod val="75000"/>
-                    <a:lumOff val="25000"/>
-                  </a:schemeClr>
-                </a:solidFill>
-                <a:latin typeface="+mn-lt"/>
-                <a:ea typeface="+mn-ea"/>
-                <a:cs typeface="+mn-cs"/>
-              </a:defRPr>
-            </a:lvl5pPr>
-            <a:lvl6pPr marL="1100000" indent="-228600" algn="l" defTabSz="914400" rtl="0" eaLnBrk="1" latinLnBrk="0" hangingPunct="1">
-              <a:lnSpc>
-                <a:spcPct val="90000"/>
-              </a:lnSpc>
-              <a:spcBef>
-                <a:spcPts val="200"/>
-              </a:spcBef>
-              <a:spcAft>
-                <a:spcPts val="400"/>
-              </a:spcAft>
-              <a:buClr>
-                <a:schemeClr val="accent1"/>
-              </a:buClr>
-              <a:buFont typeface="Calibri" pitchFamily="34" charset="0"/>
-              <a:buChar char="◦"/>
-              <a:defRPr sz="1400" kern="1200">
-                <a:solidFill>
-                  <a:schemeClr val="tx1">
-                    <a:lumMod val="75000"/>
-                    <a:lumOff val="25000"/>
-                  </a:schemeClr>
-                </a:solidFill>
-                <a:latin typeface="+mn-lt"/>
-                <a:ea typeface="+mn-ea"/>
-                <a:cs typeface="+mn-cs"/>
-              </a:defRPr>
-            </a:lvl6pPr>
-            <a:lvl7pPr marL="1300000" indent="-228600" algn="l" defTabSz="914400" rtl="0" eaLnBrk="1" latinLnBrk="0" hangingPunct="1">
-              <a:lnSpc>
-                <a:spcPct val="90000"/>
-              </a:lnSpc>
-              <a:spcBef>
-                <a:spcPts val="200"/>
-              </a:spcBef>
-              <a:spcAft>
-                <a:spcPts val="400"/>
-              </a:spcAft>
-              <a:buClr>
-                <a:schemeClr val="accent1"/>
-              </a:buClr>
-              <a:buFont typeface="Calibri" pitchFamily="34" charset="0"/>
-              <a:buChar char="◦"/>
-              <a:defRPr sz="1400" kern="1200">
-                <a:solidFill>
-                  <a:schemeClr val="tx1">
-                    <a:lumMod val="75000"/>
-                    <a:lumOff val="25000"/>
-                  </a:schemeClr>
-                </a:solidFill>
-                <a:latin typeface="+mn-lt"/>
-                <a:ea typeface="+mn-ea"/>
-                <a:cs typeface="+mn-cs"/>
-              </a:defRPr>
-            </a:lvl7pPr>
-            <a:lvl8pPr marL="1500000" indent="-228600" algn="l" defTabSz="914400" rtl="0" eaLnBrk="1" latinLnBrk="0" hangingPunct="1">
-              <a:lnSpc>
-                <a:spcPct val="90000"/>
-              </a:lnSpc>
-              <a:spcBef>
-                <a:spcPts val="200"/>
-              </a:spcBef>
-              <a:spcAft>
-                <a:spcPts val="400"/>
-              </a:spcAft>
-              <a:buClr>
-                <a:schemeClr val="accent1"/>
-              </a:buClr>
-              <a:buFont typeface="Calibri" pitchFamily="34" charset="0"/>
-              <a:buChar char="◦"/>
-              <a:defRPr sz="1400" kern="1200">
-                <a:solidFill>
-                  <a:schemeClr val="tx1">
-                    <a:lumMod val="75000"/>
-                    <a:lumOff val="25000"/>
-                  </a:schemeClr>
-                </a:solidFill>
-                <a:latin typeface="+mn-lt"/>
-                <a:ea typeface="+mn-ea"/>
-                <a:cs typeface="+mn-cs"/>
-              </a:defRPr>
-            </a:lvl8pPr>
-            <a:lvl9pPr marL="1700000" indent="-228600" algn="l" defTabSz="914400" rtl="0" eaLnBrk="1" latinLnBrk="0" hangingPunct="1">
-              <a:lnSpc>
-                <a:spcPct val="90000"/>
-              </a:lnSpc>
-              <a:spcBef>
-                <a:spcPts val="200"/>
-              </a:spcBef>
-              <a:spcAft>
-                <a:spcPts val="400"/>
-              </a:spcAft>
-              <a:buClr>
-                <a:schemeClr val="accent1"/>
-              </a:buClr>
-              <a:buFont typeface="Calibri" pitchFamily="34" charset="0"/>
-              <a:buChar char="◦"/>
-              <a:defRPr sz="1400" kern="1200">
-                <a:solidFill>
-                  <a:schemeClr val="tx1">
-                    <a:lumMod val="75000"/>
-                    <a:lumOff val="25000"/>
-                  </a:schemeClr>
-                </a:solidFill>
-                <a:latin typeface="+mn-lt"/>
-                <a:ea typeface="+mn-ea"/>
-                <a:cs typeface="+mn-cs"/>
-              </a:defRPr>
-            </a:lvl9pPr>
-          </a:lstStyle>
-          <a:p>
-            <a:pPr lvl="1" indent="-360000">
-              <a:lnSpc>
-                <a:spcPct val="120000"/>
-              </a:lnSpc>
-              <a:buFont typeface="Wingdings" panose="05000000000000000000" pitchFamily="2" charset="2"/>
-              <a:buChar char="l"/>
-            </a:pPr>
-            <a:r>
-              <a:rPr lang="en-US" altLang="zh-TW" sz="2400" dirty="0">
-                <a:solidFill>
-                  <a:schemeClr val="tx1"/>
-                </a:solidFill>
-                <a:ea typeface="Tahoma" panose="020B0604030504040204" pitchFamily="34" charset="0"/>
-                <a:cs typeface="Tahoma" panose="020B0604030504040204" pitchFamily="34" charset="0"/>
-              </a:rPr>
-              <a:t>$</a:t>
-            </a:r>
-            <a:r>
-              <a:rPr lang="en-US" altLang="zh-TW" sz="2400" dirty="0" err="1">
-                <a:solidFill>
-                  <a:schemeClr val="tx1"/>
-                </a:solidFill>
-                <a:ea typeface="Tahoma" panose="020B0604030504040204" pitchFamily="34" charset="0"/>
-                <a:cs typeface="Tahoma" panose="020B0604030504040204" pitchFamily="34" charset="0"/>
-              </a:rPr>
-              <a:t>cname.xclbin.package_summary</a:t>
-            </a:r>
-            <a:endParaRPr lang="en-US" altLang="zh-TW" sz="2400" dirty="0">
-              <a:solidFill>
-                <a:schemeClr val="tx1"/>
-              </a:solidFill>
-              <a:ea typeface="Tahoma" panose="020B0604030504040204" pitchFamily="34" charset="0"/>
-              <a:cs typeface="Tahoma" panose="020B0604030504040204" pitchFamily="34" charset="0"/>
-            </a:endParaRPr>
-          </a:p>
-          <a:p>
-            <a:pPr lvl="1" indent="-360000">
-              <a:lnSpc>
-                <a:spcPct val="100000"/>
-              </a:lnSpc>
-              <a:buFont typeface="Wingdings" panose="05000000000000000000" pitchFamily="2" charset="2"/>
-              <a:buChar char="l"/>
-            </a:pPr>
-            <a:r>
-              <a:rPr lang="en-US" altLang="zh-TW" sz="2400" dirty="0">
-                <a:solidFill>
-                  <a:schemeClr val="tx1"/>
-                </a:solidFill>
-              </a:rPr>
-              <a:t>Information about emulation scripts and SD card output</a:t>
-            </a:r>
-            <a:endParaRPr lang="en-US" altLang="zh-TW" sz="2400" dirty="0">
-              <a:solidFill>
-                <a:schemeClr val="tx1"/>
-              </a:solidFill>
-              <a:ea typeface="Tahoma" panose="020B0604030504040204" pitchFamily="34" charset="0"/>
-              <a:cs typeface="Tahoma" panose="020B0604030504040204" pitchFamily="34" charset="0"/>
-            </a:endParaRPr>
-          </a:p>
-        </p:txBody>
-      </p:sp>
-    </p:spTree>
-    <p:extLst>
-      <p:ext uri="{BB962C8B-B14F-4D97-AF65-F5344CB8AC3E}">
-        <p14:creationId xmlns:p14="http://schemas.microsoft.com/office/powerpoint/2010/main" val="2891537282"/>
-      </p:ext>
-    </p:extLst>
-  </p:cSld>
-  <p:clrMapOvr>
-    <a:masterClrMapping/>
-  </p:clrMapOvr>
-  <mc:AlternateContent xmlns:mc="http://schemas.openxmlformats.org/markup-compatibility/2006" xmlns:p14="http://schemas.microsoft.com/office/powerpoint/2010/main">
-    <mc:Choice Requires="p14">
-      <p:transition spd="slow" p14:dur="2000">
-        <p:cut/>
-      </p:transition>
-    </mc:Choice>
-    <mc:Fallback xmlns="">
-      <p:transition spd="slow">
-        <p:cut/>
-      </p:transition>
-    </mc:Fallback>
-  </mc:AlternateContent>
-</p:sld>
-</file>
-
-<file path=ppt/slides/slide9.xml><?xml version="1.0" encoding="utf-8"?>
-<p:sld xmlns:a="http://schemas.openxmlformats.org/drawingml/2006/main" xmlns:r="http://schemas.openxmlformats.org/officeDocument/2006/relationships" xmlns:p="http://schemas.openxmlformats.org/presentationml/2006/main">
-  <p:cSld>
-    <p:spTree>
-      <p:nvGrpSpPr>
-        <p:cNvPr id="1" name=""/>
-        <p:cNvGrpSpPr/>
-        <p:nvPr/>
-      </p:nvGrpSpPr>
-      <p:grpSpPr>
-        <a:xfrm>
-          <a:off x="0" y="0"/>
-          <a:ext cx="0" cy="0"/>
-          <a:chOff x="0" y="0"/>
-          <a:chExt cx="0" cy="0"/>
-        </a:xfrm>
-      </p:grpSpPr>
-      <p:sp>
-        <p:nvSpPr>
-          <p:cNvPr id="4" name="投影片編號版面配置區 3">
-            <a:extLst>
-              <a:ext uri="{FF2B5EF4-FFF2-40B4-BE49-F238E27FC236}">
-                <a16:creationId xmlns:a16="http://schemas.microsoft.com/office/drawing/2014/main" id="{445CC383-97AD-40AF-8D90-BF5659592C6E}"/>
-              </a:ext>
-            </a:extLst>
-          </p:cNvPr>
-          <p:cNvSpPr>
-            <a:spLocks noGrp="1"/>
-          </p:cNvSpPr>
-          <p:nvPr>
-            <p:ph type="sldNum" sz="quarter" idx="12"/>
-          </p:nvPr>
-        </p:nvSpPr>
-        <p:spPr>
-          <a:xfrm>
-            <a:off x="7425344" y="6459786"/>
-            <a:ext cx="1718656" cy="398207"/>
-          </a:xfrm>
-        </p:spPr>
-        <p:txBody>
-          <a:bodyPr/>
-          <a:lstStyle/>
-          <a:p>
-            <a:fld id="{73DA0BB7-265A-403C-9275-D587AB510EDC}" type="slidenum">
-              <a:rPr lang="zh-TW" altLang="en-US" sz="2000" smtClean="0"/>
-              <a:pPr/>
-              <a:t>8</a:t>
-            </a:fld>
-            <a:endParaRPr lang="zh-TW" altLang="en-US" sz="2000" dirty="0"/>
-          </a:p>
-        </p:txBody>
-      </p:sp>
-      <p:sp>
-        <p:nvSpPr>
-          <p:cNvPr id="5" name="標題 1">
-            <a:extLst>
-              <a:ext uri="{FF2B5EF4-FFF2-40B4-BE49-F238E27FC236}">
-                <a16:creationId xmlns:a16="http://schemas.microsoft.com/office/drawing/2014/main" id="{4578D9B9-8E18-4EDE-9CE7-D54DEDAFDB5C}"/>
-              </a:ext>
-            </a:extLst>
-          </p:cNvPr>
-          <p:cNvSpPr txBox="1">
-            <a:spLocks/>
-          </p:cNvSpPr>
-          <p:nvPr/>
-        </p:nvSpPr>
-        <p:spPr>
-          <a:xfrm>
-            <a:off x="467544" y="287616"/>
-            <a:ext cx="8208912" cy="477374"/>
-          </a:xfrm>
-          <a:prstGeom prst="rect">
-            <a:avLst/>
-          </a:prstGeom>
-        </p:spPr>
-        <p:txBody>
-          <a:bodyPr>
-            <a:normAutofit lnSpcReduction="10000"/>
-          </a:bodyPr>
-          <a:lstStyle>
-            <a:lvl1pPr algn="l" defTabSz="914400" rtl="0" eaLnBrk="1" latinLnBrk="0" hangingPunct="1">
-              <a:lnSpc>
-                <a:spcPct val="85000"/>
-              </a:lnSpc>
-              <a:spcBef>
-                <a:spcPct val="0"/>
-              </a:spcBef>
-              <a:buNone/>
-              <a:defRPr sz="4800" kern="1200" spc="-50" baseline="0">
-                <a:solidFill>
-                  <a:schemeClr val="tx1">
-                    <a:lumMod val="75000"/>
-                    <a:lumOff val="25000"/>
-                  </a:schemeClr>
-                </a:solidFill>
-                <a:latin typeface="+mj-lt"/>
-                <a:ea typeface="+mj-ea"/>
-                <a:cs typeface="+mj-cs"/>
-              </a:defRPr>
-            </a:lvl1pPr>
-          </a:lstStyle>
-          <a:p>
-            <a:r>
-              <a:rPr lang="en-US" altLang="zh-TW" sz="3000" b="1" dirty="0">
-                <a:solidFill>
-                  <a:srgbClr val="0070C0"/>
-                </a:solidFill>
-                <a:latin typeface="Verdana" panose="020B0604030504040204" pitchFamily="34" charset="0"/>
-                <a:ea typeface="Verdana" panose="020B0604030504040204" pitchFamily="34" charset="0"/>
-              </a:rPr>
               <a:t>Open summary – Run summary</a:t>
             </a:r>
             <a:endParaRPr lang="zh-TW" altLang="en-US" sz="3000" b="1" dirty="0">
@@ -16080,6 +17671,663 @@
     <p:extLst>
       <p:ext uri="{BB962C8B-B14F-4D97-AF65-F5344CB8AC3E}">
         <p14:creationId xmlns:p14="http://schemas.microsoft.com/office/powerpoint/2010/main" val="428518972"/>
+      </p:ext>
+    </p:extLst>
+  </p:cSld>
+  <p:clrMapOvr>
+    <a:masterClrMapping/>
+  </p:clrMapOvr>
+  <mc:AlternateContent xmlns:mc="http://schemas.openxmlformats.org/markup-compatibility/2006" xmlns:p14="http://schemas.microsoft.com/office/powerpoint/2010/main">
+    <mc:Choice Requires="p14">
+      <p:transition spd="slow" p14:dur="2000">
+        <p:cut/>
+      </p:transition>
+    </mc:Choice>
+    <mc:Fallback xmlns="">
+      <p:transition spd="slow">
+        <p:cut/>
+      </p:transition>
+    </mc:Fallback>
+  </mc:AlternateContent>
+</p:sld>
+</file>
+
+<file path=ppt/slides/slide9.xml><?xml version="1.0" encoding="utf-8"?>
+<p:sld xmlns:a="http://schemas.openxmlformats.org/drawingml/2006/main" xmlns:r="http://schemas.openxmlformats.org/officeDocument/2006/relationships" xmlns:p="http://schemas.openxmlformats.org/presentationml/2006/main">
+  <p:cSld>
+    <p:spTree>
+      <p:nvGrpSpPr>
+        <p:cNvPr id="1" name=""/>
+        <p:cNvGrpSpPr/>
+        <p:nvPr/>
+      </p:nvGrpSpPr>
+      <p:grpSpPr>
+        <a:xfrm>
+          <a:off x="0" y="0"/>
+          <a:ext cx="0" cy="0"/>
+          <a:chOff x="0" y="0"/>
+          <a:chExt cx="0" cy="0"/>
+        </a:xfrm>
+      </p:grpSpPr>
+      <p:sp>
+        <p:nvSpPr>
+          <p:cNvPr id="4" name="投影片編號版面配置區 3">
+            <a:extLst>
+              <a:ext uri="{FF2B5EF4-FFF2-40B4-BE49-F238E27FC236}">
+                <a16:creationId xmlns:a16="http://schemas.microsoft.com/office/drawing/2014/main" id="{445CC383-97AD-40AF-8D90-BF5659592C6E}"/>
+              </a:ext>
+            </a:extLst>
+          </p:cNvPr>
+          <p:cNvSpPr>
+            <a:spLocks noGrp="1"/>
+          </p:cNvSpPr>
+          <p:nvPr>
+            <p:ph type="sldNum" sz="quarter" idx="12"/>
+          </p:nvPr>
+        </p:nvSpPr>
+        <p:spPr>
+          <a:xfrm>
+            <a:off x="7425344" y="6459786"/>
+            <a:ext cx="1718656" cy="398207"/>
+          </a:xfrm>
+        </p:spPr>
+        <p:txBody>
+          <a:bodyPr/>
+          <a:lstStyle/>
+          <a:p>
+            <a:fld id="{73DA0BB7-265A-403C-9275-D587AB510EDC}" type="slidenum">
+              <a:rPr lang="zh-TW" altLang="en-US" sz="2000" smtClean="0"/>
+              <a:pPr/>
+              <a:t>8</a:t>
+            </a:fld>
+            <a:endParaRPr lang="zh-TW" altLang="en-US" sz="2000" dirty="0"/>
+          </a:p>
+        </p:txBody>
+      </p:sp>
+      <p:sp>
+        <p:nvSpPr>
+          <p:cNvPr id="5" name="標題 1">
+            <a:extLst>
+              <a:ext uri="{FF2B5EF4-FFF2-40B4-BE49-F238E27FC236}">
+                <a16:creationId xmlns:a16="http://schemas.microsoft.com/office/drawing/2014/main" id="{4578D9B9-8E18-4EDE-9CE7-D54DEDAFDB5C}"/>
+              </a:ext>
+            </a:extLst>
+          </p:cNvPr>
+          <p:cNvSpPr txBox="1">
+            <a:spLocks/>
+          </p:cNvSpPr>
+          <p:nvPr/>
+        </p:nvSpPr>
+        <p:spPr>
+          <a:xfrm>
+            <a:off x="467544" y="287616"/>
+            <a:ext cx="8208912" cy="477374"/>
+          </a:xfrm>
+          <a:prstGeom prst="rect">
+            <a:avLst/>
+          </a:prstGeom>
+        </p:spPr>
+        <p:txBody>
+          <a:bodyPr>
+            <a:normAutofit lnSpcReduction="10000"/>
+          </a:bodyPr>
+          <a:lstStyle>
+            <a:lvl1pPr algn="l" defTabSz="914400" rtl="0" eaLnBrk="1" latinLnBrk="0" hangingPunct="1">
+              <a:lnSpc>
+                <a:spcPct val="85000"/>
+              </a:lnSpc>
+              <a:spcBef>
+                <a:spcPct val="0"/>
+              </a:spcBef>
+              <a:buNone/>
+              <a:defRPr sz="4800" kern="1200" spc="-50" baseline="0">
+                <a:solidFill>
+                  <a:schemeClr val="tx1">
+                    <a:lumMod val="75000"/>
+                    <a:lumOff val="25000"/>
+                  </a:schemeClr>
+                </a:solidFill>
+                <a:latin typeface="+mj-lt"/>
+                <a:ea typeface="+mj-ea"/>
+                <a:cs typeface="+mj-cs"/>
+              </a:defRPr>
+            </a:lvl1pPr>
+          </a:lstStyle>
+          <a:p>
+            <a:r>
+              <a:rPr lang="en-US" altLang="zh-TW" sz="3000" b="1" dirty="0">
+                <a:solidFill>
+                  <a:srgbClr val="0070C0"/>
+                </a:solidFill>
+                <a:latin typeface="Verdana" panose="020B0604030504040204" pitchFamily="34" charset="0"/>
+                <a:ea typeface="Verdana" panose="020B0604030504040204" pitchFamily="34" charset="0"/>
+              </a:rPr>
+              <a:t>Open summary – Run summary</a:t>
+            </a:r>
+            <a:endParaRPr lang="zh-TW" altLang="en-US" sz="3000" b="1" dirty="0">
+              <a:solidFill>
+                <a:srgbClr val="0070C0"/>
+              </a:solidFill>
+              <a:latin typeface="Verdana" panose="020B0604030504040204" pitchFamily="34" charset="0"/>
+            </a:endParaRPr>
+          </a:p>
+        </p:txBody>
+      </p:sp>
+      <p:cxnSp>
+        <p:nvCxnSpPr>
+          <p:cNvPr id="6" name="直線接點 5">
+            <a:extLst>
+              <a:ext uri="{FF2B5EF4-FFF2-40B4-BE49-F238E27FC236}">
+                <a16:creationId xmlns:a16="http://schemas.microsoft.com/office/drawing/2014/main" id="{98BA7524-F829-4D5A-9E6B-F1A62E470C45}"/>
+              </a:ext>
+            </a:extLst>
+          </p:cNvPr>
+          <p:cNvCxnSpPr/>
+          <p:nvPr/>
+        </p:nvCxnSpPr>
+        <p:spPr>
+          <a:xfrm>
+            <a:off x="467544" y="830074"/>
+            <a:ext cx="8208912" cy="0"/>
+          </a:xfrm>
+          <a:prstGeom prst="line">
+            <a:avLst/>
+          </a:prstGeom>
+        </p:spPr>
+        <p:style>
+          <a:lnRef idx="2">
+            <a:schemeClr val="accent1"/>
+          </a:lnRef>
+          <a:fillRef idx="0">
+            <a:schemeClr val="accent1"/>
+          </a:fillRef>
+          <a:effectRef idx="1">
+            <a:schemeClr val="accent1"/>
+          </a:effectRef>
+          <a:fontRef idx="minor">
+            <a:schemeClr val="tx1"/>
+          </a:fontRef>
+        </p:style>
+      </p:cxnSp>
+      <p:sp>
+        <p:nvSpPr>
+          <p:cNvPr id="20" name="內容版面配置區 2">
+            <a:extLst>
+              <a:ext uri="{FF2B5EF4-FFF2-40B4-BE49-F238E27FC236}">
+                <a16:creationId xmlns:a16="http://schemas.microsoft.com/office/drawing/2014/main" id="{545F541D-67E9-4DD0-B043-60EE90D360FC}"/>
+              </a:ext>
+            </a:extLst>
+          </p:cNvPr>
+          <p:cNvSpPr txBox="1">
+            <a:spLocks/>
+          </p:cNvSpPr>
+          <p:nvPr/>
+        </p:nvSpPr>
+        <p:spPr>
+          <a:xfrm>
+            <a:off x="467544" y="908721"/>
+            <a:ext cx="8208912" cy="5328591"/>
+          </a:xfrm>
+          <a:prstGeom prst="rect">
+            <a:avLst/>
+          </a:prstGeom>
+        </p:spPr>
+        <p:txBody>
+          <a:bodyPr>
+            <a:normAutofit/>
+          </a:bodyPr>
+          <a:lstStyle>
+            <a:lvl1pPr marL="91440" indent="-91440" algn="l" defTabSz="914400" rtl="0" eaLnBrk="1" latinLnBrk="0" hangingPunct="1">
+              <a:lnSpc>
+                <a:spcPct val="90000"/>
+              </a:lnSpc>
+              <a:spcBef>
+                <a:spcPts val="1200"/>
+              </a:spcBef>
+              <a:spcAft>
+                <a:spcPts val="200"/>
+              </a:spcAft>
+              <a:buClr>
+                <a:schemeClr val="accent1"/>
+              </a:buClr>
+              <a:buSzPct val="100000"/>
+              <a:buFont typeface="Calibri" panose="020F0502020204030204" pitchFamily="34" charset="0"/>
+              <a:buChar char=" "/>
+              <a:defRPr sz="2000" kern="1200">
+                <a:solidFill>
+                  <a:schemeClr val="tx1">
+                    <a:lumMod val="75000"/>
+                    <a:lumOff val="25000"/>
+                  </a:schemeClr>
+                </a:solidFill>
+                <a:latin typeface="+mn-lt"/>
+                <a:ea typeface="+mn-ea"/>
+                <a:cs typeface="+mn-cs"/>
+              </a:defRPr>
+            </a:lvl1pPr>
+            <a:lvl2pPr marL="384048" indent="-182880" algn="l" defTabSz="914400" rtl="0" eaLnBrk="1" latinLnBrk="0" hangingPunct="1">
+              <a:lnSpc>
+                <a:spcPct val="90000"/>
+              </a:lnSpc>
+              <a:spcBef>
+                <a:spcPts val="200"/>
+              </a:spcBef>
+              <a:spcAft>
+                <a:spcPts val="400"/>
+              </a:spcAft>
+              <a:buClr>
+                <a:schemeClr val="accent1"/>
+              </a:buClr>
+              <a:buFont typeface="Calibri" pitchFamily="34" charset="0"/>
+              <a:buChar char="◦"/>
+              <a:defRPr sz="1800" kern="1200">
+                <a:solidFill>
+                  <a:schemeClr val="tx1">
+                    <a:lumMod val="75000"/>
+                    <a:lumOff val="25000"/>
+                  </a:schemeClr>
+                </a:solidFill>
+                <a:latin typeface="+mn-lt"/>
+                <a:ea typeface="+mn-ea"/>
+                <a:cs typeface="+mn-cs"/>
+              </a:defRPr>
+            </a:lvl2pPr>
+            <a:lvl3pPr marL="566928" indent="-182880" algn="l" defTabSz="914400" rtl="0" eaLnBrk="1" latinLnBrk="0" hangingPunct="1">
+              <a:lnSpc>
+                <a:spcPct val="90000"/>
+              </a:lnSpc>
+              <a:spcBef>
+                <a:spcPts val="200"/>
+              </a:spcBef>
+              <a:spcAft>
+                <a:spcPts val="400"/>
+              </a:spcAft>
+              <a:buClr>
+                <a:schemeClr val="accent1"/>
+              </a:buClr>
+              <a:buFont typeface="Calibri" pitchFamily="34" charset="0"/>
+              <a:buChar char="◦"/>
+              <a:defRPr sz="1400" kern="1200">
+                <a:solidFill>
+                  <a:schemeClr val="tx1">
+                    <a:lumMod val="75000"/>
+                    <a:lumOff val="25000"/>
+                  </a:schemeClr>
+                </a:solidFill>
+                <a:latin typeface="+mn-lt"/>
+                <a:ea typeface="+mn-ea"/>
+                <a:cs typeface="+mn-cs"/>
+              </a:defRPr>
+            </a:lvl3pPr>
+            <a:lvl4pPr marL="749808" indent="-182880" algn="l" defTabSz="914400" rtl="0" eaLnBrk="1" latinLnBrk="0" hangingPunct="1">
+              <a:lnSpc>
+                <a:spcPct val="90000"/>
+              </a:lnSpc>
+              <a:spcBef>
+                <a:spcPts val="200"/>
+              </a:spcBef>
+              <a:spcAft>
+                <a:spcPts val="400"/>
+              </a:spcAft>
+              <a:buClr>
+                <a:schemeClr val="accent1"/>
+              </a:buClr>
+              <a:buFont typeface="Calibri" pitchFamily="34" charset="0"/>
+              <a:buChar char="◦"/>
+              <a:defRPr sz="1400" kern="1200">
+                <a:solidFill>
+                  <a:schemeClr val="tx1">
+                    <a:lumMod val="75000"/>
+                    <a:lumOff val="25000"/>
+                  </a:schemeClr>
+                </a:solidFill>
+                <a:latin typeface="+mn-lt"/>
+                <a:ea typeface="+mn-ea"/>
+                <a:cs typeface="+mn-cs"/>
+              </a:defRPr>
+            </a:lvl4pPr>
+            <a:lvl5pPr marL="932688" indent="-182880" algn="l" defTabSz="914400" rtl="0" eaLnBrk="1" latinLnBrk="0" hangingPunct="1">
+              <a:lnSpc>
+                <a:spcPct val="90000"/>
+              </a:lnSpc>
+              <a:spcBef>
+                <a:spcPts val="200"/>
+              </a:spcBef>
+              <a:spcAft>
+                <a:spcPts val="400"/>
+              </a:spcAft>
+              <a:buClr>
+                <a:schemeClr val="accent1"/>
+              </a:buClr>
+              <a:buFont typeface="Calibri" pitchFamily="34" charset="0"/>
+              <a:buChar char="◦"/>
+              <a:defRPr sz="1400" kern="1200">
+                <a:solidFill>
+                  <a:schemeClr val="tx1">
+                    <a:lumMod val="75000"/>
+                    <a:lumOff val="25000"/>
+                  </a:schemeClr>
+                </a:solidFill>
+                <a:latin typeface="+mn-lt"/>
+                <a:ea typeface="+mn-ea"/>
+                <a:cs typeface="+mn-cs"/>
+              </a:defRPr>
+            </a:lvl5pPr>
+            <a:lvl6pPr marL="1100000" indent="-228600" algn="l" defTabSz="914400" rtl="0" eaLnBrk="1" latinLnBrk="0" hangingPunct="1">
+              <a:lnSpc>
+                <a:spcPct val="90000"/>
+              </a:lnSpc>
+              <a:spcBef>
+                <a:spcPts val="200"/>
+              </a:spcBef>
+              <a:spcAft>
+                <a:spcPts val="400"/>
+              </a:spcAft>
+              <a:buClr>
+                <a:schemeClr val="accent1"/>
+              </a:buClr>
+              <a:buFont typeface="Calibri" pitchFamily="34" charset="0"/>
+              <a:buChar char="◦"/>
+              <a:defRPr sz="1400" kern="1200">
+                <a:solidFill>
+                  <a:schemeClr val="tx1">
+                    <a:lumMod val="75000"/>
+                    <a:lumOff val="25000"/>
+                  </a:schemeClr>
+                </a:solidFill>
+                <a:latin typeface="+mn-lt"/>
+                <a:ea typeface="+mn-ea"/>
+                <a:cs typeface="+mn-cs"/>
+              </a:defRPr>
+            </a:lvl6pPr>
+            <a:lvl7pPr marL="1300000" indent="-228600" algn="l" defTabSz="914400" rtl="0" eaLnBrk="1" latinLnBrk="0" hangingPunct="1">
+              <a:lnSpc>
+                <a:spcPct val="90000"/>
+              </a:lnSpc>
+              <a:spcBef>
+                <a:spcPts val="200"/>
+              </a:spcBef>
+              <a:spcAft>
+                <a:spcPts val="400"/>
+              </a:spcAft>
+              <a:buClr>
+                <a:schemeClr val="accent1"/>
+              </a:buClr>
+              <a:buFont typeface="Calibri" pitchFamily="34" charset="0"/>
+              <a:buChar char="◦"/>
+              <a:defRPr sz="1400" kern="1200">
+                <a:solidFill>
+                  <a:schemeClr val="tx1">
+                    <a:lumMod val="75000"/>
+                    <a:lumOff val="25000"/>
+                  </a:schemeClr>
+                </a:solidFill>
+                <a:latin typeface="+mn-lt"/>
+                <a:ea typeface="+mn-ea"/>
+                <a:cs typeface="+mn-cs"/>
+              </a:defRPr>
+            </a:lvl7pPr>
+            <a:lvl8pPr marL="1500000" indent="-228600" algn="l" defTabSz="914400" rtl="0" eaLnBrk="1" latinLnBrk="0" hangingPunct="1">
+              <a:lnSpc>
+                <a:spcPct val="90000"/>
+              </a:lnSpc>
+              <a:spcBef>
+                <a:spcPts val="200"/>
+              </a:spcBef>
+              <a:spcAft>
+                <a:spcPts val="400"/>
+              </a:spcAft>
+              <a:buClr>
+                <a:schemeClr val="accent1"/>
+              </a:buClr>
+              <a:buFont typeface="Calibri" pitchFamily="34" charset="0"/>
+              <a:buChar char="◦"/>
+              <a:defRPr sz="1400" kern="1200">
+                <a:solidFill>
+                  <a:schemeClr val="tx1">
+                    <a:lumMod val="75000"/>
+                    <a:lumOff val="25000"/>
+                  </a:schemeClr>
+                </a:solidFill>
+                <a:latin typeface="+mn-lt"/>
+                <a:ea typeface="+mn-ea"/>
+                <a:cs typeface="+mn-cs"/>
+              </a:defRPr>
+            </a:lvl8pPr>
+            <a:lvl9pPr marL="1700000" indent="-228600" algn="l" defTabSz="914400" rtl="0" eaLnBrk="1" latinLnBrk="0" hangingPunct="1">
+              <a:lnSpc>
+                <a:spcPct val="90000"/>
+              </a:lnSpc>
+              <a:spcBef>
+                <a:spcPts val="200"/>
+              </a:spcBef>
+              <a:spcAft>
+                <a:spcPts val="400"/>
+              </a:spcAft>
+              <a:buClr>
+                <a:schemeClr val="accent1"/>
+              </a:buClr>
+              <a:buFont typeface="Calibri" pitchFamily="34" charset="0"/>
+              <a:buChar char="◦"/>
+              <a:defRPr sz="1400" kern="1200">
+                <a:solidFill>
+                  <a:schemeClr val="tx1">
+                    <a:lumMod val="75000"/>
+                    <a:lumOff val="25000"/>
+                  </a:schemeClr>
+                </a:solidFill>
+                <a:latin typeface="+mn-lt"/>
+                <a:ea typeface="+mn-ea"/>
+                <a:cs typeface="+mn-cs"/>
+              </a:defRPr>
+            </a:lvl9pPr>
+          </a:lstStyle>
+          <a:p>
+            <a:pPr marL="188640" indent="-457200">
+              <a:lnSpc>
+                <a:spcPct val="100000"/>
+              </a:lnSpc>
+              <a:buFont typeface="Wingdings" panose="05000000000000000000" pitchFamily="2" charset="2"/>
+              <a:buChar char="l"/>
+            </a:pPr>
+            <a:r>
+              <a:rPr lang="en-US" altLang="zh-TW" sz="2400" dirty="0" err="1">
+                <a:solidFill>
+                  <a:schemeClr val="tx1"/>
+                </a:solidFill>
+                <a:ea typeface="Tahoma" panose="020B0604030504040204" pitchFamily="34" charset="0"/>
+                <a:cs typeface="Tahoma" panose="020B0604030504040204" pitchFamily="34" charset="0"/>
+              </a:rPr>
+              <a:t>xrt.run_summary</a:t>
+            </a:r>
+            <a:endParaRPr lang="en-US" altLang="zh-TW" sz="2400" dirty="0">
+              <a:solidFill>
+                <a:schemeClr val="tx1"/>
+              </a:solidFill>
+              <a:ea typeface="Tahoma" panose="020B0604030504040204" pitchFamily="34" charset="0"/>
+              <a:cs typeface="Tahoma" panose="020B0604030504040204" pitchFamily="34" charset="0"/>
+            </a:endParaRPr>
+          </a:p>
+          <a:p>
+            <a:pPr marL="188640" indent="-457200">
+              <a:lnSpc>
+                <a:spcPct val="100000"/>
+              </a:lnSpc>
+              <a:buFont typeface="Wingdings" panose="05000000000000000000" pitchFamily="2" charset="2"/>
+              <a:buChar char="l"/>
+            </a:pPr>
+            <a:r>
+              <a:rPr lang="en-US" altLang="zh-TW" sz="2400" dirty="0">
+                <a:solidFill>
+                  <a:schemeClr val="tx1"/>
+                </a:solidFill>
+                <a:ea typeface="Tahoma" panose="020B0604030504040204" pitchFamily="34" charset="0"/>
+                <a:cs typeface="Tahoma" panose="020B0604030504040204" pitchFamily="34" charset="0"/>
+              </a:rPr>
+              <a:t>Created by XRT library</a:t>
+            </a:r>
+          </a:p>
+          <a:p>
+            <a:pPr marL="188640" indent="-457200">
+              <a:lnSpc>
+                <a:spcPct val="100000"/>
+              </a:lnSpc>
+              <a:buFont typeface="Wingdings" panose="05000000000000000000" pitchFamily="2" charset="2"/>
+              <a:buChar char="l"/>
+            </a:pPr>
+            <a:r>
+              <a:rPr lang="en-US" altLang="zh-TW" sz="2400" dirty="0">
+                <a:solidFill>
+                  <a:schemeClr val="tx1"/>
+                </a:solidFill>
+                <a:ea typeface="Tahoma" panose="020B0604030504040204" pitchFamily="34" charset="0"/>
+                <a:cs typeface="Tahoma" panose="020B0604030504040204" pitchFamily="34" charset="0"/>
+              </a:rPr>
+              <a:t>Guidance</a:t>
+            </a:r>
+          </a:p>
+          <a:p>
+            <a:pPr marL="188640" indent="-457200">
+              <a:lnSpc>
+                <a:spcPct val="100000"/>
+              </a:lnSpc>
+              <a:buFont typeface="Wingdings" panose="05000000000000000000" pitchFamily="2" charset="2"/>
+              <a:buChar char="l"/>
+            </a:pPr>
+            <a:r>
+              <a:rPr lang="en-US" altLang="zh-TW" sz="2400" b="1" dirty="0">
+                <a:solidFill>
+                  <a:schemeClr val="tx1"/>
+                </a:solidFill>
+                <a:ea typeface="Tahoma" panose="020B0604030504040204" pitchFamily="34" charset="0"/>
+                <a:cs typeface="Tahoma" panose="020B0604030504040204" pitchFamily="34" charset="0"/>
+              </a:rPr>
+              <a:t>Profile Summary</a:t>
+            </a:r>
+          </a:p>
+          <a:p>
+            <a:pPr marL="188640" indent="-457200">
+              <a:lnSpc>
+                <a:spcPct val="100000"/>
+              </a:lnSpc>
+              <a:buFont typeface="Wingdings" panose="05000000000000000000" pitchFamily="2" charset="2"/>
+              <a:buChar char="l"/>
+            </a:pPr>
+            <a:r>
+              <a:rPr lang="en-US" altLang="zh-TW" sz="2400" dirty="0">
+                <a:solidFill>
+                  <a:schemeClr val="tx1"/>
+                </a:solidFill>
+                <a:ea typeface="Tahoma" panose="020B0604030504040204" pitchFamily="34" charset="0"/>
+                <a:cs typeface="Tahoma" panose="020B0604030504040204" pitchFamily="34" charset="0"/>
+              </a:rPr>
+              <a:t>Timeline Trace</a:t>
+            </a:r>
+          </a:p>
+          <a:p>
+            <a:pPr marL="188640" indent="-457200">
+              <a:lnSpc>
+                <a:spcPct val="100000"/>
+              </a:lnSpc>
+              <a:buFont typeface="Wingdings" panose="05000000000000000000" pitchFamily="2" charset="2"/>
+              <a:buChar char="l"/>
+            </a:pPr>
+            <a:r>
+              <a:rPr lang="en-US" altLang="zh-TW" sz="2400" dirty="0">
+                <a:solidFill>
+                  <a:schemeClr val="tx1"/>
+                </a:solidFill>
+                <a:ea typeface="Tahoma" panose="020B0604030504040204" pitchFamily="34" charset="0"/>
+                <a:cs typeface="Tahoma" panose="020B0604030504040204" pitchFamily="34" charset="0"/>
+              </a:rPr>
+              <a:t>Platform and System Diagrams</a:t>
+            </a:r>
+          </a:p>
+          <a:p>
+            <a:pPr marL="188640" indent="-457200">
+              <a:lnSpc>
+                <a:spcPct val="100000"/>
+              </a:lnSpc>
+              <a:buFont typeface="Wingdings" panose="05000000000000000000" pitchFamily="2" charset="2"/>
+              <a:buChar char="l"/>
+            </a:pPr>
+            <a:r>
+              <a:rPr lang="en-US" altLang="zh-TW" sz="2400" dirty="0">
+                <a:solidFill>
+                  <a:schemeClr val="tx1"/>
+                </a:solidFill>
+                <a:ea typeface="Tahoma" panose="020B0604030504040204" pitchFamily="34" charset="0"/>
+                <a:cs typeface="Tahoma" panose="020B0604030504040204" pitchFamily="34" charset="0"/>
+              </a:rPr>
+              <a:t>Simulation Waveforms</a:t>
+            </a:r>
+          </a:p>
+        </p:txBody>
+      </p:sp>
+      <p:pic>
+        <p:nvPicPr>
+          <p:cNvPr id="7" name="圖片 6">
+            <a:extLst>
+              <a:ext uri="{FF2B5EF4-FFF2-40B4-BE49-F238E27FC236}">
+                <a16:creationId xmlns:a16="http://schemas.microsoft.com/office/drawing/2014/main" id="{DB9FAB63-2413-4A31-9B2E-DB3136B1C3C5}"/>
+              </a:ext>
+            </a:extLst>
+          </p:cNvPr>
+          <p:cNvPicPr>
+            <a:picLocks noChangeAspect="1"/>
+          </p:cNvPicPr>
+          <p:nvPr/>
+        </p:nvPicPr>
+        <p:blipFill>
+          <a:blip r:embed="rId3"/>
+          <a:stretch>
+            <a:fillRect/>
+          </a:stretch>
+        </p:blipFill>
+        <p:spPr>
+          <a:xfrm>
+            <a:off x="5889095" y="911886"/>
+            <a:ext cx="2161857" cy="3697218"/>
+          </a:xfrm>
+          <a:prstGeom prst="rect">
+            <a:avLst/>
+          </a:prstGeom>
+        </p:spPr>
+      </p:pic>
+      <p:pic>
+        <p:nvPicPr>
+          <p:cNvPr id="8" name="圖片 7">
+            <a:extLst>
+              <a:ext uri="{FF2B5EF4-FFF2-40B4-BE49-F238E27FC236}">
+                <a16:creationId xmlns:a16="http://schemas.microsoft.com/office/drawing/2014/main" id="{8C42B231-5240-4252-8E4B-EB5C15C151D4}"/>
+              </a:ext>
+            </a:extLst>
+          </p:cNvPr>
+          <p:cNvPicPr>
+            <a:picLocks noChangeAspect="1"/>
+          </p:cNvPicPr>
+          <p:nvPr/>
+        </p:nvPicPr>
+        <p:blipFill>
+          <a:blip r:embed="rId4"/>
+          <a:stretch>
+            <a:fillRect/>
+          </a:stretch>
+        </p:blipFill>
+        <p:spPr>
+          <a:xfrm>
+            <a:off x="1187624" y="4687749"/>
+            <a:ext cx="6426714" cy="1662741"/>
+          </a:xfrm>
+          <a:prstGeom prst="rect">
+            <a:avLst/>
+          </a:prstGeom>
+        </p:spPr>
+      </p:pic>
+    </p:spTree>
+    <p:extLst>
+      <p:ext uri="{BB962C8B-B14F-4D97-AF65-F5344CB8AC3E}">
+        <p14:creationId xmlns:p14="http://schemas.microsoft.com/office/powerpoint/2010/main" val="4214256414"/>
       </p:ext>
     </p:extLst>
   </p:cSld>

--- a/ppt.pptx
+++ b/ppt.pptx
@@ -13581,12 +13581,48 @@
               </a:rPr>
               <a:t>Q &amp; A</a:t>
             </a:r>
+          </a:p>
+          <a:p>
             <a:endParaRPr lang="zh-TW" altLang="en-US" sz="6600" b="1" dirty="0">
               <a:solidFill>
                 <a:srgbClr val="0070C0"/>
               </a:solidFill>
               <a:latin typeface="Verdana" panose="020B0604030504040204" pitchFamily="34" charset="0"/>
             </a:endParaRPr>
+          </a:p>
+        </p:txBody>
+      </p:sp>
+      <p:sp>
+        <p:nvSpPr>
+          <p:cNvPr id="2" name="矩形 1">
+            <a:extLst>
+              <a:ext uri="{FF2B5EF4-FFF2-40B4-BE49-F238E27FC236}">
+                <a16:creationId xmlns:a16="http://schemas.microsoft.com/office/drawing/2014/main" id="{CFBF17B8-C516-4DD2-8E8E-987C9CF51C2D}"/>
+              </a:ext>
+            </a:extLst>
+          </p:cNvPr>
+          <p:cNvSpPr/>
+          <p:nvPr/>
+        </p:nvSpPr>
+        <p:spPr>
+          <a:xfrm>
+            <a:off x="2546062" y="4221088"/>
+            <a:ext cx="4195892" cy="369332"/>
+          </a:xfrm>
+          <a:prstGeom prst="rect">
+            <a:avLst/>
+          </a:prstGeom>
+        </p:spPr>
+        <p:txBody>
+          <a:bodyPr wrap="none">
+            <a:spAutoFit/>
+          </a:bodyPr>
+          <a:lstStyle/>
+          <a:p>
+            <a:r>
+              <a:rPr lang="zh-TW" altLang="en-US" dirty="0"/>
+              <a:t>https://github.com/jieyunma/AAHLS_LabA</a:t>
+            </a:r>
           </a:p>
         </p:txBody>
       </p:sp>
